--- a/Feed Forward Loop Presentation.pptx
+++ b/Feed Forward Loop Presentation.pptx
@@ -5,19 +5,25 @@
     <p:sldMasterId id="2147483648" r:id="rId1"/>
   </p:sldMasterIdLst>
   <p:notesMasterIdLst>
-    <p:notesMasterId r:id="rId12"/>
+    <p:notesMasterId r:id="rId18"/>
   </p:notesMasterIdLst>
   <p:sldIdLst>
     <p:sldId id="256" r:id="rId2"/>
     <p:sldId id="259" r:id="rId3"/>
-    <p:sldId id="269" r:id="rId4"/>
-    <p:sldId id="273" r:id="rId5"/>
-    <p:sldId id="272" r:id="rId6"/>
-    <p:sldId id="270" r:id="rId7"/>
-    <p:sldId id="271" r:id="rId8"/>
-    <p:sldId id="274" r:id="rId9"/>
-    <p:sldId id="267" r:id="rId10"/>
-    <p:sldId id="268" r:id="rId11"/>
+    <p:sldId id="284" r:id="rId4"/>
+    <p:sldId id="282" r:id="rId5"/>
+    <p:sldId id="283" r:id="rId6"/>
+    <p:sldId id="285" r:id="rId7"/>
+    <p:sldId id="273" r:id="rId8"/>
+    <p:sldId id="276" r:id="rId9"/>
+    <p:sldId id="286" r:id="rId10"/>
+    <p:sldId id="293" r:id="rId11"/>
+    <p:sldId id="287" r:id="rId12"/>
+    <p:sldId id="288" r:id="rId13"/>
+    <p:sldId id="289" r:id="rId14"/>
+    <p:sldId id="290" r:id="rId15"/>
+    <p:sldId id="291" r:id="rId16"/>
+    <p:sldId id="292" r:id="rId17"/>
   </p:sldIdLst>
   <p:sldSz cx="9144000" cy="6858000" type="screen4x3"/>
   <p:notesSz cx="9144000" cy="6858000"/>
@@ -123,14 +129,20 @@
           <p14:sldIdLst>
             <p14:sldId id="256"/>
             <p14:sldId id="259"/>
-            <p14:sldId id="269"/>
+            <p14:sldId id="284"/>
+            <p14:sldId id="282"/>
+            <p14:sldId id="283"/>
+            <p14:sldId id="285"/>
             <p14:sldId id="273"/>
-            <p14:sldId id="272"/>
-            <p14:sldId id="270"/>
-            <p14:sldId id="271"/>
-            <p14:sldId id="274"/>
-            <p14:sldId id="267"/>
-            <p14:sldId id="268"/>
+            <p14:sldId id="276"/>
+            <p14:sldId id="286"/>
+            <p14:sldId id="293"/>
+            <p14:sldId id="287"/>
+            <p14:sldId id="288"/>
+            <p14:sldId id="289"/>
+            <p14:sldId id="290"/>
+            <p14:sldId id="291"/>
+            <p14:sldId id="292"/>
           </p14:sldIdLst>
         </p14:section>
       </p14:sectionLst>
@@ -443,7 +455,7 @@
     </p:spTree>
     <p:extLst>
       <p:ext uri="{BB962C8B-B14F-4D97-AF65-F5344CB8AC3E}">
-        <p14:creationId xmlns:p14="http://schemas.microsoft.com/office/powerpoint/2010/main" val="2924883576"/>
+        <p14:creationId xmlns:p14="http://schemas.microsoft.com/office/powerpoint/2010/main" val="183177149"/>
       </p:ext>
     </p:extLst>
   </p:cSld>
@@ -454,6 +466,132 @@
 </file>
 
 <file path=ppt/notesSlides/notesSlide4.xml><?xml version="1.0" encoding="utf-8"?>
+<p:notes xmlns:a="http://schemas.openxmlformats.org/drawingml/2006/main" xmlns:r="http://schemas.openxmlformats.org/officeDocument/2006/relationships" xmlns:p="http://schemas.openxmlformats.org/presentationml/2006/main">
+  <p:cSld>
+    <p:spTree>
+      <p:nvGrpSpPr>
+        <p:cNvPr id="1" name=""/>
+        <p:cNvGrpSpPr/>
+        <p:nvPr/>
+      </p:nvGrpSpPr>
+      <p:grpSpPr>
+        <a:xfrm>
+          <a:off x="0" y="0"/>
+          <a:ext cx="0" cy="0"/>
+          <a:chOff x="0" y="0"/>
+          <a:chExt cx="0" cy="0"/>
+        </a:xfrm>
+      </p:grpSpPr>
+      <p:sp>
+        <p:nvSpPr>
+          <p:cNvPr id="2" name="Folienbildplatzhalter 1"/>
+          <p:cNvSpPr>
+            <a:spLocks noGrp="1" noRot="1" noChangeAspect="1"/>
+          </p:cNvSpPr>
+          <p:nvPr>
+            <p:ph type="sldImg"/>
+          </p:nvPr>
+        </p:nvSpPr>
+        <p:spPr>
+          <a:xfrm>
+            <a:off x="3028950" y="857250"/>
+            <a:ext cx="3086100" cy="2314575"/>
+          </a:xfrm>
+          <a:prstGeom prst="rect">
+            <a:avLst/>
+          </a:prstGeom>
+          <a:noFill/>
+          <a:ln w="12700">
+            <a:solidFill>
+              <a:prstClr val="black"/>
+            </a:solidFill>
+          </a:ln>
+        </p:spPr>
+      </p:sp>
+      <p:sp>
+        <p:nvSpPr>
+          <p:cNvPr id="3" name="Notizenplatzhalter 2"/>
+          <p:cNvSpPr>
+            <a:spLocks noGrp="1"/>
+          </p:cNvSpPr>
+          <p:nvPr>
+            <p:ph type="body" idx="1"/>
+          </p:nvPr>
+        </p:nvSpPr>
+        <p:spPr>
+          <a:xfrm>
+            <a:off x="914400" y="3300413"/>
+            <a:ext cx="7315200" cy="2700337"/>
+          </a:xfrm>
+          <a:prstGeom prst="rect">
+            <a:avLst/>
+          </a:prstGeom>
+        </p:spPr>
+        <p:txBody>
+          <a:bodyPr/>
+          <a:lstStyle/>
+          <a:p>
+            <a:r>
+              <a:rPr lang="de-DE" altLang="zh-CN" dirty="0" err="1"/>
+              <a:t>Vorund</a:t>
+            </a:r>
+            <a:r>
+              <a:rPr lang="de-DE" altLang="zh-CN" dirty="0"/>
+              <a:t> </a:t>
+            </a:r>
+            <a:r>
+              <a:rPr lang="de-DE" altLang="zh-CN" dirty="0" err="1"/>
+              <a:t>nachteile</a:t>
+            </a:r>
+            <a:r>
+              <a:rPr lang="de-DE" altLang="zh-CN" dirty="0"/>
+              <a:t> vom </a:t>
+            </a:r>
+            <a:r>
+              <a:rPr lang="de-DE" altLang="zh-CN" dirty="0" err="1"/>
+              <a:t>paper</a:t>
+            </a:r>
+            <a:endParaRPr lang="de-DE" altLang="zh-CN" dirty="0"/>
+          </a:p>
+          <a:p>
+            <a:endParaRPr lang="de-DE" altLang="zh-CN" dirty="0"/>
+          </a:p>
+          <a:p>
+            <a:r>
+              <a:rPr lang="de-DE" altLang="zh-CN" dirty="0"/>
+              <a:t>Allgemeine Aussage</a:t>
+            </a:r>
+          </a:p>
+          <a:p>
+            <a:r>
+              <a:rPr lang="de-DE" altLang="zh-CN" dirty="0"/>
+              <a:t>Andere Motive </a:t>
+            </a:r>
+            <a:r>
+              <a:rPr lang="de-DE" altLang="zh-CN" dirty="0" err="1"/>
+              <a:t>network</a:t>
+            </a:r>
+            <a:endParaRPr lang="zh-CN" altLang="en-US" dirty="0"/>
+          </a:p>
+          <a:p>
+            <a:endParaRPr lang="zh-CN" altLang="en-US" dirty="0"/>
+          </a:p>
+        </p:txBody>
+      </p:sp>
+    </p:spTree>
+    <p:extLst>
+      <p:ext uri="{BB962C8B-B14F-4D97-AF65-F5344CB8AC3E}">
+        <p14:creationId xmlns:p14="http://schemas.microsoft.com/office/powerpoint/2010/main" val="3173603172"/>
+      </p:ext>
+    </p:extLst>
+  </p:cSld>
+  <p:clrMapOvr>
+    <a:masterClrMapping/>
+  </p:clrMapOvr>
+</p:notes>
+</file>
+
+<file path=ppt/notesSlides/notesSlide5.xml><?xml version="1.0" encoding="utf-8"?>
 <p:notes xmlns:a="http://schemas.openxmlformats.org/drawingml/2006/main" xmlns:r="http://schemas.openxmlformats.org/officeDocument/2006/relationships" xmlns:p="http://schemas.openxmlformats.org/presentationml/2006/main">
   <p:cSld>
     <p:spTree>
@@ -492,6 +630,11 @@
         </p:txBody>
       </p:sp>
     </p:spTree>
+    <p:extLst>
+      <p:ext uri="{BB962C8B-B14F-4D97-AF65-F5344CB8AC3E}">
+        <p14:creationId xmlns:p14="http://schemas.microsoft.com/office/powerpoint/2010/main" val="1388245271"/>
+      </p:ext>
+    </p:extLst>
   </p:cSld>
   <p:clrMapOvr>
     <a:masterClrMapping/>
@@ -681,6 +824,14 @@
   <p:clrMapOvr>
     <a:masterClrMapping/>
   </p:clrMapOvr>
+  <mc:AlternateContent xmlns:mc="http://schemas.openxmlformats.org/markup-compatibility/2006">
+    <mc:Choice xmlns:p14="http://schemas.microsoft.com/office/powerpoint/2010/main" Requires="p14">
+      <p:transition spd="slow" p14:dur="12000"/>
+    </mc:Choice>
+    <mc:Fallback>
+      <p:transition spd="slow"/>
+    </mc:Fallback>
+  </mc:AlternateContent>
 </p:sldLayout>
 </file>
 
@@ -856,6 +1007,14 @@
   <p:clrMapOvr>
     <a:masterClrMapping/>
   </p:clrMapOvr>
+  <mc:AlternateContent xmlns:mc="http://schemas.openxmlformats.org/markup-compatibility/2006">
+    <mc:Choice xmlns:p14="http://schemas.microsoft.com/office/powerpoint/2010/main" Requires="p14">
+      <p:transition spd="slow" p14:dur="12000"/>
+    </mc:Choice>
+    <mc:Fallback>
+      <p:transition spd="slow"/>
+    </mc:Fallback>
+  </mc:AlternateContent>
 </p:sldLayout>
 </file>
 
@@ -1070,6 +1229,14 @@
   <p:clrMapOvr>
     <a:masterClrMapping/>
   </p:clrMapOvr>
+  <mc:AlternateContent xmlns:mc="http://schemas.openxmlformats.org/markup-compatibility/2006">
+    <mc:Choice xmlns:p14="http://schemas.microsoft.com/office/powerpoint/2010/main" Requires="p14">
+      <p:transition spd="slow" p14:dur="12000"/>
+    </mc:Choice>
+    <mc:Fallback>
+      <p:transition spd="slow"/>
+    </mc:Fallback>
+  </mc:AlternateContent>
 </p:sldLayout>
 </file>
 
@@ -1218,6 +1385,14 @@
   <p:clrMapOvr>
     <a:masterClrMapping/>
   </p:clrMapOvr>
+  <mc:AlternateContent xmlns:mc="http://schemas.openxmlformats.org/markup-compatibility/2006">
+    <mc:Choice xmlns:p14="http://schemas.microsoft.com/office/powerpoint/2010/main" Requires="p14">
+      <p:transition spd="slow" p14:dur="12000"/>
+    </mc:Choice>
+    <mc:Fallback>
+      <p:transition spd="slow"/>
+    </mc:Fallback>
+  </mc:AlternateContent>
 </p:sldLayout>
 </file>
 
@@ -1337,6 +1512,14 @@
   <p:clrMapOvr>
     <a:masterClrMapping/>
   </p:clrMapOvr>
+  <mc:AlternateContent xmlns:mc="http://schemas.openxmlformats.org/markup-compatibility/2006">
+    <mc:Choice xmlns:p14="http://schemas.microsoft.com/office/powerpoint/2010/main" Requires="p14">
+      <p:transition spd="slow" p14:dur="12000"/>
+    </mc:Choice>
+    <mc:Fallback>
+      <p:transition spd="slow"/>
+    </mc:Fallback>
+  </mc:AlternateContent>
 </p:sldLayout>
 </file>
 
@@ -1662,6 +1845,14 @@
     <p:sldLayoutId id="2147483664" r:id="rId4"/>
     <p:sldLayoutId id="2147483665" r:id="rId5"/>
   </p:sldLayoutIdLst>
+  <mc:AlternateContent xmlns:mc="http://schemas.openxmlformats.org/markup-compatibility/2006">
+    <mc:Choice xmlns:p14="http://schemas.microsoft.com/office/powerpoint/2010/main" Requires="p14">
+      <p:transition spd="slow" p14:dur="12000"/>
+    </mc:Choice>
+    <mc:Fallback>
+      <p:transition spd="slow"/>
+    </mc:Fallback>
+  </mc:AlternateContent>
   <p:txStyles>
     <p:titleStyle>
       <a:lvl1pPr>
@@ -2716,6 +2907,14 @@
   <p:clrMapOvr>
     <a:masterClrMapping/>
   </p:clrMapOvr>
+  <mc:AlternateContent xmlns:mc="http://schemas.openxmlformats.org/markup-compatibility/2006">
+    <mc:Choice xmlns:p14="http://schemas.microsoft.com/office/powerpoint/2010/main" Requires="p14">
+      <p:transition spd="slow" p14:dur="12000"/>
+    </mc:Choice>
+    <mc:Fallback>
+      <p:transition spd="slow"/>
+    </mc:Fallback>
+  </mc:AlternateContent>
 </p:sld>
 </file>
 
@@ -2741,7 +2940,7 @@
           <p:cNvPr id="2" name="Titel 1">
             <a:extLst>
               <a:ext uri="{FF2B5EF4-FFF2-40B4-BE49-F238E27FC236}">
-                <a16:creationId xmlns:a16="http://schemas.microsoft.com/office/drawing/2014/main" id="{7A0D6B08-F2D4-460C-B2E0-997EC404E051}"/>
+                <a16:creationId xmlns:a16="http://schemas.microsoft.com/office/drawing/2014/main" id="{3D27EA34-08B5-4911-8376-C40FDD3244B1}"/>
               </a:ext>
             </a:extLst>
           </p:cNvPr>
@@ -2754,6 +2953,1957 @@
         </p:nvSpPr>
         <p:spPr>
           <a:xfrm>
+            <a:off x="477253" y="777120"/>
+            <a:ext cx="3997693" cy="984885"/>
+          </a:xfrm>
+        </p:spPr>
+        <p:txBody>
+          <a:bodyPr/>
+          <a:lstStyle/>
+          <a:p>
+            <a:pPr algn="ctr"/>
+            <a:r>
+              <a:rPr lang="de-DE" altLang="zh-CN" dirty="0">
+                <a:solidFill>
+                  <a:schemeClr val="tx2"/>
+                </a:solidFill>
+              </a:rPr>
+              <a:t>Incoherent Type 1</a:t>
+            </a:r>
+            <a:br>
+              <a:rPr lang="de-DE" altLang="zh-CN" dirty="0">
+                <a:solidFill>
+                  <a:schemeClr val="tx2"/>
+                </a:solidFill>
+              </a:rPr>
+            </a:br>
+            <a:endParaRPr lang="zh-CN" altLang="en-US" dirty="0">
+              <a:solidFill>
+                <a:schemeClr val="tx2"/>
+              </a:solidFill>
+            </a:endParaRPr>
+          </a:p>
+        </p:txBody>
+      </p:sp>
+      <p:pic>
+        <p:nvPicPr>
+          <p:cNvPr id="9" name="Inhaltsplatzhalter 8">
+            <a:extLst>
+              <a:ext uri="{FF2B5EF4-FFF2-40B4-BE49-F238E27FC236}">
+                <a16:creationId xmlns:a16="http://schemas.microsoft.com/office/drawing/2014/main" id="{2C69CF95-8F7D-4A16-8C4A-03E7CADF9F25}"/>
+              </a:ext>
+            </a:extLst>
+          </p:cNvPr>
+          <p:cNvPicPr>
+            <a:picLocks noGrp="1" noChangeAspect="1"/>
+          </p:cNvPicPr>
+          <p:nvPr>
+            <p:ph sz="half" idx="3"/>
+          </p:nvPr>
+        </p:nvPicPr>
+        <p:blipFill>
+          <a:blip r:embed="rId2" cstate="print">
+            <a:extLst>
+              <a:ext uri="{28A0092B-C50C-407E-A947-70E740481C1C}">
+                <a14:useLocalDpi xmlns:a14="http://schemas.microsoft.com/office/drawing/2010/main" val="0"/>
+              </a:ext>
+            </a:extLst>
+          </a:blip>
+          <a:stretch>
+            <a:fillRect/>
+          </a:stretch>
+        </p:blipFill>
+        <p:spPr>
+          <a:xfrm>
+            <a:off x="6491360" y="2667000"/>
+            <a:ext cx="139554" cy="276225"/>
+          </a:xfrm>
+        </p:spPr>
+      </p:pic>
+      <p:sp>
+        <p:nvSpPr>
+          <p:cNvPr id="5" name="Rechteck 4">
+            <a:extLst>
+              <a:ext uri="{FF2B5EF4-FFF2-40B4-BE49-F238E27FC236}">
+                <a16:creationId xmlns:a16="http://schemas.microsoft.com/office/drawing/2014/main" id="{A1C21F27-5D1C-4FD3-8D07-22AD895445F1}"/>
+              </a:ext>
+            </a:extLst>
+          </p:cNvPr>
+          <p:cNvSpPr/>
+          <p:nvPr/>
+        </p:nvSpPr>
+        <p:spPr>
+          <a:xfrm>
+            <a:off x="4411979" y="730954"/>
+            <a:ext cx="4572000" cy="584775"/>
+          </a:xfrm>
+          <a:prstGeom prst="rect">
+            <a:avLst/>
+          </a:prstGeom>
+        </p:spPr>
+        <p:txBody>
+          <a:bodyPr>
+            <a:spAutoFit/>
+          </a:bodyPr>
+          <a:lstStyle/>
+          <a:p>
+            <a:pPr marL="0" marR="0" lvl="0" indent="0" algn="ctr" defTabSz="914400" rtl="0" eaLnBrk="1" fontAlgn="auto" latinLnBrk="0" hangingPunct="1">
+              <a:lnSpc>
+                <a:spcPct val="100000"/>
+              </a:lnSpc>
+              <a:spcBef>
+                <a:spcPts val="0"/>
+              </a:spcBef>
+              <a:spcAft>
+                <a:spcPts val="0"/>
+              </a:spcAft>
+              <a:buClrTx/>
+              <a:buSzTx/>
+              <a:buFontTx/>
+              <a:buNone/>
+              <a:tabLst/>
+              <a:defRPr/>
+            </a:pPr>
+            <a:r>
+              <a:rPr kumimoji="0" lang="de-DE" altLang="zh-CN" sz="3200" b="0" i="0" u="none" strike="noStrike" kern="0" cap="none" spc="0" normalizeH="0" baseline="0" noProof="0" dirty="0">
+                <a:ln>
+                  <a:noFill/>
+                </a:ln>
+                <a:solidFill>
+                  <a:schemeClr val="tx2"/>
+                </a:solidFill>
+                <a:effectLst/>
+                <a:uLnTx/>
+                <a:uFillTx/>
+                <a:latin typeface="DejaVu Sans"/>
+                <a:ea typeface="宋体" panose="02010600030101010101" pitchFamily="2" charset="-122"/>
+                <a:cs typeface="+mn-cs"/>
+              </a:rPr>
+              <a:t>Incoherent Type 4</a:t>
+            </a:r>
+            <a:endParaRPr kumimoji="0" lang="zh-CN" altLang="en-US" sz="1800" b="0" i="0" u="none" strike="noStrike" kern="1200" cap="none" spc="0" normalizeH="0" baseline="0" noProof="0" dirty="0">
+              <a:ln>
+                <a:noFill/>
+              </a:ln>
+              <a:solidFill>
+                <a:schemeClr val="tx2"/>
+              </a:solidFill>
+              <a:effectLst/>
+              <a:uLnTx/>
+              <a:uFillTx/>
+              <a:latin typeface="Calibri"/>
+              <a:ea typeface="宋体" panose="02010600030101010101" pitchFamily="2" charset="-122"/>
+              <a:cs typeface="+mn-cs"/>
+            </a:endParaRPr>
+          </a:p>
+        </p:txBody>
+      </p:sp>
+      <p:pic>
+        <p:nvPicPr>
+          <p:cNvPr id="8" name="Inhaltsplatzhalter 7">
+            <a:extLst>
+              <a:ext uri="{FF2B5EF4-FFF2-40B4-BE49-F238E27FC236}">
+                <a16:creationId xmlns:a16="http://schemas.microsoft.com/office/drawing/2014/main" id="{D288CD8F-9315-47AB-BE10-8886E06E170D}"/>
+              </a:ext>
+            </a:extLst>
+          </p:cNvPr>
+          <p:cNvPicPr>
+            <a:picLocks noGrp="1" noChangeAspect="1"/>
+          </p:cNvPicPr>
+          <p:nvPr>
+            <p:ph sz="half" idx="2"/>
+          </p:nvPr>
+        </p:nvPicPr>
+        <p:blipFill>
+          <a:blip r:embed="rId3">
+            <a:extLst>
+              <a:ext uri="{28A0092B-C50C-407E-A947-70E740481C1C}">
+                <a14:useLocalDpi xmlns:a14="http://schemas.microsoft.com/office/drawing/2010/main" val="0"/>
+              </a:ext>
+            </a:extLst>
+          </a:blip>
+          <a:stretch>
+            <a:fillRect/>
+          </a:stretch>
+        </p:blipFill>
+        <p:spPr>
+          <a:xfrm>
+            <a:off x="381992" y="3240250"/>
+            <a:ext cx="4320001" cy="2880000"/>
+          </a:xfrm>
+        </p:spPr>
+      </p:pic>
+      <p:pic>
+        <p:nvPicPr>
+          <p:cNvPr id="12" name="Grafik 11">
+            <a:extLst>
+              <a:ext uri="{FF2B5EF4-FFF2-40B4-BE49-F238E27FC236}">
+                <a16:creationId xmlns:a16="http://schemas.microsoft.com/office/drawing/2014/main" id="{8E09EBB1-D973-4734-9131-4A9CF05F1580}"/>
+              </a:ext>
+            </a:extLst>
+          </p:cNvPr>
+          <p:cNvPicPr>
+            <a:picLocks noChangeAspect="1"/>
+          </p:cNvPicPr>
+          <p:nvPr/>
+        </p:nvPicPr>
+        <p:blipFill>
+          <a:blip r:embed="rId4">
+            <a:extLst>
+              <a:ext uri="{28A0092B-C50C-407E-A947-70E740481C1C}">
+                <a14:useLocalDpi xmlns:a14="http://schemas.microsoft.com/office/drawing/2010/main" val="0"/>
+              </a:ext>
+            </a:extLst>
+          </a:blip>
+          <a:stretch>
+            <a:fillRect/>
+          </a:stretch>
+        </p:blipFill>
+        <p:spPr>
+          <a:xfrm>
+            <a:off x="4824000" y="3249789"/>
+            <a:ext cx="4320000" cy="2880000"/>
+          </a:xfrm>
+          <a:prstGeom prst="rect">
+            <a:avLst/>
+          </a:prstGeom>
+        </p:spPr>
+      </p:pic>
+      <p:pic>
+        <p:nvPicPr>
+          <p:cNvPr id="13" name="Grafik 12">
+            <a:extLst>
+              <a:ext uri="{FF2B5EF4-FFF2-40B4-BE49-F238E27FC236}">
+                <a16:creationId xmlns:a16="http://schemas.microsoft.com/office/drawing/2014/main" id="{F94C2F07-C1A8-4BE6-935E-0A1198BC681A}"/>
+              </a:ext>
+            </a:extLst>
+          </p:cNvPr>
+          <p:cNvPicPr>
+            <a:picLocks noChangeAspect="1"/>
+          </p:cNvPicPr>
+          <p:nvPr/>
+        </p:nvPicPr>
+        <p:blipFill>
+          <a:blip r:embed="rId5">
+            <a:duotone>
+              <a:prstClr val="black"/>
+              <a:schemeClr val="accent1">
+                <a:tint val="45000"/>
+                <a:satMod val="400000"/>
+              </a:schemeClr>
+            </a:duotone>
+          </a:blip>
+          <a:stretch>
+            <a:fillRect/>
+          </a:stretch>
+        </p:blipFill>
+        <p:spPr>
+          <a:xfrm>
+            <a:off x="2050403" y="1809789"/>
+            <a:ext cx="837965" cy="1440000"/>
+          </a:xfrm>
+          <a:prstGeom prst="rect">
+            <a:avLst/>
+          </a:prstGeom>
+        </p:spPr>
+      </p:pic>
+      <p:pic>
+        <p:nvPicPr>
+          <p:cNvPr id="14" name="Grafik 13">
+            <a:extLst>
+              <a:ext uri="{FF2B5EF4-FFF2-40B4-BE49-F238E27FC236}">
+                <a16:creationId xmlns:a16="http://schemas.microsoft.com/office/drawing/2014/main" id="{E89E5039-094B-4D39-828F-EFA506CA67B5}"/>
+              </a:ext>
+            </a:extLst>
+          </p:cNvPr>
+          <p:cNvPicPr>
+            <a:picLocks noChangeAspect="1"/>
+          </p:cNvPicPr>
+          <p:nvPr/>
+        </p:nvPicPr>
+        <p:blipFill>
+          <a:blip r:embed="rId6">
+            <a:duotone>
+              <a:prstClr val="black"/>
+              <a:schemeClr val="accent1">
+                <a:tint val="45000"/>
+                <a:satMod val="400000"/>
+              </a:schemeClr>
+            </a:duotone>
+            <a:extLst>
+              <a:ext uri="{28A0092B-C50C-407E-A947-70E740481C1C}">
+                <a14:useLocalDpi xmlns:a14="http://schemas.microsoft.com/office/drawing/2010/main" val="0"/>
+              </a:ext>
+            </a:extLst>
+          </a:blip>
+          <a:stretch>
+            <a:fillRect/>
+          </a:stretch>
+        </p:blipFill>
+        <p:spPr>
+          <a:xfrm>
+            <a:off x="6630914" y="1809789"/>
+            <a:ext cx="751765" cy="1440000"/>
+          </a:xfrm>
+          <a:prstGeom prst="rect">
+            <a:avLst/>
+          </a:prstGeom>
+        </p:spPr>
+      </p:pic>
+      <p:sp>
+        <p:nvSpPr>
+          <p:cNvPr id="19" name="Rechteck 18">
+            <a:extLst>
+              <a:ext uri="{FF2B5EF4-FFF2-40B4-BE49-F238E27FC236}">
+                <a16:creationId xmlns:a16="http://schemas.microsoft.com/office/drawing/2014/main" id="{A4CA6BBF-1B53-4196-AEE5-C347B8D4C28E}"/>
+              </a:ext>
+            </a:extLst>
+          </p:cNvPr>
+          <p:cNvSpPr/>
+          <p:nvPr/>
+        </p:nvSpPr>
+        <p:spPr>
+          <a:xfrm>
+            <a:off x="477253" y="1194266"/>
+            <a:ext cx="8209547" cy="584775"/>
+          </a:xfrm>
+          <a:prstGeom prst="rect">
+            <a:avLst/>
+          </a:prstGeom>
+        </p:spPr>
+        <p:txBody>
+          <a:bodyPr wrap="square">
+            <a:spAutoFit/>
+          </a:bodyPr>
+          <a:lstStyle/>
+          <a:p>
+            <a:pPr algn="ctr"/>
+            <a:r>
+              <a:rPr lang="de-DE" altLang="zh-CN" sz="3200" kern="0" dirty="0" err="1">
+                <a:solidFill>
+                  <a:schemeClr val="tx2"/>
+                </a:solidFill>
+                <a:latin typeface="DejaVu Sans"/>
+              </a:rPr>
+              <a:t>With</a:t>
+            </a:r>
+            <a:r>
+              <a:rPr lang="de-DE" altLang="zh-CN" sz="3200" kern="0" dirty="0">
+                <a:solidFill>
+                  <a:schemeClr val="tx2"/>
+                </a:solidFill>
+                <a:latin typeface="DejaVu Sans"/>
+              </a:rPr>
+              <a:t> basal Y </a:t>
+            </a:r>
+            <a:r>
+              <a:rPr lang="de-DE" altLang="zh-CN" sz="3200" kern="0" dirty="0" err="1">
+                <a:solidFill>
+                  <a:schemeClr val="tx2"/>
+                </a:solidFill>
+                <a:latin typeface="DejaVu Sans"/>
+              </a:rPr>
+              <a:t>activity</a:t>
+            </a:r>
+            <a:endParaRPr lang="zh-CN" altLang="en-US" dirty="0">
+              <a:solidFill>
+                <a:schemeClr val="tx2"/>
+              </a:solidFill>
+            </a:endParaRPr>
+          </a:p>
+        </p:txBody>
+      </p:sp>
+      <p:sp>
+        <p:nvSpPr>
+          <p:cNvPr id="4" name="Textfeld 3">
+            <a:extLst>
+              <a:ext uri="{FF2B5EF4-FFF2-40B4-BE49-F238E27FC236}">
+                <a16:creationId xmlns:a16="http://schemas.microsoft.com/office/drawing/2014/main" id="{3C6E54A7-07CD-45CF-A36D-4349BFE88B21}"/>
+              </a:ext>
+            </a:extLst>
+          </p:cNvPr>
+          <p:cNvSpPr txBox="1"/>
+          <p:nvPr/>
+        </p:nvSpPr>
+        <p:spPr>
+          <a:xfrm>
+            <a:off x="3962400" y="6120250"/>
+            <a:ext cx="2246641" cy="523220"/>
+          </a:xfrm>
+          <a:prstGeom prst="rect">
+            <a:avLst/>
+          </a:prstGeom>
+          <a:noFill/>
+        </p:spPr>
+        <p:txBody>
+          <a:bodyPr wrap="none" rtlCol="0">
+            <a:spAutoFit/>
+          </a:bodyPr>
+          <a:lstStyle/>
+          <a:p>
+            <a:r>
+              <a:rPr lang="de-DE" sz="2800" dirty="0"/>
+              <a:t> </a:t>
+            </a:r>
+            <a:r>
+              <a:rPr lang="de-DE" sz="2800" dirty="0" err="1"/>
+              <a:t>Acceleration</a:t>
+            </a:r>
+            <a:r>
+              <a:rPr lang="de-DE" sz="2800" dirty="0"/>
+              <a:t> </a:t>
+            </a:r>
+          </a:p>
+        </p:txBody>
+      </p:sp>
+      <p:sp>
+        <p:nvSpPr>
+          <p:cNvPr id="15" name="Pfeil: nach rechts 14">
+            <a:extLst>
+              <a:ext uri="{FF2B5EF4-FFF2-40B4-BE49-F238E27FC236}">
+                <a16:creationId xmlns:a16="http://schemas.microsoft.com/office/drawing/2014/main" id="{0F459AFF-088F-4637-B08D-2D3EB32ED41F}"/>
+              </a:ext>
+            </a:extLst>
+          </p:cNvPr>
+          <p:cNvSpPr/>
+          <p:nvPr/>
+        </p:nvSpPr>
+        <p:spPr>
+          <a:xfrm>
+            <a:off x="3283670" y="6229460"/>
+            <a:ext cx="762000" cy="304800"/>
+          </a:xfrm>
+          <a:prstGeom prst="rightArrow">
+            <a:avLst/>
+          </a:prstGeom>
+        </p:spPr>
+        <p:style>
+          <a:lnRef idx="1">
+            <a:schemeClr val="accent1"/>
+          </a:lnRef>
+          <a:fillRef idx="2">
+            <a:schemeClr val="accent1"/>
+          </a:fillRef>
+          <a:effectRef idx="1">
+            <a:schemeClr val="accent1"/>
+          </a:effectRef>
+          <a:fontRef idx="minor">
+            <a:schemeClr val="dk1"/>
+          </a:fontRef>
+        </p:style>
+        <p:txBody>
+          <a:bodyPr rtlCol="0" anchor="ctr"/>
+          <a:lstStyle/>
+          <a:p>
+            <a:pPr algn="ctr"/>
+            <a:endParaRPr lang="de-DE"/>
+          </a:p>
+        </p:txBody>
+      </p:sp>
+    </p:spTree>
+    <p:extLst>
+      <p:ext uri="{BB962C8B-B14F-4D97-AF65-F5344CB8AC3E}">
+        <p14:creationId xmlns:p14="http://schemas.microsoft.com/office/powerpoint/2010/main" val="2801643038"/>
+      </p:ext>
+    </p:extLst>
+  </p:cSld>
+  <p:clrMapOvr>
+    <a:masterClrMapping/>
+  </p:clrMapOvr>
+</p:sld>
+</file>
+
+<file path=ppt/slides/slide11.xml><?xml version="1.0" encoding="utf-8"?>
+<p:sld xmlns:a="http://schemas.openxmlformats.org/drawingml/2006/main" xmlns:r="http://schemas.openxmlformats.org/officeDocument/2006/relationships" xmlns:p="http://schemas.openxmlformats.org/presentationml/2006/main">
+  <p:cSld>
+    <p:spTree>
+      <p:nvGrpSpPr>
+        <p:cNvPr id="1" name=""/>
+        <p:cNvGrpSpPr/>
+        <p:nvPr/>
+      </p:nvGrpSpPr>
+      <p:grpSpPr>
+        <a:xfrm>
+          <a:off x="0" y="0"/>
+          <a:ext cx="0" cy="0"/>
+          <a:chOff x="0" y="0"/>
+          <a:chExt cx="0" cy="0"/>
+        </a:xfrm>
+      </p:grpSpPr>
+      <p:sp>
+        <p:nvSpPr>
+          <p:cNvPr id="2" name="Titel 1">
+            <a:extLst>
+              <a:ext uri="{FF2B5EF4-FFF2-40B4-BE49-F238E27FC236}">
+                <a16:creationId xmlns:a16="http://schemas.microsoft.com/office/drawing/2014/main" id="{3D27EA34-08B5-4911-8376-C40FDD3244B1}"/>
+              </a:ext>
+            </a:extLst>
+          </p:cNvPr>
+          <p:cNvSpPr>
+            <a:spLocks noGrp="1"/>
+          </p:cNvSpPr>
+          <p:nvPr>
+            <p:ph type="title"/>
+          </p:nvPr>
+        </p:nvSpPr>
+        <p:spPr>
+          <a:xfrm>
+            <a:off x="477253" y="777120"/>
+            <a:ext cx="3997693" cy="984885"/>
+          </a:xfrm>
+        </p:spPr>
+        <p:txBody>
+          <a:bodyPr/>
+          <a:lstStyle/>
+          <a:p>
+            <a:pPr algn="ctr"/>
+            <a:r>
+              <a:rPr lang="de-DE" altLang="zh-CN" dirty="0">
+                <a:solidFill>
+                  <a:schemeClr val="tx2"/>
+                </a:solidFill>
+              </a:rPr>
+              <a:t>Coherent Type 1</a:t>
+            </a:r>
+            <a:br>
+              <a:rPr lang="de-DE" altLang="zh-CN" dirty="0">
+                <a:solidFill>
+                  <a:schemeClr val="tx2"/>
+                </a:solidFill>
+              </a:rPr>
+            </a:br>
+            <a:r>
+              <a:rPr lang="de-DE" altLang="zh-CN" dirty="0">
+                <a:solidFill>
+                  <a:schemeClr val="tx2"/>
+                </a:solidFill>
+              </a:rPr>
+              <a:t>AND</a:t>
+            </a:r>
+            <a:endParaRPr lang="zh-CN" altLang="en-US" dirty="0">
+              <a:solidFill>
+                <a:schemeClr val="tx2"/>
+              </a:solidFill>
+            </a:endParaRPr>
+          </a:p>
+        </p:txBody>
+      </p:sp>
+      <p:sp>
+        <p:nvSpPr>
+          <p:cNvPr id="5" name="Rechteck 4">
+            <a:extLst>
+              <a:ext uri="{FF2B5EF4-FFF2-40B4-BE49-F238E27FC236}">
+                <a16:creationId xmlns:a16="http://schemas.microsoft.com/office/drawing/2014/main" id="{A1C21F27-5D1C-4FD3-8D07-22AD895445F1}"/>
+              </a:ext>
+            </a:extLst>
+          </p:cNvPr>
+          <p:cNvSpPr/>
+          <p:nvPr/>
+        </p:nvSpPr>
+        <p:spPr>
+          <a:xfrm>
+            <a:off x="4411979" y="730954"/>
+            <a:ext cx="4572000" cy="1077218"/>
+          </a:xfrm>
+          <a:prstGeom prst="rect">
+            <a:avLst/>
+          </a:prstGeom>
+        </p:spPr>
+        <p:txBody>
+          <a:bodyPr>
+            <a:spAutoFit/>
+          </a:bodyPr>
+          <a:lstStyle/>
+          <a:p>
+            <a:pPr algn="ctr"/>
+            <a:r>
+              <a:rPr lang="de-DE" altLang="zh-CN" sz="3200" kern="0" dirty="0">
+                <a:solidFill>
+                  <a:schemeClr val="tx2"/>
+                </a:solidFill>
+                <a:latin typeface="DejaVu Sans"/>
+              </a:rPr>
+              <a:t>Coherent Type 1 </a:t>
+            </a:r>
+          </a:p>
+          <a:p>
+            <a:pPr algn="ctr"/>
+            <a:r>
+              <a:rPr lang="en-GB" altLang="zh-CN" sz="3200" kern="0" dirty="0">
+                <a:solidFill>
+                  <a:schemeClr val="tx2"/>
+                </a:solidFill>
+                <a:latin typeface="DejaVu Sans"/>
+              </a:rPr>
+              <a:t>OR</a:t>
+            </a:r>
+            <a:endParaRPr lang="zh-CN" altLang="en-US" dirty="0">
+              <a:solidFill>
+                <a:schemeClr val="tx2"/>
+              </a:solidFill>
+            </a:endParaRPr>
+          </a:p>
+        </p:txBody>
+      </p:sp>
+      <p:pic>
+        <p:nvPicPr>
+          <p:cNvPr id="7" name="Inhaltsplatzhalter 6">
+            <a:extLst>
+              <a:ext uri="{FF2B5EF4-FFF2-40B4-BE49-F238E27FC236}">
+                <a16:creationId xmlns:a16="http://schemas.microsoft.com/office/drawing/2014/main" id="{2BEC1791-CBDF-412D-8F7B-2EE8FBF51F42}"/>
+              </a:ext>
+            </a:extLst>
+          </p:cNvPr>
+          <p:cNvPicPr>
+            <a:picLocks noGrp="1" noChangeAspect="1"/>
+          </p:cNvPicPr>
+          <p:nvPr>
+            <p:ph sz="half" idx="2"/>
+          </p:nvPr>
+        </p:nvPicPr>
+        <p:blipFill>
+          <a:blip r:embed="rId2">
+            <a:extLst>
+              <a:ext uri="{28A0092B-C50C-407E-A947-70E740481C1C}">
+                <a14:useLocalDpi xmlns:a14="http://schemas.microsoft.com/office/drawing/2010/main" val="0"/>
+              </a:ext>
+            </a:extLst>
+          </a:blip>
+          <a:stretch>
+            <a:fillRect/>
+          </a:stretch>
+        </p:blipFill>
+        <p:spPr>
+          <a:xfrm>
+            <a:off x="4691229" y="3058212"/>
+            <a:ext cx="4320001" cy="2880000"/>
+          </a:xfrm>
+        </p:spPr>
+      </p:pic>
+      <p:pic>
+        <p:nvPicPr>
+          <p:cNvPr id="11" name="Grafik 10">
+            <a:extLst>
+              <a:ext uri="{FF2B5EF4-FFF2-40B4-BE49-F238E27FC236}">
+                <a16:creationId xmlns:a16="http://schemas.microsoft.com/office/drawing/2014/main" id="{E3F78DFA-7F1D-4F5B-B3C0-C31CD68848D7}"/>
+              </a:ext>
+            </a:extLst>
+          </p:cNvPr>
+          <p:cNvPicPr>
+            <a:picLocks noChangeAspect="1"/>
+          </p:cNvPicPr>
+          <p:nvPr/>
+        </p:nvPicPr>
+        <p:blipFill>
+          <a:blip r:embed="rId3">
+            <a:extLst>
+              <a:ext uri="{28A0092B-C50C-407E-A947-70E740481C1C}">
+                <a14:useLocalDpi xmlns:a14="http://schemas.microsoft.com/office/drawing/2010/main" val="0"/>
+              </a:ext>
+            </a:extLst>
+          </a:blip>
+          <a:stretch>
+            <a:fillRect/>
+          </a:stretch>
+        </p:blipFill>
+        <p:spPr>
+          <a:xfrm>
+            <a:off x="316099" y="3048000"/>
+            <a:ext cx="4320000" cy="2880000"/>
+          </a:xfrm>
+          <a:prstGeom prst="rect">
+            <a:avLst/>
+          </a:prstGeom>
+        </p:spPr>
+      </p:pic>
+      <p:pic>
+        <p:nvPicPr>
+          <p:cNvPr id="13" name="Grafik 12">
+            <a:extLst>
+              <a:ext uri="{FF2B5EF4-FFF2-40B4-BE49-F238E27FC236}">
+                <a16:creationId xmlns:a16="http://schemas.microsoft.com/office/drawing/2014/main" id="{F3D5B3DF-3E6A-4D9E-92D6-1E7DDA3906C2}"/>
+              </a:ext>
+            </a:extLst>
+          </p:cNvPr>
+          <p:cNvPicPr>
+            <a:picLocks noChangeAspect="1"/>
+          </p:cNvPicPr>
+          <p:nvPr/>
+        </p:nvPicPr>
+        <p:blipFill>
+          <a:blip r:embed="rId4">
+            <a:duotone>
+              <a:prstClr val="black"/>
+              <a:schemeClr val="accent2">
+                <a:tint val="45000"/>
+                <a:satMod val="400000"/>
+              </a:schemeClr>
+            </a:duotone>
+            <a:extLst>
+              <a:ext uri="{28A0092B-C50C-407E-A947-70E740481C1C}">
+                <a14:useLocalDpi xmlns:a14="http://schemas.microsoft.com/office/drawing/2010/main" val="0"/>
+              </a:ext>
+            </a:extLst>
+          </a:blip>
+          <a:stretch>
+            <a:fillRect/>
+          </a:stretch>
+        </p:blipFill>
+        <p:spPr>
+          <a:xfrm>
+            <a:off x="4251738" y="1466732"/>
+            <a:ext cx="768722" cy="1440000"/>
+          </a:xfrm>
+          <a:prstGeom prst="rect">
+            <a:avLst/>
+          </a:prstGeom>
+        </p:spPr>
+      </p:pic>
+      <p:sp>
+        <p:nvSpPr>
+          <p:cNvPr id="10" name="Textfeld 9">
+            <a:extLst>
+              <a:ext uri="{FF2B5EF4-FFF2-40B4-BE49-F238E27FC236}">
+                <a16:creationId xmlns:a16="http://schemas.microsoft.com/office/drawing/2014/main" id="{0152281A-19E3-476B-82A0-B153C77BE882}"/>
+              </a:ext>
+            </a:extLst>
+          </p:cNvPr>
+          <p:cNvSpPr txBox="1"/>
+          <p:nvPr/>
+        </p:nvSpPr>
+        <p:spPr>
+          <a:xfrm>
+            <a:off x="977451" y="2611458"/>
+            <a:ext cx="2997295" cy="584775"/>
+          </a:xfrm>
+          <a:prstGeom prst="rect">
+            <a:avLst/>
+          </a:prstGeom>
+          <a:noFill/>
+        </p:spPr>
+        <p:txBody>
+          <a:bodyPr wrap="none" rtlCol="0">
+            <a:spAutoFit/>
+          </a:bodyPr>
+          <a:lstStyle/>
+          <a:p>
+            <a:r>
+              <a:rPr lang="de-DE" sz="3200" dirty="0"/>
+              <a:t>Delay on on-</a:t>
+            </a:r>
+            <a:r>
+              <a:rPr lang="de-DE" sz="3200" dirty="0" err="1"/>
+              <a:t>step</a:t>
+            </a:r>
+            <a:endParaRPr lang="de-DE" sz="3200" dirty="0"/>
+          </a:p>
+        </p:txBody>
+      </p:sp>
+      <p:sp>
+        <p:nvSpPr>
+          <p:cNvPr id="14" name="Textfeld 13">
+            <a:extLst>
+              <a:ext uri="{FF2B5EF4-FFF2-40B4-BE49-F238E27FC236}">
+                <a16:creationId xmlns:a16="http://schemas.microsoft.com/office/drawing/2014/main" id="{007475E1-8369-4BE0-BDA1-2952027935DA}"/>
+              </a:ext>
+            </a:extLst>
+          </p:cNvPr>
+          <p:cNvSpPr txBox="1"/>
+          <p:nvPr/>
+        </p:nvSpPr>
+        <p:spPr>
+          <a:xfrm>
+            <a:off x="5310518" y="2611457"/>
+            <a:ext cx="3026919" cy="584775"/>
+          </a:xfrm>
+          <a:prstGeom prst="rect">
+            <a:avLst/>
+          </a:prstGeom>
+          <a:noFill/>
+        </p:spPr>
+        <p:txBody>
+          <a:bodyPr wrap="none" rtlCol="0">
+            <a:spAutoFit/>
+          </a:bodyPr>
+          <a:lstStyle/>
+          <a:p>
+            <a:r>
+              <a:rPr lang="de-DE" sz="3200" dirty="0"/>
+              <a:t>Delay on off-</a:t>
+            </a:r>
+            <a:r>
+              <a:rPr lang="de-DE" sz="3200" dirty="0" err="1"/>
+              <a:t>step</a:t>
+            </a:r>
+            <a:endParaRPr lang="de-DE" sz="3200" dirty="0"/>
+          </a:p>
+        </p:txBody>
+      </p:sp>
+      <p:sp>
+        <p:nvSpPr>
+          <p:cNvPr id="12" name="Textfeld 11">
+            <a:extLst>
+              <a:ext uri="{FF2B5EF4-FFF2-40B4-BE49-F238E27FC236}">
+                <a16:creationId xmlns:a16="http://schemas.microsoft.com/office/drawing/2014/main" id="{A618A168-BBA3-4C62-9A32-0C500888DEC7}"/>
+              </a:ext>
+            </a:extLst>
+          </p:cNvPr>
+          <p:cNvSpPr txBox="1"/>
+          <p:nvPr/>
+        </p:nvSpPr>
+        <p:spPr>
+          <a:xfrm>
+            <a:off x="3337253" y="6069268"/>
+            <a:ext cx="3486724" cy="523220"/>
+          </a:xfrm>
+          <a:prstGeom prst="rect">
+            <a:avLst/>
+          </a:prstGeom>
+          <a:noFill/>
+        </p:spPr>
+        <p:txBody>
+          <a:bodyPr wrap="none" rtlCol="0">
+            <a:spAutoFit/>
+          </a:bodyPr>
+          <a:lstStyle/>
+          <a:p>
+            <a:r>
+              <a:rPr lang="de-DE" sz="2800" dirty="0" err="1"/>
+              <a:t>reverse</a:t>
+            </a:r>
+            <a:r>
+              <a:rPr lang="de-DE" sz="2800" dirty="0"/>
+              <a:t> </a:t>
+            </a:r>
+            <a:r>
+              <a:rPr lang="de-DE" sz="2800" dirty="0" err="1"/>
+              <a:t>sign-sensitivity</a:t>
+            </a:r>
+            <a:endParaRPr lang="de-DE" sz="2800" dirty="0"/>
+          </a:p>
+        </p:txBody>
+      </p:sp>
+      <p:sp>
+        <p:nvSpPr>
+          <p:cNvPr id="15" name="Pfeil: nach rechts 14">
+            <a:extLst>
+              <a:ext uri="{FF2B5EF4-FFF2-40B4-BE49-F238E27FC236}">
+                <a16:creationId xmlns:a16="http://schemas.microsoft.com/office/drawing/2014/main" id="{5E6DF088-E3DF-463E-9236-BC6E8871F5D7}"/>
+              </a:ext>
+            </a:extLst>
+          </p:cNvPr>
+          <p:cNvSpPr/>
+          <p:nvPr/>
+        </p:nvSpPr>
+        <p:spPr>
+          <a:xfrm>
+            <a:off x="2546187" y="6178478"/>
+            <a:ext cx="762000" cy="304800"/>
+          </a:xfrm>
+          <a:prstGeom prst="rightArrow">
+            <a:avLst/>
+          </a:prstGeom>
+        </p:spPr>
+        <p:style>
+          <a:lnRef idx="1">
+            <a:schemeClr val="accent2"/>
+          </a:lnRef>
+          <a:fillRef idx="2">
+            <a:schemeClr val="accent2"/>
+          </a:fillRef>
+          <a:effectRef idx="1">
+            <a:schemeClr val="accent2"/>
+          </a:effectRef>
+          <a:fontRef idx="minor">
+            <a:schemeClr val="dk1"/>
+          </a:fontRef>
+        </p:style>
+        <p:txBody>
+          <a:bodyPr rtlCol="0" anchor="ctr"/>
+          <a:lstStyle/>
+          <a:p>
+            <a:pPr algn="ctr"/>
+            <a:endParaRPr lang="de-DE"/>
+          </a:p>
+        </p:txBody>
+      </p:sp>
+    </p:spTree>
+    <p:extLst>
+      <p:ext uri="{BB962C8B-B14F-4D97-AF65-F5344CB8AC3E}">
+        <p14:creationId xmlns:p14="http://schemas.microsoft.com/office/powerpoint/2010/main" val="1890489263"/>
+      </p:ext>
+    </p:extLst>
+  </p:cSld>
+  <p:clrMapOvr>
+    <a:masterClrMapping/>
+  </p:clrMapOvr>
+</p:sld>
+</file>
+
+<file path=ppt/slides/slide12.xml><?xml version="1.0" encoding="utf-8"?>
+<p:sld xmlns:a="http://schemas.openxmlformats.org/drawingml/2006/main" xmlns:r="http://schemas.openxmlformats.org/officeDocument/2006/relationships" xmlns:p="http://schemas.openxmlformats.org/presentationml/2006/main">
+  <p:cSld>
+    <p:spTree>
+      <p:nvGrpSpPr>
+        <p:cNvPr id="1" name=""/>
+        <p:cNvGrpSpPr/>
+        <p:nvPr/>
+      </p:nvGrpSpPr>
+      <p:grpSpPr>
+        <a:xfrm>
+          <a:off x="0" y="0"/>
+          <a:ext cx="0" cy="0"/>
+          <a:chOff x="0" y="0"/>
+          <a:chExt cx="0" cy="0"/>
+        </a:xfrm>
+      </p:grpSpPr>
+      <p:sp>
+        <p:nvSpPr>
+          <p:cNvPr id="2" name="Titel 1">
+            <a:extLst>
+              <a:ext uri="{FF2B5EF4-FFF2-40B4-BE49-F238E27FC236}">
+                <a16:creationId xmlns:a16="http://schemas.microsoft.com/office/drawing/2014/main" id="{974FEBCA-B9AB-4A67-9357-67A8808AC352}"/>
+              </a:ext>
+            </a:extLst>
+          </p:cNvPr>
+          <p:cNvSpPr>
+            <a:spLocks noGrp="1"/>
+          </p:cNvSpPr>
+          <p:nvPr>
+            <p:ph type="title"/>
+          </p:nvPr>
+        </p:nvSpPr>
+        <p:spPr>
+          <a:xfrm>
+            <a:off x="372109" y="609600"/>
+            <a:ext cx="8399779" cy="492443"/>
+          </a:xfrm>
+        </p:spPr>
+        <p:txBody>
+          <a:bodyPr/>
+          <a:lstStyle/>
+          <a:p>
+            <a:pPr algn="ctr"/>
+            <a:r>
+              <a:rPr lang="de-DE" dirty="0" err="1"/>
+              <a:t>Conclusion</a:t>
+            </a:r>
+            <a:endParaRPr lang="de-DE" dirty="0"/>
+          </a:p>
+        </p:txBody>
+      </p:sp>
+      <p:pic>
+        <p:nvPicPr>
+          <p:cNvPr id="4" name="Grafik 3">
+            <a:extLst>
+              <a:ext uri="{FF2B5EF4-FFF2-40B4-BE49-F238E27FC236}">
+                <a16:creationId xmlns:a16="http://schemas.microsoft.com/office/drawing/2014/main" id="{DAC9F260-4BBC-4045-98FC-510DBB20DE2C}"/>
+              </a:ext>
+            </a:extLst>
+          </p:cNvPr>
+          <p:cNvPicPr>
+            <a:picLocks noChangeAspect="1"/>
+          </p:cNvPicPr>
+          <p:nvPr/>
+        </p:nvPicPr>
+        <p:blipFill>
+          <a:blip r:embed="rId2">
+            <a:extLst>
+              <a:ext uri="{28A0092B-C50C-407E-A947-70E740481C1C}">
+                <a14:useLocalDpi xmlns:a14="http://schemas.microsoft.com/office/drawing/2010/main" val="0"/>
+              </a:ext>
+            </a:extLst>
+          </a:blip>
+          <a:stretch>
+            <a:fillRect/>
+          </a:stretch>
+        </p:blipFill>
+        <p:spPr>
+          <a:xfrm>
+            <a:off x="90698" y="1153564"/>
+            <a:ext cx="1939725" cy="1364072"/>
+          </a:xfrm>
+          <a:prstGeom prst="rect">
+            <a:avLst/>
+          </a:prstGeom>
+        </p:spPr>
+      </p:pic>
+      <p:pic>
+        <p:nvPicPr>
+          <p:cNvPr id="5" name="Grafik 4">
+            <a:extLst>
+              <a:ext uri="{FF2B5EF4-FFF2-40B4-BE49-F238E27FC236}">
+                <a16:creationId xmlns:a16="http://schemas.microsoft.com/office/drawing/2014/main" id="{76BB1D54-EB18-4144-8F7D-80C82A7B49A4}"/>
+              </a:ext>
+            </a:extLst>
+          </p:cNvPr>
+          <p:cNvPicPr>
+            <a:picLocks noChangeAspect="1"/>
+          </p:cNvPicPr>
+          <p:nvPr/>
+        </p:nvPicPr>
+        <p:blipFill>
+          <a:blip r:embed="rId3">
+            <a:extLst>
+              <a:ext uri="{28A0092B-C50C-407E-A947-70E740481C1C}">
+                <a14:useLocalDpi xmlns:a14="http://schemas.microsoft.com/office/drawing/2010/main" val="0"/>
+              </a:ext>
+            </a:extLst>
+          </a:blip>
+          <a:stretch>
+            <a:fillRect/>
+          </a:stretch>
+        </p:blipFill>
+        <p:spPr>
+          <a:xfrm>
+            <a:off x="25137" y="2511953"/>
+            <a:ext cx="2021362" cy="1347575"/>
+          </a:xfrm>
+          <a:prstGeom prst="rect">
+            <a:avLst/>
+          </a:prstGeom>
+        </p:spPr>
+      </p:pic>
+      <p:pic>
+        <p:nvPicPr>
+          <p:cNvPr id="7" name="Inhaltsplatzhalter 7">
+            <a:extLst>
+              <a:ext uri="{FF2B5EF4-FFF2-40B4-BE49-F238E27FC236}">
+                <a16:creationId xmlns:a16="http://schemas.microsoft.com/office/drawing/2014/main" id="{37E7F8B5-A95E-443C-9B4F-9F3BE2F8224E}"/>
+              </a:ext>
+            </a:extLst>
+          </p:cNvPr>
+          <p:cNvPicPr>
+            <a:picLocks noChangeAspect="1"/>
+          </p:cNvPicPr>
+          <p:nvPr/>
+        </p:nvPicPr>
+        <p:blipFill>
+          <a:blip r:embed="rId4">
+            <a:extLst>
+              <a:ext uri="{28A0092B-C50C-407E-A947-70E740481C1C}">
+                <a14:useLocalDpi xmlns:a14="http://schemas.microsoft.com/office/drawing/2010/main" val="0"/>
+              </a:ext>
+            </a:extLst>
+          </a:blip>
+          <a:stretch>
+            <a:fillRect/>
+          </a:stretch>
+        </p:blipFill>
+        <p:spPr>
+          <a:xfrm>
+            <a:off x="54594" y="3916510"/>
+            <a:ext cx="2011936" cy="1341290"/>
+          </a:xfrm>
+          <a:prstGeom prst="rect">
+            <a:avLst/>
+          </a:prstGeom>
+        </p:spPr>
+      </p:pic>
+      <p:pic>
+        <p:nvPicPr>
+          <p:cNvPr id="10" name="Inhaltsplatzhalter 6">
+            <a:extLst>
+              <a:ext uri="{FF2B5EF4-FFF2-40B4-BE49-F238E27FC236}">
+                <a16:creationId xmlns:a16="http://schemas.microsoft.com/office/drawing/2014/main" id="{FE6292ED-D4EE-4D6E-B5CB-66EB7146A922}"/>
+              </a:ext>
+            </a:extLst>
+          </p:cNvPr>
+          <p:cNvPicPr>
+            <a:picLocks noChangeAspect="1"/>
+          </p:cNvPicPr>
+          <p:nvPr/>
+        </p:nvPicPr>
+        <p:blipFill>
+          <a:blip r:embed="rId5">
+            <a:extLst>
+              <a:ext uri="{28A0092B-C50C-407E-A947-70E740481C1C}">
+                <a14:useLocalDpi xmlns:a14="http://schemas.microsoft.com/office/drawing/2010/main" val="0"/>
+              </a:ext>
+            </a:extLst>
+          </a:blip>
+          <a:stretch>
+            <a:fillRect/>
+          </a:stretch>
+        </p:blipFill>
+        <p:spPr>
+          <a:xfrm>
+            <a:off x="49880" y="5314782"/>
+            <a:ext cx="2021363" cy="1347575"/>
+          </a:xfrm>
+          <a:prstGeom prst="rect">
+            <a:avLst/>
+          </a:prstGeom>
+        </p:spPr>
+      </p:pic>
+      <p:sp>
+        <p:nvSpPr>
+          <p:cNvPr id="12" name="Textfeld 11">
+            <a:extLst>
+              <a:ext uri="{FF2B5EF4-FFF2-40B4-BE49-F238E27FC236}">
+                <a16:creationId xmlns:a16="http://schemas.microsoft.com/office/drawing/2014/main" id="{051B119A-2D67-41FD-81F5-8DA18A6E4C84}"/>
+              </a:ext>
+            </a:extLst>
+          </p:cNvPr>
+          <p:cNvSpPr txBox="1"/>
+          <p:nvPr/>
+        </p:nvSpPr>
+        <p:spPr>
+          <a:xfrm>
+            <a:off x="2066530" y="4037187"/>
+            <a:ext cx="5532990" cy="954107"/>
+          </a:xfrm>
+          <a:prstGeom prst="rect">
+            <a:avLst/>
+          </a:prstGeom>
+          <a:noFill/>
+        </p:spPr>
+        <p:txBody>
+          <a:bodyPr wrap="none" rtlCol="0">
+            <a:spAutoFit/>
+          </a:bodyPr>
+          <a:lstStyle/>
+          <a:p>
+            <a:r>
+              <a:rPr lang="de-DE" sz="2800" dirty="0" err="1"/>
+              <a:t>Acceleration</a:t>
+            </a:r>
+            <a:r>
+              <a:rPr lang="de-DE" sz="2800" dirty="0"/>
+              <a:t>: - </a:t>
+            </a:r>
+            <a:r>
+              <a:rPr lang="de-DE" sz="2800" dirty="0" err="1"/>
+              <a:t>some</a:t>
+            </a:r>
+            <a:r>
+              <a:rPr lang="de-DE" sz="2800" dirty="0"/>
+              <a:t> </a:t>
+            </a:r>
+            <a:r>
+              <a:rPr lang="de-DE" sz="2800" dirty="0" err="1"/>
+              <a:t>incoherent</a:t>
+            </a:r>
+            <a:r>
+              <a:rPr lang="de-DE" sz="2800" dirty="0"/>
+              <a:t> FFLs</a:t>
+            </a:r>
+          </a:p>
+          <a:p>
+            <a:r>
+              <a:rPr lang="de-DE" sz="2800" dirty="0"/>
+              <a:t>		  - </a:t>
+            </a:r>
+            <a:r>
+              <a:rPr lang="de-DE" sz="2800" dirty="0" err="1"/>
+              <a:t>with</a:t>
+            </a:r>
+            <a:r>
+              <a:rPr lang="de-DE" sz="2800" dirty="0"/>
+              <a:t> basal Y-</a:t>
+            </a:r>
+            <a:r>
+              <a:rPr lang="de-DE" sz="2800" dirty="0" err="1"/>
+              <a:t>activity</a:t>
+            </a:r>
+            <a:endParaRPr lang="de-DE" sz="2800" dirty="0"/>
+          </a:p>
+        </p:txBody>
+      </p:sp>
+      <p:sp>
+        <p:nvSpPr>
+          <p:cNvPr id="13" name="Textfeld 12">
+            <a:extLst>
+              <a:ext uri="{FF2B5EF4-FFF2-40B4-BE49-F238E27FC236}">
+                <a16:creationId xmlns:a16="http://schemas.microsoft.com/office/drawing/2014/main" id="{70924D72-CEA2-42DB-BDAA-76B15016D453}"/>
+              </a:ext>
+            </a:extLst>
+          </p:cNvPr>
+          <p:cNvSpPr txBox="1"/>
+          <p:nvPr/>
+        </p:nvSpPr>
+        <p:spPr>
+          <a:xfrm>
+            <a:off x="2030423" y="1295935"/>
+            <a:ext cx="6324600" cy="954107"/>
+          </a:xfrm>
+          <a:prstGeom prst="rect">
+            <a:avLst/>
+          </a:prstGeom>
+          <a:noFill/>
+        </p:spPr>
+        <p:txBody>
+          <a:bodyPr wrap="square" rtlCol="0">
+            <a:spAutoFit/>
+          </a:bodyPr>
+          <a:lstStyle/>
+          <a:p>
+            <a:r>
+              <a:rPr lang="de-DE" sz="2800" dirty="0"/>
+              <a:t>Delay: - </a:t>
+            </a:r>
+            <a:r>
+              <a:rPr lang="de-DE" sz="2800" dirty="0" err="1"/>
+              <a:t>coherent</a:t>
+            </a:r>
+            <a:r>
+              <a:rPr lang="de-DE" sz="2800" dirty="0"/>
+              <a:t> FFLs</a:t>
+            </a:r>
+          </a:p>
+          <a:p>
+            <a:r>
+              <a:rPr lang="de-DE" sz="2800" dirty="0"/>
+              <a:t>	 - </a:t>
+            </a:r>
+            <a:r>
+              <a:rPr lang="de-DE" sz="2800" dirty="0" err="1"/>
+              <a:t>persistence</a:t>
+            </a:r>
+            <a:r>
+              <a:rPr lang="de-DE" sz="2800" dirty="0"/>
+              <a:t> </a:t>
+            </a:r>
+            <a:r>
+              <a:rPr lang="de-DE" sz="2800" dirty="0" err="1"/>
+              <a:t>detectors</a:t>
+            </a:r>
+            <a:endParaRPr lang="de-DE" sz="2800" dirty="0"/>
+          </a:p>
+        </p:txBody>
+      </p:sp>
+      <p:sp>
+        <p:nvSpPr>
+          <p:cNvPr id="14" name="Textfeld 13">
+            <a:extLst>
+              <a:ext uri="{FF2B5EF4-FFF2-40B4-BE49-F238E27FC236}">
+                <a16:creationId xmlns:a16="http://schemas.microsoft.com/office/drawing/2014/main" id="{C734153F-9ED1-4393-A548-401A802908FD}"/>
+              </a:ext>
+            </a:extLst>
+          </p:cNvPr>
+          <p:cNvSpPr txBox="1"/>
+          <p:nvPr/>
+        </p:nvSpPr>
+        <p:spPr>
+          <a:xfrm>
+            <a:off x="2042177" y="5473047"/>
+            <a:ext cx="5679760" cy="954107"/>
+          </a:xfrm>
+          <a:prstGeom prst="rect">
+            <a:avLst/>
+          </a:prstGeom>
+          <a:noFill/>
+        </p:spPr>
+        <p:txBody>
+          <a:bodyPr wrap="none" rtlCol="0">
+            <a:spAutoFit/>
+          </a:bodyPr>
+          <a:lstStyle/>
+          <a:p>
+            <a:r>
+              <a:rPr lang="de-DE" sz="2800" dirty="0"/>
+              <a:t>Reverse </a:t>
+            </a:r>
+            <a:r>
+              <a:rPr lang="de-DE" sz="2800" dirty="0" err="1"/>
+              <a:t>sign-sensitivity</a:t>
+            </a:r>
+            <a:r>
+              <a:rPr lang="de-DE" sz="2800" dirty="0"/>
+              <a:t> (on/off-</a:t>
+            </a:r>
+            <a:r>
+              <a:rPr lang="de-DE" sz="2800" dirty="0" err="1"/>
+              <a:t>step</a:t>
+            </a:r>
+            <a:r>
+              <a:rPr lang="de-DE" sz="2800" dirty="0"/>
+              <a:t>): </a:t>
+            </a:r>
+          </a:p>
+          <a:p>
+            <a:r>
+              <a:rPr lang="de-DE" sz="2800" dirty="0"/>
+              <a:t>- OR-Gate</a:t>
+            </a:r>
+          </a:p>
+        </p:txBody>
+      </p:sp>
+      <p:sp>
+        <p:nvSpPr>
+          <p:cNvPr id="15" name="Textfeld 14">
+            <a:extLst>
+              <a:ext uri="{FF2B5EF4-FFF2-40B4-BE49-F238E27FC236}">
+                <a16:creationId xmlns:a16="http://schemas.microsoft.com/office/drawing/2014/main" id="{D8EE918A-1286-4C3A-90DA-A3482AC9F35E}"/>
+              </a:ext>
+            </a:extLst>
+          </p:cNvPr>
+          <p:cNvSpPr txBox="1"/>
+          <p:nvPr/>
+        </p:nvSpPr>
+        <p:spPr>
+          <a:xfrm>
+            <a:off x="2042177" y="2821666"/>
+            <a:ext cx="4492127" cy="523220"/>
+          </a:xfrm>
+          <a:prstGeom prst="rect">
+            <a:avLst/>
+          </a:prstGeom>
+          <a:noFill/>
+        </p:spPr>
+        <p:txBody>
+          <a:bodyPr wrap="none" rtlCol="0">
+            <a:spAutoFit/>
+          </a:bodyPr>
+          <a:lstStyle/>
+          <a:p>
+            <a:r>
+              <a:rPr lang="de-DE" sz="2800" dirty="0"/>
+              <a:t>Pulse: - </a:t>
+            </a:r>
+            <a:r>
+              <a:rPr lang="de-DE" sz="2800" dirty="0" err="1"/>
+              <a:t>some</a:t>
+            </a:r>
+            <a:r>
+              <a:rPr lang="de-DE" sz="2800" dirty="0"/>
+              <a:t> </a:t>
+            </a:r>
+            <a:r>
+              <a:rPr lang="de-DE" sz="2800" dirty="0" err="1"/>
+              <a:t>incoherent</a:t>
+            </a:r>
+            <a:r>
+              <a:rPr lang="de-DE" sz="2800" dirty="0"/>
+              <a:t> FFLs</a:t>
+            </a:r>
+          </a:p>
+        </p:txBody>
+      </p:sp>
+    </p:spTree>
+    <p:extLst>
+      <p:ext uri="{BB962C8B-B14F-4D97-AF65-F5344CB8AC3E}">
+        <p14:creationId xmlns:p14="http://schemas.microsoft.com/office/powerpoint/2010/main" val="1954225104"/>
+      </p:ext>
+    </p:extLst>
+  </p:cSld>
+  <p:clrMapOvr>
+    <a:masterClrMapping/>
+  </p:clrMapOvr>
+</p:sld>
+</file>
+
+<file path=ppt/slides/slide13.xml><?xml version="1.0" encoding="utf-8"?>
+<p:sld xmlns:a="http://schemas.openxmlformats.org/drawingml/2006/main" xmlns:r="http://schemas.openxmlformats.org/officeDocument/2006/relationships" xmlns:p="http://schemas.openxmlformats.org/presentationml/2006/main">
+  <p:cSld>
+    <p:spTree>
+      <p:nvGrpSpPr>
+        <p:cNvPr id="1" name=""/>
+        <p:cNvGrpSpPr/>
+        <p:nvPr/>
+      </p:nvGrpSpPr>
+      <p:grpSpPr>
+        <a:xfrm>
+          <a:off x="0" y="0"/>
+          <a:ext cx="0" cy="0"/>
+          <a:chOff x="0" y="0"/>
+          <a:chExt cx="0" cy="0"/>
+        </a:xfrm>
+      </p:grpSpPr>
+      <p:sp>
+        <p:nvSpPr>
+          <p:cNvPr id="2" name="Titel 1">
+            <a:extLst>
+              <a:ext uri="{FF2B5EF4-FFF2-40B4-BE49-F238E27FC236}">
+                <a16:creationId xmlns:a16="http://schemas.microsoft.com/office/drawing/2014/main" id="{B598E0F0-FFB7-47E6-B30B-C8051BCEAB19}"/>
+              </a:ext>
+            </a:extLst>
+          </p:cNvPr>
+          <p:cNvSpPr>
+            <a:spLocks noGrp="1"/>
+          </p:cNvSpPr>
+          <p:nvPr>
+            <p:ph type="title"/>
+          </p:nvPr>
+        </p:nvSpPr>
+        <p:spPr>
+          <a:xfrm>
+            <a:off x="354592" y="990600"/>
+            <a:ext cx="8399779" cy="492443"/>
+          </a:xfrm>
+        </p:spPr>
+        <p:txBody>
+          <a:bodyPr/>
+          <a:lstStyle/>
+          <a:p>
+            <a:pPr algn="ctr"/>
+            <a:r>
+              <a:rPr lang="de-DE" altLang="zh-CN" dirty="0" err="1"/>
+              <a:t>Occurence</a:t>
+            </a:r>
+            <a:r>
+              <a:rPr lang="de-DE" altLang="zh-CN" dirty="0"/>
+              <a:t> in E. coli and Yeast </a:t>
+            </a:r>
+            <a:endParaRPr lang="zh-CN" altLang="en-US" dirty="0"/>
+          </a:p>
+        </p:txBody>
+      </p:sp>
+      <p:pic>
+        <p:nvPicPr>
+          <p:cNvPr id="5" name="Grafik 4">
+            <a:extLst>
+              <a:ext uri="{FF2B5EF4-FFF2-40B4-BE49-F238E27FC236}">
+                <a16:creationId xmlns:a16="http://schemas.microsoft.com/office/drawing/2014/main" id="{278B642A-38B3-41DE-9E68-B950F63C0D19}"/>
+              </a:ext>
+            </a:extLst>
+          </p:cNvPr>
+          <p:cNvPicPr>
+            <a:picLocks noChangeAspect="1"/>
+          </p:cNvPicPr>
+          <p:nvPr/>
+        </p:nvPicPr>
+        <p:blipFill>
+          <a:blip r:embed="rId3">
+            <a:duotone>
+              <a:prstClr val="black"/>
+              <a:schemeClr val="accent1">
+                <a:tint val="45000"/>
+                <a:satMod val="400000"/>
+              </a:schemeClr>
+            </a:duotone>
+            <a:extLst>
+              <a:ext uri="{28A0092B-C50C-407E-A947-70E740481C1C}">
+                <a14:useLocalDpi xmlns:a14="http://schemas.microsoft.com/office/drawing/2010/main" val="0"/>
+              </a:ext>
+            </a:extLst>
+          </a:blip>
+          <a:stretch>
+            <a:fillRect/>
+          </a:stretch>
+        </p:blipFill>
+        <p:spPr>
+          <a:xfrm>
+            <a:off x="109283" y="4025795"/>
+            <a:ext cx="8820000" cy="1558175"/>
+          </a:xfrm>
+          <a:prstGeom prst="rect">
+            <a:avLst/>
+          </a:prstGeom>
+        </p:spPr>
+      </p:pic>
+      <p:pic>
+        <p:nvPicPr>
+          <p:cNvPr id="7" name="Grafik 6">
+            <a:extLst>
+              <a:ext uri="{FF2B5EF4-FFF2-40B4-BE49-F238E27FC236}">
+                <a16:creationId xmlns:a16="http://schemas.microsoft.com/office/drawing/2014/main" id="{480092BB-6F44-4006-8FAD-3F1AF0FD3ECD}"/>
+              </a:ext>
+            </a:extLst>
+          </p:cNvPr>
+          <p:cNvPicPr>
+            <a:picLocks noChangeAspect="1"/>
+          </p:cNvPicPr>
+          <p:nvPr/>
+        </p:nvPicPr>
+        <p:blipFill>
+          <a:blip r:embed="rId4">
+            <a:duotone>
+              <a:prstClr val="black"/>
+              <a:schemeClr val="accent2">
+                <a:tint val="45000"/>
+                <a:satMod val="400000"/>
+              </a:schemeClr>
+            </a:duotone>
+            <a:extLst>
+              <a:ext uri="{28A0092B-C50C-407E-A947-70E740481C1C}">
+                <a14:useLocalDpi xmlns:a14="http://schemas.microsoft.com/office/drawing/2010/main" val="0"/>
+              </a:ext>
+            </a:extLst>
+          </a:blip>
+          <a:stretch>
+            <a:fillRect/>
+          </a:stretch>
+        </p:blipFill>
+        <p:spPr>
+          <a:xfrm>
+            <a:off x="108481" y="1970016"/>
+            <a:ext cx="8820000" cy="1568806"/>
+          </a:xfrm>
+          <a:prstGeom prst="rect">
+            <a:avLst/>
+          </a:prstGeom>
+        </p:spPr>
+      </p:pic>
+      <p:sp>
+        <p:nvSpPr>
+          <p:cNvPr id="6" name="Textfeld 5">
+            <a:extLst>
+              <a:ext uri="{FF2B5EF4-FFF2-40B4-BE49-F238E27FC236}">
+                <a16:creationId xmlns:a16="http://schemas.microsoft.com/office/drawing/2014/main" id="{295AC057-ACB9-41E6-ADAC-ABF4E4FAACAA}"/>
+              </a:ext>
+            </a:extLst>
+          </p:cNvPr>
+          <p:cNvSpPr txBox="1"/>
+          <p:nvPr/>
+        </p:nvSpPr>
+        <p:spPr>
+          <a:xfrm>
+            <a:off x="99393" y="5692523"/>
+            <a:ext cx="4876946" cy="369332"/>
+          </a:xfrm>
+          <a:prstGeom prst="rect">
+            <a:avLst/>
+          </a:prstGeom>
+          <a:noFill/>
+        </p:spPr>
+        <p:txBody>
+          <a:bodyPr wrap="square" rtlCol="0">
+            <a:spAutoFit/>
+          </a:bodyPr>
+          <a:lstStyle/>
+          <a:p>
+            <a:r>
+              <a:rPr lang="en-US" altLang="zh-CN" sz="800" dirty="0"/>
+              <a:t>Mangan, Alon: Structure and function of the feed-forward loop network motif</a:t>
+            </a:r>
+          </a:p>
+          <a:p>
+            <a:endParaRPr lang="de-DE" sz="1000" dirty="0"/>
+          </a:p>
+        </p:txBody>
+      </p:sp>
+    </p:spTree>
+    <p:extLst>
+      <p:ext uri="{BB962C8B-B14F-4D97-AF65-F5344CB8AC3E}">
+        <p14:creationId xmlns:p14="http://schemas.microsoft.com/office/powerpoint/2010/main" val="3826216366"/>
+      </p:ext>
+    </p:extLst>
+  </p:cSld>
+  <p:clrMapOvr>
+    <a:masterClrMapping/>
+  </p:clrMapOvr>
+</p:sld>
+</file>
+
+<file path=ppt/slides/slide14.xml><?xml version="1.0" encoding="utf-8"?>
+<p:sld xmlns:a="http://schemas.openxmlformats.org/drawingml/2006/main" xmlns:r="http://schemas.openxmlformats.org/officeDocument/2006/relationships" xmlns:p="http://schemas.openxmlformats.org/presentationml/2006/main">
+  <p:cSld>
+    <p:spTree>
+      <p:nvGrpSpPr>
+        <p:cNvPr id="1" name=""/>
+        <p:cNvGrpSpPr/>
+        <p:nvPr/>
+      </p:nvGrpSpPr>
+      <p:grpSpPr>
+        <a:xfrm>
+          <a:off x="0" y="0"/>
+          <a:ext cx="0" cy="0"/>
+          <a:chOff x="0" y="0"/>
+          <a:chExt cx="0" cy="0"/>
+        </a:xfrm>
+      </p:grpSpPr>
+      <p:sp>
+        <p:nvSpPr>
+          <p:cNvPr id="2" name="Titel 1">
+            <a:extLst>
+              <a:ext uri="{FF2B5EF4-FFF2-40B4-BE49-F238E27FC236}">
+                <a16:creationId xmlns:a16="http://schemas.microsoft.com/office/drawing/2014/main" id="{211F5575-B9DA-4797-B7B2-C7DD6111E529}"/>
+              </a:ext>
+            </a:extLst>
+          </p:cNvPr>
+          <p:cNvSpPr>
+            <a:spLocks noGrp="1"/>
+          </p:cNvSpPr>
+          <p:nvPr>
+            <p:ph type="title"/>
+          </p:nvPr>
+        </p:nvSpPr>
+        <p:spPr>
+          <a:xfrm>
+            <a:off x="292004" y="600088"/>
+            <a:ext cx="8399779" cy="492443"/>
+          </a:xfrm>
+        </p:spPr>
+        <p:txBody>
+          <a:bodyPr/>
+          <a:lstStyle/>
+          <a:p>
+            <a:pPr algn="ctr"/>
+            <a:r>
+              <a:rPr lang="de-DE" altLang="zh-CN" dirty="0" err="1"/>
+              <a:t>Additions</a:t>
+            </a:r>
+            <a:endParaRPr lang="zh-CN" altLang="en-US" dirty="0"/>
+          </a:p>
+        </p:txBody>
+      </p:sp>
+      <p:sp>
+        <p:nvSpPr>
+          <p:cNvPr id="4" name="Textplatzhalter 3">
+            <a:extLst>
+              <a:ext uri="{FF2B5EF4-FFF2-40B4-BE49-F238E27FC236}">
+                <a16:creationId xmlns:a16="http://schemas.microsoft.com/office/drawing/2014/main" id="{B052B4D5-6773-435F-B325-0435C72F83F9}"/>
+              </a:ext>
+            </a:extLst>
+          </p:cNvPr>
+          <p:cNvSpPr>
+            <a:spLocks noGrp="1"/>
+          </p:cNvSpPr>
+          <p:nvPr>
+            <p:ph type="body" idx="1"/>
+          </p:nvPr>
+        </p:nvSpPr>
+        <p:spPr>
+          <a:xfrm>
+            <a:off x="381000" y="1295400"/>
+            <a:ext cx="8486147" cy="5447645"/>
+          </a:xfrm>
+        </p:spPr>
+        <p:txBody>
+          <a:bodyPr/>
+          <a:lstStyle/>
+          <a:p>
+            <a:endParaRPr lang="de-DE" dirty="0"/>
+          </a:p>
+          <a:p>
+            <a:pPr marL="457200" indent="-457200">
+              <a:buFont typeface="Arial" panose="020B0604020202020204" pitchFamily="34" charset="0"/>
+              <a:buChar char="•"/>
+            </a:pPr>
+            <a:r>
+              <a:rPr lang="de-DE" sz="2800" dirty="0" err="1"/>
+              <a:t>Normalization</a:t>
+            </a:r>
+            <a:r>
+              <a:rPr lang="de-DE" sz="2800" dirty="0"/>
+              <a:t> </a:t>
+            </a:r>
+            <a:r>
+              <a:rPr lang="de-DE" sz="2800" dirty="0" err="1"/>
+              <a:t>to</a:t>
+            </a:r>
+            <a:r>
+              <a:rPr lang="de-DE" sz="2800" dirty="0"/>
+              <a:t> </a:t>
+            </a:r>
+            <a:r>
+              <a:rPr lang="de-DE" sz="2800" dirty="0" err="1"/>
+              <a:t>steady-states</a:t>
+            </a:r>
+            <a:r>
+              <a:rPr lang="de-DE" sz="2800" dirty="0"/>
+              <a:t>?</a:t>
+            </a:r>
+          </a:p>
+          <a:p>
+            <a:pPr marL="285750" indent="-285750">
+              <a:buFont typeface="Arial" panose="020B0604020202020204" pitchFamily="34" charset="0"/>
+              <a:buChar char="•"/>
+            </a:pPr>
+            <a:endParaRPr lang="de-DE" sz="2800" dirty="0"/>
+          </a:p>
+          <a:p>
+            <a:pPr marL="457200" indent="-457200">
+              <a:buFont typeface="Arial" panose="020B0604020202020204" pitchFamily="34" charset="0"/>
+              <a:buChar char="•"/>
+            </a:pPr>
+            <a:r>
+              <a:rPr lang="de-DE" sz="2800" dirty="0"/>
+              <a:t>Other </a:t>
+            </a:r>
+            <a:r>
+              <a:rPr lang="de-DE" sz="2800" dirty="0" err="1"/>
+              <a:t>types</a:t>
+            </a:r>
+            <a:r>
+              <a:rPr lang="de-DE" sz="2800" dirty="0"/>
+              <a:t>: 2 and 3?</a:t>
+            </a:r>
+          </a:p>
+          <a:p>
+            <a:pPr marL="457200" indent="-457200">
+              <a:buFont typeface="Arial" panose="020B0604020202020204" pitchFamily="34" charset="0"/>
+              <a:buChar char="•"/>
+            </a:pPr>
+            <a:endParaRPr lang="de-DE" sz="2800" dirty="0"/>
+          </a:p>
+          <a:p>
+            <a:pPr marL="457200" indent="-457200">
+              <a:buFont typeface="Arial" panose="020B0604020202020204" pitchFamily="34" charset="0"/>
+              <a:buChar char="•"/>
+            </a:pPr>
+            <a:endParaRPr lang="de-DE" sz="2800" dirty="0"/>
+          </a:p>
+          <a:p>
+            <a:pPr marL="457200" indent="-457200">
+              <a:buFont typeface="Arial" panose="020B0604020202020204" pitchFamily="34" charset="0"/>
+              <a:buChar char="•"/>
+            </a:pPr>
+            <a:endParaRPr lang="de-DE" sz="2800" dirty="0"/>
+          </a:p>
+          <a:p>
+            <a:pPr marL="457200" indent="-457200">
+              <a:buFont typeface="Arial" panose="020B0604020202020204" pitchFamily="34" charset="0"/>
+              <a:buChar char="•"/>
+            </a:pPr>
+            <a:endParaRPr lang="de-DE" sz="2800" dirty="0"/>
+          </a:p>
+          <a:p>
+            <a:pPr marL="457200" indent="-457200">
+              <a:buFont typeface="Arial" panose="020B0604020202020204" pitchFamily="34" charset="0"/>
+              <a:buChar char="•"/>
+            </a:pPr>
+            <a:endParaRPr lang="de-DE" sz="2800" dirty="0"/>
+          </a:p>
+          <a:p>
+            <a:pPr marL="457200" indent="-457200">
+              <a:buFont typeface="Arial" panose="020B0604020202020204" pitchFamily="34" charset="0"/>
+              <a:buChar char="•"/>
+            </a:pPr>
+            <a:endParaRPr lang="de-DE" sz="2800" dirty="0"/>
+          </a:p>
+          <a:p>
+            <a:pPr marL="457200" indent="-457200">
+              <a:buFont typeface="Arial" panose="020B0604020202020204" pitchFamily="34" charset="0"/>
+              <a:buChar char="•"/>
+            </a:pPr>
+            <a:r>
+              <a:rPr lang="de-DE" sz="2800" dirty="0" err="1"/>
+              <a:t>Comparison</a:t>
+            </a:r>
+            <a:r>
+              <a:rPr lang="de-DE" sz="2800" dirty="0"/>
+              <a:t> </a:t>
+            </a:r>
+            <a:r>
+              <a:rPr lang="de-DE" sz="2800" dirty="0" err="1"/>
+              <a:t>to</a:t>
+            </a:r>
+            <a:r>
+              <a:rPr lang="de-DE" sz="2800" dirty="0"/>
+              <a:t> </a:t>
+            </a:r>
+            <a:r>
+              <a:rPr lang="de-DE" sz="2800" dirty="0" err="1"/>
+              <a:t>other</a:t>
+            </a:r>
+            <a:r>
+              <a:rPr lang="de-DE" sz="2800" dirty="0"/>
+              <a:t> </a:t>
+            </a:r>
+            <a:r>
+              <a:rPr lang="de-DE" sz="2800" dirty="0" err="1"/>
+              <a:t>motifs</a:t>
+            </a:r>
+            <a:r>
+              <a:rPr lang="de-DE" sz="2800" dirty="0"/>
+              <a:t>?</a:t>
+            </a:r>
+          </a:p>
+          <a:p>
+            <a:pPr marL="457200" indent="-457200">
+              <a:buFont typeface="Arial" panose="020B0604020202020204" pitchFamily="34" charset="0"/>
+              <a:buChar char="•"/>
+            </a:pPr>
+            <a:endParaRPr lang="de-DE" sz="2800" dirty="0"/>
+          </a:p>
+          <a:p>
+            <a:pPr marL="457200" indent="-457200">
+              <a:buFontTx/>
+              <a:buChar char="-"/>
+            </a:pPr>
+            <a:endParaRPr lang="de-DE" sz="2800" dirty="0"/>
+          </a:p>
+        </p:txBody>
+      </p:sp>
+      <p:pic>
+        <p:nvPicPr>
+          <p:cNvPr id="8" name="Inhaltsplatzhalter 7">
+            <a:extLst>
+              <a:ext uri="{FF2B5EF4-FFF2-40B4-BE49-F238E27FC236}">
+                <a16:creationId xmlns:a16="http://schemas.microsoft.com/office/drawing/2014/main" id="{9454CFCF-CAF8-44F8-86CE-89D20085ABE8}"/>
+              </a:ext>
+            </a:extLst>
+          </p:cNvPr>
+          <p:cNvPicPr>
+            <a:picLocks noGrp="1" noChangeAspect="1"/>
+          </p:cNvPicPr>
+          <p:nvPr>
+            <p:ph sz="half" idx="4294967295"/>
+          </p:nvPr>
+        </p:nvPicPr>
+        <p:blipFill>
+          <a:blip r:embed="rId2">
+            <a:extLst>
+              <a:ext uri="{28A0092B-C50C-407E-A947-70E740481C1C}">
+                <a14:useLocalDpi xmlns:a14="http://schemas.microsoft.com/office/drawing/2010/main" val="0"/>
+              </a:ext>
+            </a:extLst>
+          </a:blip>
+          <a:stretch>
+            <a:fillRect/>
+          </a:stretch>
+        </p:blipFill>
+        <p:spPr>
+          <a:xfrm>
+            <a:off x="4343400" y="2209800"/>
+            <a:ext cx="4221162" cy="2813050"/>
+          </a:xfrm>
+        </p:spPr>
+      </p:pic>
+    </p:spTree>
+    <p:extLst>
+      <p:ext uri="{BB962C8B-B14F-4D97-AF65-F5344CB8AC3E}">
+        <p14:creationId xmlns:p14="http://schemas.microsoft.com/office/powerpoint/2010/main" val="2313311671"/>
+      </p:ext>
+    </p:extLst>
+  </p:cSld>
+  <p:clrMapOvr>
+    <a:masterClrMapping/>
+  </p:clrMapOvr>
+</p:sld>
+</file>
+
+<file path=ppt/slides/slide15.xml><?xml version="1.0" encoding="utf-8"?>
+<p:sld xmlns:a="http://schemas.openxmlformats.org/drawingml/2006/main" xmlns:r="http://schemas.openxmlformats.org/officeDocument/2006/relationships" xmlns:p="http://schemas.openxmlformats.org/presentationml/2006/main">
+  <p:cSld>
+    <p:spTree>
+      <p:nvGrpSpPr>
+        <p:cNvPr id="1" name=""/>
+        <p:cNvGrpSpPr/>
+        <p:nvPr/>
+      </p:nvGrpSpPr>
+      <p:grpSpPr>
+        <a:xfrm>
+          <a:off x="0" y="0"/>
+          <a:ext cx="0" cy="0"/>
+          <a:chOff x="0" y="0"/>
+          <a:chExt cx="0" cy="0"/>
+        </a:xfrm>
+      </p:grpSpPr>
+      <p:sp>
+        <p:nvSpPr>
+          <p:cNvPr id="7" name="Titel 6">
+            <a:extLst>
+              <a:ext uri="{FF2B5EF4-FFF2-40B4-BE49-F238E27FC236}">
+                <a16:creationId xmlns:a16="http://schemas.microsoft.com/office/drawing/2014/main" id="{967B5FB5-7AC5-4C3F-8B57-9F35528329B8}"/>
+              </a:ext>
+            </a:extLst>
+          </p:cNvPr>
+          <p:cNvSpPr>
+            <a:spLocks noGrp="1"/>
+          </p:cNvSpPr>
+          <p:nvPr>
+            <p:ph type="title"/>
+          </p:nvPr>
+        </p:nvSpPr>
+        <p:spPr>
+          <a:xfrm>
+            <a:off x="457200" y="2438400"/>
+            <a:ext cx="8399779" cy="984885"/>
+          </a:xfrm>
+        </p:spPr>
+        <p:txBody>
+          <a:bodyPr/>
+          <a:lstStyle/>
+          <a:p>
+            <a:pPr algn="ctr"/>
+            <a:r>
+              <a:rPr lang="de-DE" altLang="zh-CN" dirty="0" err="1"/>
+              <a:t>Thank</a:t>
+            </a:r>
+            <a:r>
+              <a:rPr lang="de-DE" altLang="zh-CN" dirty="0"/>
+              <a:t> </a:t>
+            </a:r>
+            <a:r>
+              <a:rPr lang="de-DE" altLang="zh-CN" dirty="0" err="1"/>
+              <a:t>you</a:t>
+            </a:r>
+            <a:r>
+              <a:rPr lang="de-DE" altLang="zh-CN" dirty="0"/>
+              <a:t> </a:t>
+            </a:r>
+            <a:r>
+              <a:rPr lang="de-DE" altLang="zh-CN" dirty="0" err="1"/>
+              <a:t>for</a:t>
+            </a:r>
+            <a:r>
+              <a:rPr lang="de-DE" altLang="zh-CN" dirty="0"/>
+              <a:t> </a:t>
+            </a:r>
+            <a:r>
+              <a:rPr lang="de-DE" altLang="zh-CN" dirty="0" err="1"/>
+              <a:t>your</a:t>
+            </a:r>
+            <a:r>
+              <a:rPr lang="de-DE" altLang="zh-CN" dirty="0"/>
+              <a:t> </a:t>
+            </a:r>
+            <a:r>
+              <a:rPr lang="de-DE" altLang="zh-CN" dirty="0" err="1"/>
+              <a:t>attention</a:t>
+            </a:r>
+            <a:r>
+              <a:rPr lang="de-DE" altLang="zh-CN" dirty="0"/>
+              <a:t>!</a:t>
+            </a:r>
+            <a:br>
+              <a:rPr lang="de-DE" altLang="zh-CN" dirty="0"/>
+            </a:br>
+            <a:endParaRPr lang="zh-CN" altLang="en-US" dirty="0"/>
+          </a:p>
+        </p:txBody>
+      </p:sp>
+    </p:spTree>
+    <p:extLst>
+      <p:ext uri="{BB962C8B-B14F-4D97-AF65-F5344CB8AC3E}">
+        <p14:creationId xmlns:p14="http://schemas.microsoft.com/office/powerpoint/2010/main" val="4064331644"/>
+      </p:ext>
+    </p:extLst>
+  </p:cSld>
+  <p:clrMapOvr>
+    <a:masterClrMapping/>
+  </p:clrMapOvr>
+</p:sld>
+</file>
+
+<file path=ppt/slides/slide16.xml><?xml version="1.0" encoding="utf-8"?>
+<p:sld xmlns:a="http://schemas.openxmlformats.org/drawingml/2006/main" xmlns:r="http://schemas.openxmlformats.org/officeDocument/2006/relationships" xmlns:p="http://schemas.openxmlformats.org/presentationml/2006/main">
+  <p:cSld>
+    <p:spTree>
+      <p:nvGrpSpPr>
+        <p:cNvPr id="1" name=""/>
+        <p:cNvGrpSpPr/>
+        <p:nvPr/>
+      </p:nvGrpSpPr>
+      <p:grpSpPr>
+        <a:xfrm>
+          <a:off x="0" y="0"/>
+          <a:ext cx="0" cy="0"/>
+          <a:chOff x="0" y="0"/>
+          <a:chExt cx="0" cy="0"/>
+        </a:xfrm>
+      </p:grpSpPr>
+      <p:sp>
+        <p:nvSpPr>
+          <p:cNvPr id="2" name="Titel 1">
+            <a:extLst>
+              <a:ext uri="{FF2B5EF4-FFF2-40B4-BE49-F238E27FC236}">
+                <a16:creationId xmlns:a16="http://schemas.microsoft.com/office/drawing/2014/main" id="{7A0D6B08-F2D4-460C-B2E0-997EC404E051}"/>
+              </a:ext>
+            </a:extLst>
+          </p:cNvPr>
+          <p:cNvSpPr>
+            <a:spLocks noGrp="1"/>
+          </p:cNvSpPr>
+          <p:nvPr>
+            <p:ph type="title"/>
+          </p:nvPr>
+        </p:nvSpPr>
+        <p:spPr>
+          <a:xfrm>
             <a:off x="744221" y="1143000"/>
             <a:ext cx="8399779" cy="492443"/>
           </a:xfrm>
@@ -2785,7 +4935,7 @@
         <p:spPr>
           <a:xfrm>
             <a:off x="609600" y="1905000"/>
-            <a:ext cx="6934200" cy="1200329"/>
+            <a:ext cx="6934200" cy="1477328"/>
           </a:xfrm>
           <a:prstGeom prst="rect">
             <a:avLst/>
@@ -2796,6 +4946,9 @@
             <a:spAutoFit/>
           </a:bodyPr>
           <a:lstStyle/>
+          <a:p>
+            <a:endParaRPr lang="en-GB" altLang="zh-CN" b="1" dirty="0"/>
+          </a:p>
           <a:p>
             <a:r>
               <a:rPr lang="en-GB" altLang="zh-CN" b="1" dirty="0"/>
@@ -2871,8 +5024,8 @@
         </p:nvSpPr>
         <p:spPr>
           <a:xfrm>
-            <a:off x="457200" y="914400"/>
-            <a:ext cx="5486400" cy="492443"/>
+            <a:off x="288750" y="741905"/>
+            <a:ext cx="8534400" cy="492443"/>
           </a:xfrm>
           <a:prstGeom prst="rect">
             <a:avLst/>
@@ -2884,7 +5037,7 @@
           </a:bodyPr>
           <a:lstStyle/>
           <a:p>
-            <a:pPr>
+            <a:pPr algn="ctr">
               <a:lnSpc>
                 <a:spcPct val="100000"/>
               </a:lnSpc>
@@ -2923,8 +5076,8 @@
         </p:blipFill>
         <p:spPr>
           <a:xfrm>
-            <a:off x="685800" y="1905000"/>
-            <a:ext cx="4101627" cy="2819400"/>
+            <a:off x="704341" y="1474605"/>
+            <a:ext cx="2864090" cy="1968735"/>
           </a:xfrm>
           <a:prstGeom prst="rect">
             <a:avLst/>
@@ -2949,39 +5102,990 @@
         </p:nvSpPr>
         <p:spPr>
           <a:xfrm>
-            <a:off x="914401" y="4800600"/>
-            <a:ext cx="6705600" cy="276999"/>
+            <a:off x="1212611" y="3513020"/>
+            <a:ext cx="6705600" cy="369332"/>
           </a:xfrm>
         </p:spPr>
         <p:txBody>
           <a:bodyPr/>
           <a:lstStyle/>
           <a:p>
-            <a:r>
-              <a:rPr lang="de-DE" altLang="zh-CN" dirty="0"/>
+            <a:pPr algn="ctr"/>
+            <a:r>
+              <a:rPr lang="de-DE" altLang="zh-CN" sz="2400" dirty="0">
+                <a:solidFill>
+                  <a:schemeClr val="tx2"/>
+                </a:solidFill>
+              </a:rPr>
               <a:t>8 </a:t>
             </a:r>
             <a:r>
-              <a:rPr lang="de-DE" altLang="zh-CN" dirty="0" err="1"/>
-              <a:t>types</a:t>
-            </a:r>
-            <a:r>
-              <a:rPr lang="de-DE" altLang="zh-CN" dirty="0"/>
+              <a:rPr lang="de-DE" altLang="zh-CN" sz="2400" dirty="0" err="1">
+                <a:solidFill>
+                  <a:schemeClr val="tx2"/>
+                </a:solidFill>
+              </a:rPr>
+              <a:t>Types</a:t>
+            </a:r>
+            <a:r>
+              <a:rPr lang="de-DE" altLang="zh-CN" sz="2400" dirty="0">
+                <a:solidFill>
+                  <a:schemeClr val="tx2"/>
+                </a:solidFill>
+              </a:rPr>
               <a:t> </a:t>
             </a:r>
             <a:r>
-              <a:rPr lang="de-DE" altLang="zh-CN" dirty="0" err="1"/>
+              <a:rPr lang="de-DE" altLang="zh-CN" sz="2400" dirty="0" err="1">
+                <a:solidFill>
+                  <a:schemeClr val="tx2"/>
+                </a:solidFill>
+              </a:rPr>
               <a:t>of</a:t>
             </a:r>
             <a:r>
-              <a:rPr lang="de-DE" altLang="zh-CN" dirty="0"/>
+              <a:rPr lang="de-DE" altLang="zh-CN" sz="2400" dirty="0">
+                <a:solidFill>
+                  <a:schemeClr val="tx2"/>
+                </a:solidFill>
+              </a:rPr>
               <a:t> </a:t>
             </a:r>
             <a:r>
-              <a:rPr lang="de-DE" altLang="zh-CN" dirty="0" err="1"/>
-              <a:t>ffl</a:t>
-            </a:r>
-            <a:endParaRPr lang="zh-CN" altLang="en-US" dirty="0"/>
+              <a:rPr lang="de-DE" altLang="zh-CN" sz="2400" dirty="0" err="1">
+                <a:solidFill>
+                  <a:schemeClr val="tx2"/>
+                </a:solidFill>
+              </a:rPr>
+              <a:t>FFl</a:t>
+            </a:r>
+            <a:endParaRPr lang="zh-CN" altLang="en-US" sz="2400" dirty="0">
+              <a:solidFill>
+                <a:schemeClr val="tx2"/>
+              </a:solidFill>
+            </a:endParaRPr>
+          </a:p>
+        </p:txBody>
+      </p:sp>
+      <p:cxnSp>
+        <p:nvCxnSpPr>
+          <p:cNvPr id="7" name="Gerade Verbindung mit Pfeil 6">
+            <a:extLst>
+              <a:ext uri="{FF2B5EF4-FFF2-40B4-BE49-F238E27FC236}">
+                <a16:creationId xmlns:a16="http://schemas.microsoft.com/office/drawing/2014/main" id="{4F9E721C-7A8C-4DC6-BDFE-BB07FEFEEB19}"/>
+              </a:ext>
+            </a:extLst>
+          </p:cNvPr>
+          <p:cNvCxnSpPr>
+            <a:cxnSpLocks/>
+          </p:cNvCxnSpPr>
+          <p:nvPr/>
+        </p:nvCxnSpPr>
+        <p:spPr>
+          <a:xfrm>
+            <a:off x="5532521" y="3800451"/>
+            <a:ext cx="642759" cy="376996"/>
+          </a:xfrm>
+          <a:prstGeom prst="straightConnector1">
+            <a:avLst/>
+          </a:prstGeom>
+          <a:ln>
+            <a:tailEnd type="triangle"/>
+          </a:ln>
+        </p:spPr>
+        <p:style>
+          <a:lnRef idx="1">
+            <a:schemeClr val="accent1"/>
+          </a:lnRef>
+          <a:fillRef idx="0">
+            <a:schemeClr val="accent1"/>
+          </a:fillRef>
+          <a:effectRef idx="0">
+            <a:schemeClr val="accent1"/>
+          </a:effectRef>
+          <a:fontRef idx="minor">
+            <a:schemeClr val="tx1"/>
+          </a:fontRef>
+        </p:style>
+      </p:cxnSp>
+      <p:cxnSp>
+        <p:nvCxnSpPr>
+          <p:cNvPr id="9" name="Gerade Verbindung mit Pfeil 8">
+            <a:extLst>
+              <a:ext uri="{FF2B5EF4-FFF2-40B4-BE49-F238E27FC236}">
+                <a16:creationId xmlns:a16="http://schemas.microsoft.com/office/drawing/2014/main" id="{014D5C75-8378-4327-8DD7-F82F95613C7E}"/>
+              </a:ext>
+            </a:extLst>
+          </p:cNvPr>
+          <p:cNvCxnSpPr/>
+          <p:nvPr/>
+        </p:nvCxnSpPr>
+        <p:spPr>
+          <a:xfrm flipH="1">
+            <a:off x="3067766" y="3796447"/>
+            <a:ext cx="609600" cy="381000"/>
+          </a:xfrm>
+          <a:prstGeom prst="straightConnector1">
+            <a:avLst/>
+          </a:prstGeom>
+          <a:ln>
+            <a:tailEnd type="triangle"/>
+          </a:ln>
+        </p:spPr>
+        <p:style>
+          <a:lnRef idx="1">
+            <a:schemeClr val="accent1"/>
+          </a:lnRef>
+          <a:fillRef idx="0">
+            <a:schemeClr val="accent1"/>
+          </a:fillRef>
+          <a:effectRef idx="0">
+            <a:schemeClr val="accent1"/>
+          </a:effectRef>
+          <a:fontRef idx="minor">
+            <a:schemeClr val="tx1"/>
+          </a:fontRef>
+        </p:style>
+      </p:cxnSp>
+      <p:sp>
+        <p:nvSpPr>
+          <p:cNvPr id="13" name="Rechteck 12">
+            <a:extLst>
+              <a:ext uri="{FF2B5EF4-FFF2-40B4-BE49-F238E27FC236}">
+                <a16:creationId xmlns:a16="http://schemas.microsoft.com/office/drawing/2014/main" id="{FD5AC2FD-E846-4C15-9310-FD7465350406}"/>
+              </a:ext>
+            </a:extLst>
+          </p:cNvPr>
+          <p:cNvSpPr/>
+          <p:nvPr/>
+        </p:nvSpPr>
+        <p:spPr>
+          <a:xfrm>
+            <a:off x="2256675" y="4064437"/>
+            <a:ext cx="1351652" cy="461665"/>
+          </a:xfrm>
+          <a:prstGeom prst="rect">
+            <a:avLst/>
+          </a:prstGeom>
+        </p:spPr>
+        <p:txBody>
+          <a:bodyPr wrap="none">
+            <a:spAutoFit/>
+          </a:bodyPr>
+          <a:lstStyle/>
+          <a:p>
+            <a:pPr lvl="0" algn="ctr"/>
+            <a:r>
+              <a:rPr lang="de-DE" altLang="zh-CN" sz="2400" kern="0" dirty="0">
+                <a:solidFill>
+                  <a:schemeClr val="accent2">
+                    <a:lumMod val="75000"/>
+                  </a:schemeClr>
+                </a:solidFill>
+              </a:rPr>
+              <a:t>Coherent</a:t>
+            </a:r>
+            <a:endParaRPr lang="zh-CN" altLang="en-US" sz="2400" kern="0" dirty="0">
+              <a:solidFill>
+                <a:schemeClr val="accent2">
+                  <a:lumMod val="75000"/>
+                </a:schemeClr>
+              </a:solidFill>
+            </a:endParaRPr>
+          </a:p>
+        </p:txBody>
+      </p:sp>
+      <p:sp>
+        <p:nvSpPr>
+          <p:cNvPr id="14" name="Rechteck 13">
+            <a:extLst>
+              <a:ext uri="{FF2B5EF4-FFF2-40B4-BE49-F238E27FC236}">
+                <a16:creationId xmlns:a16="http://schemas.microsoft.com/office/drawing/2014/main" id="{80AA3473-751B-4980-A713-E9E2AB6E509F}"/>
+              </a:ext>
+            </a:extLst>
+          </p:cNvPr>
+          <p:cNvSpPr/>
+          <p:nvPr/>
+        </p:nvSpPr>
+        <p:spPr>
+          <a:xfrm>
+            <a:off x="5845879" y="4021711"/>
+            <a:ext cx="1556836" cy="461665"/>
+          </a:xfrm>
+          <a:prstGeom prst="rect">
+            <a:avLst/>
+          </a:prstGeom>
+        </p:spPr>
+        <p:txBody>
+          <a:bodyPr wrap="none">
+            <a:spAutoFit/>
+          </a:bodyPr>
+          <a:lstStyle/>
+          <a:p>
+            <a:pPr lvl="0" algn="ctr"/>
+            <a:r>
+              <a:rPr lang="de-DE" altLang="zh-CN" sz="2400" kern="0" dirty="0">
+                <a:solidFill>
+                  <a:srgbClr val="0070C0"/>
+                </a:solidFill>
+              </a:rPr>
+              <a:t>Incoherent</a:t>
+            </a:r>
+            <a:endParaRPr lang="zh-CN" altLang="en-US" sz="2400" kern="0" dirty="0">
+              <a:solidFill>
+                <a:srgbClr val="0070C0"/>
+              </a:solidFill>
+            </a:endParaRPr>
+          </a:p>
+        </p:txBody>
+      </p:sp>
+      <p:sp>
+        <p:nvSpPr>
+          <p:cNvPr id="19" name="Rechteck 18">
+            <a:extLst>
+              <a:ext uri="{FF2B5EF4-FFF2-40B4-BE49-F238E27FC236}">
+                <a16:creationId xmlns:a16="http://schemas.microsoft.com/office/drawing/2014/main" id="{C6DD9DC9-D3DC-45C3-ACD5-6F30B81712BE}"/>
+              </a:ext>
+            </a:extLst>
+          </p:cNvPr>
+          <p:cNvSpPr/>
+          <p:nvPr/>
+        </p:nvSpPr>
+        <p:spPr>
+          <a:xfrm>
+            <a:off x="433222" y="4483376"/>
+            <a:ext cx="808235" cy="369332"/>
+          </a:xfrm>
+          <a:prstGeom prst="rect">
+            <a:avLst/>
+          </a:prstGeom>
+        </p:spPr>
+        <p:txBody>
+          <a:bodyPr wrap="none">
+            <a:spAutoFit/>
+          </a:bodyPr>
+          <a:lstStyle/>
+          <a:p>
+            <a:pPr lvl="0" algn="ctr"/>
+            <a:r>
+              <a:rPr lang="de-DE" altLang="zh-CN" kern="0" dirty="0">
+                <a:solidFill>
+                  <a:srgbClr val="1F497D"/>
+                </a:solidFill>
+              </a:rPr>
+              <a:t>Type 1</a:t>
+            </a:r>
+            <a:endParaRPr lang="zh-CN" altLang="en-US" kern="0" dirty="0">
+              <a:solidFill>
+                <a:srgbClr val="1F497D"/>
+              </a:solidFill>
+            </a:endParaRPr>
+          </a:p>
+        </p:txBody>
+      </p:sp>
+      <p:sp>
+        <p:nvSpPr>
+          <p:cNvPr id="23" name="Rechteck 22">
+            <a:extLst>
+              <a:ext uri="{FF2B5EF4-FFF2-40B4-BE49-F238E27FC236}">
+                <a16:creationId xmlns:a16="http://schemas.microsoft.com/office/drawing/2014/main" id="{E078A275-AC6D-4EE9-8659-8C51A155B73F}"/>
+              </a:ext>
+            </a:extLst>
+          </p:cNvPr>
+          <p:cNvSpPr/>
+          <p:nvPr/>
+        </p:nvSpPr>
+        <p:spPr>
+          <a:xfrm>
+            <a:off x="1328151" y="4503449"/>
+            <a:ext cx="808235" cy="369332"/>
+          </a:xfrm>
+          <a:prstGeom prst="rect">
+            <a:avLst/>
+          </a:prstGeom>
+        </p:spPr>
+        <p:txBody>
+          <a:bodyPr wrap="none">
+            <a:spAutoFit/>
+          </a:bodyPr>
+          <a:lstStyle/>
+          <a:p>
+            <a:pPr lvl="0" algn="ctr"/>
+            <a:r>
+              <a:rPr lang="de-DE" altLang="zh-CN" kern="0" dirty="0">
+                <a:solidFill>
+                  <a:srgbClr val="1F497D"/>
+                </a:solidFill>
+              </a:rPr>
+              <a:t>Type 2</a:t>
+            </a:r>
+            <a:endParaRPr lang="zh-CN" altLang="en-US" kern="0" dirty="0">
+              <a:solidFill>
+                <a:srgbClr val="1F497D"/>
+              </a:solidFill>
+            </a:endParaRPr>
+          </a:p>
+        </p:txBody>
+      </p:sp>
+      <p:sp>
+        <p:nvSpPr>
+          <p:cNvPr id="24" name="Rechteck 23">
+            <a:extLst>
+              <a:ext uri="{FF2B5EF4-FFF2-40B4-BE49-F238E27FC236}">
+                <a16:creationId xmlns:a16="http://schemas.microsoft.com/office/drawing/2014/main" id="{6CF64F25-77E4-4DE4-8B64-9F851F69A777}"/>
+              </a:ext>
+            </a:extLst>
+          </p:cNvPr>
+          <p:cNvSpPr/>
+          <p:nvPr/>
+        </p:nvSpPr>
+        <p:spPr>
+          <a:xfrm>
+            <a:off x="2320318" y="4503449"/>
+            <a:ext cx="808235" cy="369332"/>
+          </a:xfrm>
+          <a:prstGeom prst="rect">
+            <a:avLst/>
+          </a:prstGeom>
+        </p:spPr>
+        <p:txBody>
+          <a:bodyPr wrap="none">
+            <a:spAutoFit/>
+          </a:bodyPr>
+          <a:lstStyle/>
+          <a:p>
+            <a:pPr lvl="0" algn="ctr"/>
+            <a:r>
+              <a:rPr lang="de-DE" altLang="zh-CN" kern="0" dirty="0">
+                <a:solidFill>
+                  <a:srgbClr val="1F497D"/>
+                </a:solidFill>
+              </a:rPr>
+              <a:t>Type 3</a:t>
+            </a:r>
+            <a:endParaRPr lang="zh-CN" altLang="en-US" kern="0" dirty="0">
+              <a:solidFill>
+                <a:srgbClr val="1F497D"/>
+              </a:solidFill>
+            </a:endParaRPr>
+          </a:p>
+        </p:txBody>
+      </p:sp>
+      <p:sp>
+        <p:nvSpPr>
+          <p:cNvPr id="25" name="Rechteck 24">
+            <a:extLst>
+              <a:ext uri="{FF2B5EF4-FFF2-40B4-BE49-F238E27FC236}">
+                <a16:creationId xmlns:a16="http://schemas.microsoft.com/office/drawing/2014/main" id="{7B5E89E7-1C27-4076-9722-739831AA4DCC}"/>
+              </a:ext>
+            </a:extLst>
+          </p:cNvPr>
+          <p:cNvSpPr/>
+          <p:nvPr/>
+        </p:nvSpPr>
+        <p:spPr>
+          <a:xfrm>
+            <a:off x="3312485" y="4503449"/>
+            <a:ext cx="808235" cy="369332"/>
+          </a:xfrm>
+          <a:prstGeom prst="rect">
+            <a:avLst/>
+          </a:prstGeom>
+        </p:spPr>
+        <p:txBody>
+          <a:bodyPr wrap="none">
+            <a:spAutoFit/>
+          </a:bodyPr>
+          <a:lstStyle/>
+          <a:p>
+            <a:pPr lvl="0" algn="ctr"/>
+            <a:r>
+              <a:rPr lang="de-DE" altLang="zh-CN" kern="0" dirty="0">
+                <a:solidFill>
+                  <a:srgbClr val="1F497D"/>
+                </a:solidFill>
+              </a:rPr>
+              <a:t>Type 4</a:t>
+            </a:r>
+            <a:endParaRPr lang="zh-CN" altLang="en-US" kern="0" dirty="0">
+              <a:solidFill>
+                <a:srgbClr val="1F497D"/>
+              </a:solidFill>
+            </a:endParaRPr>
+          </a:p>
+        </p:txBody>
+      </p:sp>
+      <p:pic>
+        <p:nvPicPr>
+          <p:cNvPr id="27" name="Grafik 26">
+            <a:extLst>
+              <a:ext uri="{FF2B5EF4-FFF2-40B4-BE49-F238E27FC236}">
+                <a16:creationId xmlns:a16="http://schemas.microsoft.com/office/drawing/2014/main" id="{A50573AA-E0C7-4F8F-B536-256F9A9A8F73}"/>
+              </a:ext>
+            </a:extLst>
+          </p:cNvPr>
+          <p:cNvPicPr>
+            <a:picLocks noChangeAspect="1"/>
+          </p:cNvPicPr>
+          <p:nvPr/>
+        </p:nvPicPr>
+        <p:blipFill>
+          <a:blip r:embed="rId4">
+            <a:extLst>
+              <a:ext uri="{28A0092B-C50C-407E-A947-70E740481C1C}">
+                <a14:useLocalDpi xmlns:a14="http://schemas.microsoft.com/office/drawing/2010/main" val="0"/>
+              </a:ext>
+            </a:extLst>
+          </a:blip>
+          <a:stretch>
+            <a:fillRect/>
+          </a:stretch>
+        </p:blipFill>
+        <p:spPr>
+          <a:xfrm>
+            <a:off x="4120720" y="1831145"/>
+            <a:ext cx="4236125" cy="936000"/>
+          </a:xfrm>
+          <a:prstGeom prst="rect">
+            <a:avLst/>
+          </a:prstGeom>
+        </p:spPr>
+      </p:pic>
+      <p:sp>
+        <p:nvSpPr>
+          <p:cNvPr id="28" name="Rechteck 27">
+            <a:extLst>
+              <a:ext uri="{FF2B5EF4-FFF2-40B4-BE49-F238E27FC236}">
+                <a16:creationId xmlns:a16="http://schemas.microsoft.com/office/drawing/2014/main" id="{5C953BE3-DE99-416E-93FB-6240BACF4B33}"/>
+              </a:ext>
+            </a:extLst>
+          </p:cNvPr>
+          <p:cNvSpPr/>
+          <p:nvPr/>
+        </p:nvSpPr>
+        <p:spPr>
+          <a:xfrm>
+            <a:off x="5110850" y="4503449"/>
+            <a:ext cx="808235" cy="369332"/>
+          </a:xfrm>
+          <a:prstGeom prst="rect">
+            <a:avLst/>
+          </a:prstGeom>
+        </p:spPr>
+        <p:txBody>
+          <a:bodyPr wrap="none">
+            <a:spAutoFit/>
+          </a:bodyPr>
+          <a:lstStyle/>
+          <a:p>
+            <a:pPr lvl="0" algn="ctr"/>
+            <a:r>
+              <a:rPr lang="de-DE" altLang="zh-CN" kern="0" dirty="0">
+                <a:solidFill>
+                  <a:srgbClr val="1F497D"/>
+                </a:solidFill>
+              </a:rPr>
+              <a:t>Type 1</a:t>
+            </a:r>
+            <a:endParaRPr lang="zh-CN" altLang="en-US" kern="0" dirty="0">
+              <a:solidFill>
+                <a:srgbClr val="1F497D"/>
+              </a:solidFill>
+            </a:endParaRPr>
+          </a:p>
+        </p:txBody>
+      </p:sp>
+      <p:sp>
+        <p:nvSpPr>
+          <p:cNvPr id="29" name="Rechteck 28">
+            <a:extLst>
+              <a:ext uri="{FF2B5EF4-FFF2-40B4-BE49-F238E27FC236}">
+                <a16:creationId xmlns:a16="http://schemas.microsoft.com/office/drawing/2014/main" id="{1FBBCA1C-668B-4490-ABE1-48C29AE3E8C5}"/>
+              </a:ext>
+            </a:extLst>
+          </p:cNvPr>
+          <p:cNvSpPr/>
+          <p:nvPr/>
+        </p:nvSpPr>
+        <p:spPr>
+          <a:xfrm>
+            <a:off x="6082026" y="4503449"/>
+            <a:ext cx="808235" cy="369332"/>
+          </a:xfrm>
+          <a:prstGeom prst="rect">
+            <a:avLst/>
+          </a:prstGeom>
+        </p:spPr>
+        <p:txBody>
+          <a:bodyPr wrap="none">
+            <a:spAutoFit/>
+          </a:bodyPr>
+          <a:lstStyle/>
+          <a:p>
+            <a:pPr lvl="0" algn="ctr"/>
+            <a:r>
+              <a:rPr lang="de-DE" altLang="zh-CN" kern="0" dirty="0">
+                <a:solidFill>
+                  <a:srgbClr val="1F497D"/>
+                </a:solidFill>
+              </a:rPr>
+              <a:t>Type 2</a:t>
+            </a:r>
+            <a:endParaRPr lang="zh-CN" altLang="en-US" kern="0" dirty="0">
+              <a:solidFill>
+                <a:srgbClr val="1F497D"/>
+              </a:solidFill>
+            </a:endParaRPr>
+          </a:p>
+        </p:txBody>
+      </p:sp>
+      <p:sp>
+        <p:nvSpPr>
+          <p:cNvPr id="30" name="Rechteck 29">
+            <a:extLst>
+              <a:ext uri="{FF2B5EF4-FFF2-40B4-BE49-F238E27FC236}">
+                <a16:creationId xmlns:a16="http://schemas.microsoft.com/office/drawing/2014/main" id="{E84E459C-83DB-4BD0-B05F-60C7B7C3CFC6}"/>
+              </a:ext>
+            </a:extLst>
+          </p:cNvPr>
+          <p:cNvSpPr/>
+          <p:nvPr/>
+        </p:nvSpPr>
+        <p:spPr>
+          <a:xfrm>
+            <a:off x="7053202" y="4503449"/>
+            <a:ext cx="808235" cy="369332"/>
+          </a:xfrm>
+          <a:prstGeom prst="rect">
+            <a:avLst/>
+          </a:prstGeom>
+        </p:spPr>
+        <p:txBody>
+          <a:bodyPr wrap="none">
+            <a:spAutoFit/>
+          </a:bodyPr>
+          <a:lstStyle/>
+          <a:p>
+            <a:pPr lvl="0" algn="ctr"/>
+            <a:r>
+              <a:rPr lang="de-DE" altLang="zh-CN" kern="0" dirty="0">
+                <a:solidFill>
+                  <a:srgbClr val="1F497D"/>
+                </a:solidFill>
+              </a:rPr>
+              <a:t>Type 3</a:t>
+            </a:r>
+            <a:endParaRPr lang="zh-CN" altLang="en-US" kern="0" dirty="0">
+              <a:solidFill>
+                <a:srgbClr val="1F497D"/>
+              </a:solidFill>
+            </a:endParaRPr>
+          </a:p>
+        </p:txBody>
+      </p:sp>
+      <p:sp>
+        <p:nvSpPr>
+          <p:cNvPr id="32" name="Rechteck 31">
+            <a:extLst>
+              <a:ext uri="{FF2B5EF4-FFF2-40B4-BE49-F238E27FC236}">
+                <a16:creationId xmlns:a16="http://schemas.microsoft.com/office/drawing/2014/main" id="{68612AD6-E1A4-4A6C-89BB-F8F11CAC3799}"/>
+              </a:ext>
+            </a:extLst>
+          </p:cNvPr>
+          <p:cNvSpPr/>
+          <p:nvPr/>
+        </p:nvSpPr>
+        <p:spPr>
+          <a:xfrm>
+            <a:off x="8024378" y="4503449"/>
+            <a:ext cx="808235" cy="369332"/>
+          </a:xfrm>
+          <a:prstGeom prst="rect">
+            <a:avLst/>
+          </a:prstGeom>
+        </p:spPr>
+        <p:txBody>
+          <a:bodyPr wrap="none">
+            <a:spAutoFit/>
+          </a:bodyPr>
+          <a:lstStyle/>
+          <a:p>
+            <a:pPr lvl="0" algn="ctr"/>
+            <a:r>
+              <a:rPr lang="de-DE" altLang="zh-CN" kern="0" dirty="0">
+                <a:solidFill>
+                  <a:srgbClr val="1F497D"/>
+                </a:solidFill>
+              </a:rPr>
+              <a:t>Type 4</a:t>
+            </a:r>
+            <a:endParaRPr lang="zh-CN" altLang="en-US" kern="0" dirty="0">
+              <a:solidFill>
+                <a:srgbClr val="1F497D"/>
+              </a:solidFill>
+            </a:endParaRPr>
+          </a:p>
+        </p:txBody>
+      </p:sp>
+      <p:pic>
+        <p:nvPicPr>
+          <p:cNvPr id="34" name="Grafik 33">
+            <a:extLst>
+              <a:ext uri="{FF2B5EF4-FFF2-40B4-BE49-F238E27FC236}">
+                <a16:creationId xmlns:a16="http://schemas.microsoft.com/office/drawing/2014/main" id="{27B8FF41-9001-4233-BD8F-D557E4DACAFB}"/>
+              </a:ext>
+            </a:extLst>
+          </p:cNvPr>
+          <p:cNvPicPr>
+            <a:picLocks noChangeAspect="1"/>
+          </p:cNvPicPr>
+          <p:nvPr/>
+        </p:nvPicPr>
+        <p:blipFill>
+          <a:blip r:embed="rId5">
+            <a:duotone>
+              <a:schemeClr val="accent1">
+                <a:shade val="45000"/>
+                <a:satMod val="135000"/>
+              </a:schemeClr>
+              <a:prstClr val="white"/>
+            </a:duotone>
+            <a:extLst>
+              <a:ext uri="{28A0092B-C50C-407E-A947-70E740481C1C}">
+                <a14:useLocalDpi xmlns:a14="http://schemas.microsoft.com/office/drawing/2010/main" val="0"/>
+              </a:ext>
+            </a:extLst>
+          </a:blip>
+          <a:stretch>
+            <a:fillRect/>
+          </a:stretch>
+        </p:blipFill>
+        <p:spPr>
+          <a:xfrm>
+            <a:off x="5221598" y="4872781"/>
+            <a:ext cx="625263" cy="1080000"/>
+          </a:xfrm>
+          <a:prstGeom prst="rect">
+            <a:avLst/>
+          </a:prstGeom>
+        </p:spPr>
+      </p:pic>
+      <p:pic>
+        <p:nvPicPr>
+          <p:cNvPr id="36" name="Grafik 35">
+            <a:extLst>
+              <a:ext uri="{FF2B5EF4-FFF2-40B4-BE49-F238E27FC236}">
+                <a16:creationId xmlns:a16="http://schemas.microsoft.com/office/drawing/2014/main" id="{BB721ECF-764D-4AC4-AC9C-97CCF82AC700}"/>
+              </a:ext>
+            </a:extLst>
+          </p:cNvPr>
+          <p:cNvPicPr>
+            <a:picLocks noChangeAspect="1"/>
+          </p:cNvPicPr>
+          <p:nvPr/>
+        </p:nvPicPr>
+        <p:blipFill>
+          <a:blip r:embed="rId6">
+            <a:duotone>
+              <a:schemeClr val="accent1">
+                <a:shade val="45000"/>
+                <a:satMod val="135000"/>
+              </a:schemeClr>
+              <a:prstClr val="white"/>
+            </a:duotone>
+            <a:extLst>
+              <a:ext uri="{28A0092B-C50C-407E-A947-70E740481C1C}">
+                <a14:useLocalDpi xmlns:a14="http://schemas.microsoft.com/office/drawing/2010/main" val="0"/>
+              </a:ext>
+            </a:extLst>
+          </a:blip>
+          <a:stretch>
+            <a:fillRect/>
+          </a:stretch>
+        </p:blipFill>
+        <p:spPr>
+          <a:xfrm>
+            <a:off x="8225638" y="4827247"/>
+            <a:ext cx="563824" cy="1080000"/>
+          </a:xfrm>
+          <a:prstGeom prst="rect">
+            <a:avLst/>
+          </a:prstGeom>
+        </p:spPr>
+      </p:pic>
+      <p:pic>
+        <p:nvPicPr>
+          <p:cNvPr id="38" name="Grafik 37">
+            <a:extLst>
+              <a:ext uri="{FF2B5EF4-FFF2-40B4-BE49-F238E27FC236}">
+                <a16:creationId xmlns:a16="http://schemas.microsoft.com/office/drawing/2014/main" id="{54D0B8A9-4567-4A37-882B-50C7794AC6E0}"/>
+              </a:ext>
+            </a:extLst>
+          </p:cNvPr>
+          <p:cNvPicPr>
+            <a:picLocks noChangeAspect="1"/>
+          </p:cNvPicPr>
+          <p:nvPr/>
+        </p:nvPicPr>
+        <p:blipFill>
+          <a:blip r:embed="rId7">
+            <a:duotone>
+              <a:schemeClr val="accent2">
+                <a:shade val="45000"/>
+                <a:satMod val="135000"/>
+              </a:schemeClr>
+              <a:prstClr val="white"/>
+            </a:duotone>
+            <a:extLst>
+              <a:ext uri="{28A0092B-C50C-407E-A947-70E740481C1C}">
+                <a14:useLocalDpi xmlns:a14="http://schemas.microsoft.com/office/drawing/2010/main" val="0"/>
+              </a:ext>
+            </a:extLst>
+          </a:blip>
+          <a:stretch>
+            <a:fillRect/>
+          </a:stretch>
+        </p:blipFill>
+        <p:spPr>
+          <a:xfrm>
+            <a:off x="549068" y="4913732"/>
+            <a:ext cx="576541" cy="1080000"/>
+          </a:xfrm>
+          <a:prstGeom prst="rect">
+            <a:avLst/>
+          </a:prstGeom>
+        </p:spPr>
+      </p:pic>
+      <p:pic>
+        <p:nvPicPr>
+          <p:cNvPr id="40" name="Grafik 39">
+            <a:extLst>
+              <a:ext uri="{FF2B5EF4-FFF2-40B4-BE49-F238E27FC236}">
+                <a16:creationId xmlns:a16="http://schemas.microsoft.com/office/drawing/2014/main" id="{39BAE5BA-355C-4810-9955-88B1061C6FD0}"/>
+              </a:ext>
+            </a:extLst>
+          </p:cNvPr>
+          <p:cNvPicPr>
+            <a:picLocks noChangeAspect="1"/>
+          </p:cNvPicPr>
+          <p:nvPr/>
+        </p:nvPicPr>
+        <p:blipFill>
+          <a:blip r:embed="rId8">
+            <a:duotone>
+              <a:schemeClr val="accent2">
+                <a:shade val="45000"/>
+                <a:satMod val="135000"/>
+              </a:schemeClr>
+              <a:prstClr val="white"/>
+            </a:duotone>
+            <a:extLst>
+              <a:ext uri="{28A0092B-C50C-407E-A947-70E740481C1C}">
+                <a14:useLocalDpi xmlns:a14="http://schemas.microsoft.com/office/drawing/2010/main" val="0"/>
+              </a:ext>
+            </a:extLst>
+          </a:blip>
+          <a:stretch>
+            <a:fillRect/>
+          </a:stretch>
+        </p:blipFill>
+        <p:spPr>
+          <a:xfrm>
+            <a:off x="3484633" y="4871484"/>
+            <a:ext cx="610077" cy="1080000"/>
+          </a:xfrm>
+          <a:prstGeom prst="rect">
+            <a:avLst/>
+          </a:prstGeom>
+        </p:spPr>
+      </p:pic>
+      <p:pic>
+        <p:nvPicPr>
+          <p:cNvPr id="42" name="Grafik 41">
+            <a:extLst>
+              <a:ext uri="{FF2B5EF4-FFF2-40B4-BE49-F238E27FC236}">
+                <a16:creationId xmlns:a16="http://schemas.microsoft.com/office/drawing/2014/main" id="{61862B8B-283D-405E-B1A8-F7B93918D16A}"/>
+              </a:ext>
+            </a:extLst>
+          </p:cNvPr>
+          <p:cNvPicPr>
+            <a:picLocks noChangeAspect="1"/>
+          </p:cNvPicPr>
+          <p:nvPr/>
+        </p:nvPicPr>
+        <p:blipFill>
+          <a:blip r:embed="rId9">
+            <a:duotone>
+              <a:schemeClr val="accent1">
+                <a:shade val="45000"/>
+                <a:satMod val="135000"/>
+              </a:schemeClr>
+              <a:prstClr val="white"/>
+            </a:duotone>
+          </a:blip>
+          <a:stretch>
+            <a:fillRect/>
+          </a:stretch>
+        </p:blipFill>
+        <p:spPr>
+          <a:xfrm>
+            <a:off x="6133952" y="4887263"/>
+            <a:ext cx="818182" cy="1080000"/>
+          </a:xfrm>
+          <a:prstGeom prst="rect">
+            <a:avLst/>
+          </a:prstGeom>
+        </p:spPr>
+      </p:pic>
+      <p:pic>
+        <p:nvPicPr>
+          <p:cNvPr id="43" name="Grafik 42">
+            <a:extLst>
+              <a:ext uri="{FF2B5EF4-FFF2-40B4-BE49-F238E27FC236}">
+                <a16:creationId xmlns:a16="http://schemas.microsoft.com/office/drawing/2014/main" id="{90F185D8-AA4B-4278-A73D-F8703A607E4B}"/>
+              </a:ext>
+            </a:extLst>
+          </p:cNvPr>
+          <p:cNvPicPr>
+            <a:picLocks noChangeAspect="1"/>
+          </p:cNvPicPr>
+          <p:nvPr/>
+        </p:nvPicPr>
+        <p:blipFill>
+          <a:blip r:embed="rId10">
+            <a:duotone>
+              <a:schemeClr val="accent1">
+                <a:shade val="45000"/>
+                <a:satMod val="135000"/>
+              </a:schemeClr>
+              <a:prstClr val="white"/>
+            </a:duotone>
+          </a:blip>
+          <a:stretch>
+            <a:fillRect/>
+          </a:stretch>
+        </p:blipFill>
+        <p:spPr>
+          <a:xfrm>
+            <a:off x="7153394" y="4883613"/>
+            <a:ext cx="739638" cy="1080000"/>
+          </a:xfrm>
+          <a:prstGeom prst="rect">
+            <a:avLst/>
+          </a:prstGeom>
+        </p:spPr>
+      </p:pic>
+      <p:pic>
+        <p:nvPicPr>
+          <p:cNvPr id="44" name="Grafik 43">
+            <a:extLst>
+              <a:ext uri="{FF2B5EF4-FFF2-40B4-BE49-F238E27FC236}">
+                <a16:creationId xmlns:a16="http://schemas.microsoft.com/office/drawing/2014/main" id="{98E6F6F8-B5E4-4E3E-B1B9-ACEC06831ED2}"/>
+              </a:ext>
+            </a:extLst>
+          </p:cNvPr>
+          <p:cNvPicPr>
+            <a:picLocks noChangeAspect="1"/>
+          </p:cNvPicPr>
+          <p:nvPr/>
+        </p:nvPicPr>
+        <p:blipFill>
+          <a:blip r:embed="rId11">
+            <a:duotone>
+              <a:schemeClr val="accent2">
+                <a:shade val="45000"/>
+                <a:satMod val="135000"/>
+              </a:schemeClr>
+              <a:prstClr val="white"/>
+            </a:duotone>
+          </a:blip>
+          <a:stretch>
+            <a:fillRect/>
+          </a:stretch>
+        </p:blipFill>
+        <p:spPr>
+          <a:xfrm>
+            <a:off x="1317609" y="4883613"/>
+            <a:ext cx="900633" cy="1116000"/>
+          </a:xfrm>
+          <a:prstGeom prst="rect">
+            <a:avLst/>
+          </a:prstGeom>
+        </p:spPr>
+      </p:pic>
+      <p:pic>
+        <p:nvPicPr>
+          <p:cNvPr id="45" name="Grafik 44">
+            <a:extLst>
+              <a:ext uri="{FF2B5EF4-FFF2-40B4-BE49-F238E27FC236}">
+                <a16:creationId xmlns:a16="http://schemas.microsoft.com/office/drawing/2014/main" id="{BC4D0B5E-A66C-48BF-89E1-EBA07C3AC127}"/>
+              </a:ext>
+            </a:extLst>
+          </p:cNvPr>
+          <p:cNvPicPr>
+            <a:picLocks noChangeAspect="1"/>
+          </p:cNvPicPr>
+          <p:nvPr/>
+        </p:nvPicPr>
+        <p:blipFill>
+          <a:blip r:embed="rId12">
+            <a:duotone>
+              <a:schemeClr val="accent2">
+                <a:shade val="45000"/>
+                <a:satMod val="135000"/>
+              </a:schemeClr>
+              <a:prstClr val="white"/>
+            </a:duotone>
+          </a:blip>
+          <a:stretch>
+            <a:fillRect/>
+          </a:stretch>
+        </p:blipFill>
+        <p:spPr>
+          <a:xfrm>
+            <a:off x="2252497" y="4901613"/>
+            <a:ext cx="947369" cy="1080000"/>
+          </a:xfrm>
+          <a:prstGeom prst="rect">
+            <a:avLst/>
+          </a:prstGeom>
+        </p:spPr>
+      </p:pic>
+      <p:sp>
+        <p:nvSpPr>
+          <p:cNvPr id="47" name="Textfeld 46">
+            <a:extLst>
+              <a:ext uri="{FF2B5EF4-FFF2-40B4-BE49-F238E27FC236}">
+                <a16:creationId xmlns:a16="http://schemas.microsoft.com/office/drawing/2014/main" id="{E68B1337-599B-4CFB-B0FF-A991C272792C}"/>
+              </a:ext>
+            </a:extLst>
+          </p:cNvPr>
+          <p:cNvSpPr txBox="1"/>
+          <p:nvPr/>
+        </p:nvSpPr>
+        <p:spPr>
+          <a:xfrm>
+            <a:off x="433222" y="6375124"/>
+            <a:ext cx="4876946" cy="369332"/>
+          </a:xfrm>
+          <a:prstGeom prst="rect">
+            <a:avLst/>
+          </a:prstGeom>
+          <a:noFill/>
+        </p:spPr>
+        <p:txBody>
+          <a:bodyPr wrap="square" rtlCol="0">
+            <a:spAutoFit/>
+          </a:bodyPr>
+          <a:lstStyle/>
+          <a:p>
+            <a:r>
+              <a:rPr lang="en-US" altLang="zh-CN" sz="800" dirty="0"/>
+              <a:t>All Pictures from: Mangan, Alon: Structure and function of the feed-forward loop network motif</a:t>
+            </a:r>
+          </a:p>
+          <a:p>
+            <a:endParaRPr lang="de-DE" sz="1000" dirty="0"/>
           </a:p>
         </p:txBody>
       </p:sp>
@@ -2990,6 +6094,14 @@
   <p:clrMapOvr>
     <a:masterClrMapping/>
   </p:clrMapOvr>
+  <mc:AlternateContent xmlns:mc="http://schemas.openxmlformats.org/markup-compatibility/2006">
+    <mc:Choice xmlns:p14="http://schemas.microsoft.com/office/powerpoint/2010/main" Requires="p14">
+      <p:transition spd="slow" p14:dur="12000"/>
+    </mc:Choice>
+    <mc:Fallback>
+      <p:transition spd="slow"/>
+    </mc:Fallback>
+  </mc:AlternateContent>
 </p:sld>
 </file>
 
@@ -3012,52 +6124,10 @@
       </p:grpSpPr>
       <p:sp>
         <p:nvSpPr>
-          <p:cNvPr id="2" name="Titel 1">
+          <p:cNvPr id="3" name="Textplatzhalter 2">
             <a:extLst>
               <a:ext uri="{FF2B5EF4-FFF2-40B4-BE49-F238E27FC236}">
-                <a16:creationId xmlns:a16="http://schemas.microsoft.com/office/drawing/2014/main" id="{7F5E2750-9B72-4D77-BDE9-723A215CDBB4}"/>
-              </a:ext>
-            </a:extLst>
-          </p:cNvPr>
-          <p:cNvSpPr>
-            <a:spLocks noGrp="1"/>
-          </p:cNvSpPr>
-          <p:nvPr>
-            <p:ph type="title"/>
-          </p:nvPr>
-        </p:nvSpPr>
-        <p:spPr>
-          <a:xfrm>
-            <a:off x="328124" y="899155"/>
-            <a:ext cx="8399779" cy="492443"/>
-          </a:xfrm>
-        </p:spPr>
-        <p:txBody>
-          <a:bodyPr/>
-          <a:lstStyle/>
-          <a:p>
-            <a:r>
-              <a:rPr lang="de-DE" altLang="zh-CN" dirty="0" err="1"/>
-              <a:t>Coherent</a:t>
-            </a:r>
-            <a:r>
-              <a:rPr lang="de-DE" altLang="zh-CN" dirty="0"/>
-              <a:t> vs. </a:t>
-            </a:r>
-            <a:r>
-              <a:rPr lang="de-DE" altLang="zh-CN" dirty="0" err="1"/>
-              <a:t>Incoherent</a:t>
-            </a:r>
-            <a:endParaRPr lang="zh-CN" altLang="en-US" dirty="0"/>
-          </a:p>
-        </p:txBody>
-      </p:sp>
-      <p:sp>
-        <p:nvSpPr>
-          <p:cNvPr id="3" name="Textplatzhalter 2">
-            <a:extLst>
-              <a:ext uri="{FF2B5EF4-FFF2-40B4-BE49-F238E27FC236}">
-                <a16:creationId xmlns:a16="http://schemas.microsoft.com/office/drawing/2014/main" id="{8218D6CD-22D9-426C-9084-98E55F831903}"/>
+                <a16:creationId xmlns:a16="http://schemas.microsoft.com/office/drawing/2014/main" id="{800B56E7-B42D-4CD8-9492-B7610E6E930F}"/>
               </a:ext>
             </a:extLst>
           </p:cNvPr>
@@ -3070,8 +6140,8 @@
         </p:nvSpPr>
         <p:spPr>
           <a:xfrm>
-            <a:off x="239350" y="2362200"/>
-            <a:ext cx="8486147" cy="276999"/>
+            <a:off x="571500" y="990600"/>
+            <a:ext cx="3581400" cy="307777"/>
           </a:xfrm>
         </p:spPr>
         <p:txBody>
@@ -3079,51 +6149,2146 @@
           <a:lstStyle/>
           <a:p>
             <a:r>
-              <a:rPr lang="de-DE" altLang="zh-CN" dirty="0"/>
-              <a:t>Graphen 8 </a:t>
-            </a:r>
-            <a:r>
-              <a:rPr lang="de-DE" altLang="zh-CN" dirty="0" err="1"/>
-              <a:t>types</a:t>
-            </a:r>
-            <a:r>
-              <a:rPr lang="de-DE" altLang="zh-CN" dirty="0"/>
-              <a:t> </a:t>
-            </a:r>
-            <a:r>
-              <a:rPr lang="de-DE" altLang="zh-CN" dirty="0" err="1"/>
-              <a:t>of</a:t>
-            </a:r>
-            <a:r>
-              <a:rPr lang="de-DE" altLang="zh-CN" dirty="0"/>
-              <a:t>  </a:t>
-            </a:r>
-            <a:r>
-              <a:rPr lang="de-DE" altLang="zh-CN" dirty="0" err="1"/>
-              <a:t>indirect</a:t>
-            </a:r>
-            <a:r>
-              <a:rPr lang="de-DE" altLang="zh-CN" dirty="0"/>
-              <a:t> </a:t>
-            </a:r>
-            <a:r>
-              <a:rPr lang="de-DE" altLang="zh-CN" dirty="0" err="1"/>
-              <a:t>path</a:t>
-            </a:r>
-            <a:endParaRPr lang="zh-CN" altLang="en-US" dirty="0"/>
+              <a:rPr lang="en-GB" altLang="zh-CN" dirty="0"/>
+              <a:t>Ex</a:t>
+            </a:r>
+            <a:r>
+              <a:rPr lang="en-GB" altLang="zh-CN" sz="2000" dirty="0">
+                <a:solidFill>
+                  <a:schemeClr val="accent1">
+                    <a:lumMod val="50000"/>
+                  </a:schemeClr>
+                </a:solidFill>
+              </a:rPr>
+              <a:t>ample For Coherent Type 1 AND</a:t>
+            </a:r>
+            <a:endParaRPr lang="zh-CN" altLang="en-US" sz="2000" dirty="0">
+              <a:solidFill>
+                <a:schemeClr val="accent1">
+                  <a:lumMod val="50000"/>
+                </a:schemeClr>
+              </a:solidFill>
+            </a:endParaRPr>
           </a:p>
         </p:txBody>
       </p:sp>
+      <mc:AlternateContent xmlns:mc="http://schemas.openxmlformats.org/markup-compatibility/2006">
+        <mc:Choice xmlns:a14="http://schemas.microsoft.com/office/drawing/2010/main" Requires="a14">
+          <p:sp>
+            <p:nvSpPr>
+              <p:cNvPr id="4" name="Rechteck 3">
+                <a:extLst>
+                  <a:ext uri="{FF2B5EF4-FFF2-40B4-BE49-F238E27FC236}">
+                    <a16:creationId xmlns:a16="http://schemas.microsoft.com/office/drawing/2014/main" id="{56EFF19C-5768-4DE3-9710-E6B8C62AD5D9}"/>
+                  </a:ext>
+                </a:extLst>
+              </p:cNvPr>
+              <p:cNvSpPr/>
+              <p:nvPr/>
+            </p:nvSpPr>
+            <p:spPr>
+              <a:xfrm>
+                <a:off x="2057400" y="1282335"/>
+                <a:ext cx="5040000" cy="3024000"/>
+              </a:xfrm>
+              <a:prstGeom prst="rect">
+                <a:avLst/>
+              </a:prstGeom>
+            </p:spPr>
+            <p:txBody>
+              <a:bodyPr wrap="square">
+                <a:spAutoFit/>
+              </a:bodyPr>
+              <a:lstStyle/>
+              <a:p>
+                <a:pPr algn="just">
+                  <a:spcAft>
+                    <a:spcPts val="0"/>
+                  </a:spcAft>
+                </a:pPr>
+                <a14:m>
+                  <m:oMathPara xmlns:m="http://schemas.openxmlformats.org/officeDocument/2006/math">
+                    <m:oMathParaPr>
+                      <m:jc m:val="centerGroup"/>
+                    </m:oMathParaPr>
+                    <m:oMath xmlns:m="http://schemas.openxmlformats.org/officeDocument/2006/math">
+                      <m:f>
+                        <m:fPr>
+                          <m:ctrlPr>
+                            <a:rPr lang="zh-CN" altLang="zh-CN" i="1" kern="100" smtClean="0">
+                              <a:latin typeface="Cambria Math" panose="02040503050406030204" pitchFamily="18" charset="0"/>
+                              <a:ea typeface="Cambria Math" panose="02040503050406030204" pitchFamily="18" charset="0"/>
+                              <a:cs typeface="Times New Roman" panose="02020603050405020304" pitchFamily="18" charset="0"/>
+                            </a:rPr>
+                          </m:ctrlPr>
+                        </m:fPr>
+                        <m:num>
+                          <m:r>
+                            <m:rPr>
+                              <m:sty m:val="p"/>
+                            </m:rPr>
+                            <a:rPr lang="en-US" altLang="zh-CN" kern="100">
+                              <a:latin typeface="Cambria Math" panose="02040503050406030204" pitchFamily="18" charset="0"/>
+                              <a:ea typeface="等线" panose="02010600030101010101" pitchFamily="2" charset="-122"/>
+                              <a:cs typeface="Times New Roman" panose="02020603050405020304" pitchFamily="18" charset="0"/>
+                            </a:rPr>
+                            <m:t>dY</m:t>
+                          </m:r>
+                        </m:num>
+                        <m:den>
+                          <m:r>
+                            <m:rPr>
+                              <m:sty m:val="p"/>
+                            </m:rPr>
+                            <a:rPr lang="en-US" altLang="zh-CN" kern="100">
+                              <a:latin typeface="Cambria Math" panose="02040503050406030204" pitchFamily="18" charset="0"/>
+                              <a:ea typeface="等线" panose="02010600030101010101" pitchFamily="2" charset="-122"/>
+                              <a:cs typeface="Times New Roman" panose="02020603050405020304" pitchFamily="18" charset="0"/>
+                            </a:rPr>
+                            <m:t>dt</m:t>
+                          </m:r>
+                        </m:den>
+                      </m:f>
+                      <m:r>
+                        <a:rPr lang="en-US" altLang="zh-CN" i="1" kern="100">
+                          <a:latin typeface="Cambria Math" panose="02040503050406030204" pitchFamily="18" charset="0"/>
+                          <a:ea typeface="等线" panose="02010600030101010101" pitchFamily="2" charset="-122"/>
+                          <a:cs typeface="Times New Roman" panose="02020603050405020304" pitchFamily="18" charset="0"/>
+                        </a:rPr>
+                        <m:t>=</m:t>
+                      </m:r>
+                      <m:sSub>
+                        <m:sSubPr>
+                          <m:ctrlPr>
+                            <a:rPr lang="zh-CN" altLang="zh-CN" i="1" kern="100">
+                              <a:latin typeface="Cambria Math" panose="02040503050406030204" pitchFamily="18" charset="0"/>
+                              <a:ea typeface="Cambria Math" panose="02040503050406030204" pitchFamily="18" charset="0"/>
+                              <a:cs typeface="Times New Roman" panose="02020603050405020304" pitchFamily="18" charset="0"/>
+                            </a:rPr>
+                          </m:ctrlPr>
+                        </m:sSubPr>
+                        <m:e>
+                          <m:r>
+                            <a:rPr lang="en-US" altLang="zh-CN" i="1" kern="100">
+                              <a:latin typeface="Cambria Math" panose="02040503050406030204" pitchFamily="18" charset="0"/>
+                              <a:ea typeface="等线" panose="02010600030101010101" pitchFamily="2" charset="-122"/>
+                              <a:cs typeface="Times New Roman" panose="02020603050405020304" pitchFamily="18" charset="0"/>
+                            </a:rPr>
+                            <m:t>𝐵</m:t>
+                          </m:r>
+                        </m:e>
+                        <m:sub>
+                          <m:r>
+                            <a:rPr lang="en-US" altLang="zh-CN" i="1" kern="100">
+                              <a:latin typeface="Cambria Math" panose="02040503050406030204" pitchFamily="18" charset="0"/>
+                              <a:ea typeface="等线" panose="02010600030101010101" pitchFamily="2" charset="-122"/>
+                              <a:cs typeface="Times New Roman" panose="02020603050405020304" pitchFamily="18" charset="0"/>
+                            </a:rPr>
+                            <m:t>𝑦</m:t>
+                          </m:r>
+                        </m:sub>
+                      </m:sSub>
+                      <m:r>
+                        <a:rPr lang="en-US" altLang="zh-CN" i="1" kern="100">
+                          <a:latin typeface="Cambria Math" panose="02040503050406030204" pitchFamily="18" charset="0"/>
+                          <a:ea typeface="等线" panose="02010600030101010101" pitchFamily="2" charset="-122"/>
+                          <a:cs typeface="Times New Roman" panose="02020603050405020304" pitchFamily="18" charset="0"/>
+                        </a:rPr>
+                        <m:t>+</m:t>
+                      </m:r>
+                      <m:sSub>
+                        <m:sSubPr>
+                          <m:ctrlPr>
+                            <a:rPr lang="zh-CN" altLang="zh-CN" i="1" kern="100">
+                              <a:latin typeface="Cambria Math" panose="02040503050406030204" pitchFamily="18" charset="0"/>
+                              <a:ea typeface="Cambria Math" panose="02040503050406030204" pitchFamily="18" charset="0"/>
+                              <a:cs typeface="Times New Roman" panose="02020603050405020304" pitchFamily="18" charset="0"/>
+                            </a:rPr>
+                          </m:ctrlPr>
+                        </m:sSubPr>
+                        <m:e>
+                          <m:r>
+                            <m:rPr>
+                              <m:sty m:val="p"/>
+                            </m:rPr>
+                            <a:rPr lang="en-US" altLang="zh-CN" kern="100">
+                              <a:latin typeface="Cambria Math" panose="02040503050406030204" pitchFamily="18" charset="0"/>
+                              <a:ea typeface="等线" panose="02010600030101010101" pitchFamily="2" charset="-122"/>
+                              <a:cs typeface="Times New Roman" panose="02020603050405020304" pitchFamily="18" charset="0"/>
+                            </a:rPr>
+                            <m:t>β</m:t>
+                          </m:r>
+                        </m:e>
+                        <m:sub>
+                          <m:r>
+                            <a:rPr lang="en-US" altLang="zh-CN" i="1" kern="100">
+                              <a:latin typeface="Cambria Math" panose="02040503050406030204" pitchFamily="18" charset="0"/>
+                              <a:ea typeface="等线" panose="02010600030101010101" pitchFamily="2" charset="-122"/>
+                              <a:cs typeface="Times New Roman" panose="02020603050405020304" pitchFamily="18" charset="0"/>
+                            </a:rPr>
+                            <m:t>𝑦</m:t>
+                          </m:r>
+                        </m:sub>
+                      </m:sSub>
+                      <m:f>
+                        <m:fPr>
+                          <m:ctrlPr>
+                            <a:rPr lang="zh-CN" altLang="zh-CN" i="1" kern="100">
+                              <a:latin typeface="Cambria Math" panose="02040503050406030204" pitchFamily="18" charset="0"/>
+                              <a:ea typeface="Cambria Math" panose="02040503050406030204" pitchFamily="18" charset="0"/>
+                              <a:cs typeface="Times New Roman" panose="02020603050405020304" pitchFamily="18" charset="0"/>
+                            </a:rPr>
+                          </m:ctrlPr>
+                        </m:fPr>
+                        <m:num>
+                          <m:sSup>
+                            <m:sSupPr>
+                              <m:ctrlPr>
+                                <a:rPr lang="zh-CN" altLang="zh-CN" i="1" kern="100">
+                                  <a:latin typeface="Cambria Math" panose="02040503050406030204" pitchFamily="18" charset="0"/>
+                                  <a:ea typeface="Cambria Math" panose="02040503050406030204" pitchFamily="18" charset="0"/>
+                                  <a:cs typeface="Times New Roman" panose="02020603050405020304" pitchFamily="18" charset="0"/>
+                                </a:rPr>
+                              </m:ctrlPr>
+                            </m:sSupPr>
+                            <m:e>
+                              <m:d>
+                                <m:dPr>
+                                  <m:ctrlPr>
+                                    <a:rPr lang="zh-CN" altLang="zh-CN" i="1" kern="100">
+                                      <a:latin typeface="Cambria Math" panose="02040503050406030204" pitchFamily="18" charset="0"/>
+                                      <a:ea typeface="Cambria Math" panose="02040503050406030204" pitchFamily="18" charset="0"/>
+                                      <a:cs typeface="Times New Roman" panose="02020603050405020304" pitchFamily="18" charset="0"/>
+                                    </a:rPr>
+                                  </m:ctrlPr>
+                                </m:dPr>
+                                <m:e>
+                                  <m:f>
+                                    <m:fPr>
+                                      <m:ctrlPr>
+                                        <a:rPr lang="zh-CN" altLang="zh-CN" i="1" kern="100">
+                                          <a:latin typeface="Cambria Math" panose="02040503050406030204" pitchFamily="18" charset="0"/>
+                                          <a:ea typeface="Cambria Math" panose="02040503050406030204" pitchFamily="18" charset="0"/>
+                                          <a:cs typeface="Times New Roman" panose="02020603050405020304" pitchFamily="18" charset="0"/>
+                                        </a:rPr>
+                                      </m:ctrlPr>
+                                    </m:fPr>
+                                    <m:num>
+                                      <m:sSup>
+                                        <m:sSupPr>
+                                          <m:ctrlPr>
+                                            <a:rPr lang="zh-CN" altLang="zh-CN" i="1" kern="100">
+                                              <a:latin typeface="Cambria Math" panose="02040503050406030204" pitchFamily="18" charset="0"/>
+                                              <a:ea typeface="Cambria Math" panose="02040503050406030204" pitchFamily="18" charset="0"/>
+                                              <a:cs typeface="Times New Roman" panose="02020603050405020304" pitchFamily="18" charset="0"/>
+                                            </a:rPr>
+                                          </m:ctrlPr>
+                                        </m:sSupPr>
+                                        <m:e>
+                                          <m:r>
+                                            <a:rPr lang="en-US" altLang="zh-CN" i="1" kern="100">
+                                              <a:latin typeface="Cambria Math" panose="02040503050406030204" pitchFamily="18" charset="0"/>
+                                              <a:ea typeface="等线" panose="02010600030101010101" pitchFamily="2" charset="-122"/>
+                                              <a:cs typeface="Times New Roman" panose="02020603050405020304" pitchFamily="18" charset="0"/>
+                                            </a:rPr>
+                                            <m:t>𝑋</m:t>
+                                          </m:r>
+                                        </m:e>
+                                        <m:sup>
+                                          <m:r>
+                                            <a:rPr lang="en-US" altLang="zh-CN" i="1" kern="100">
+                                              <a:latin typeface="Cambria Math" panose="02040503050406030204" pitchFamily="18" charset="0"/>
+                                              <a:ea typeface="等线" panose="02010600030101010101" pitchFamily="2" charset="-122"/>
+                                              <a:cs typeface="Times New Roman" panose="02020603050405020304" pitchFamily="18" charset="0"/>
+                                            </a:rPr>
+                                            <m:t>∗</m:t>
+                                          </m:r>
+                                        </m:sup>
+                                      </m:sSup>
+                                    </m:num>
+                                    <m:den>
+                                      <m:sSub>
+                                        <m:sSubPr>
+                                          <m:ctrlPr>
+                                            <a:rPr lang="zh-CN" altLang="zh-CN" i="1" kern="100">
+                                              <a:latin typeface="Cambria Math" panose="02040503050406030204" pitchFamily="18" charset="0"/>
+                                              <a:ea typeface="Cambria Math" panose="02040503050406030204" pitchFamily="18" charset="0"/>
+                                              <a:cs typeface="Times New Roman" panose="02020603050405020304" pitchFamily="18" charset="0"/>
+                                            </a:rPr>
+                                          </m:ctrlPr>
+                                        </m:sSubPr>
+                                        <m:e>
+                                          <m:r>
+                                            <a:rPr lang="en-US" altLang="zh-CN" i="1" kern="100">
+                                              <a:latin typeface="Cambria Math" panose="02040503050406030204" pitchFamily="18" charset="0"/>
+                                              <a:ea typeface="等线" panose="02010600030101010101" pitchFamily="2" charset="-122"/>
+                                              <a:cs typeface="Times New Roman" panose="02020603050405020304" pitchFamily="18" charset="0"/>
+                                            </a:rPr>
+                                            <m:t>𝐾</m:t>
+                                          </m:r>
+                                        </m:e>
+                                        <m:sub>
+                                          <m:r>
+                                            <a:rPr lang="en-US" altLang="zh-CN" i="1" kern="100">
+                                              <a:latin typeface="Cambria Math" panose="02040503050406030204" pitchFamily="18" charset="0"/>
+                                              <a:ea typeface="等线" panose="02010600030101010101" pitchFamily="2" charset="-122"/>
+                                              <a:cs typeface="Times New Roman" panose="02020603050405020304" pitchFamily="18" charset="0"/>
+                                            </a:rPr>
+                                            <m:t>𝑥𝑦</m:t>
+                                          </m:r>
+                                        </m:sub>
+                                      </m:sSub>
+                                    </m:den>
+                                  </m:f>
+                                </m:e>
+                              </m:d>
+                            </m:e>
+                            <m:sup>
+                              <m:r>
+                                <a:rPr lang="en-US" altLang="zh-CN" i="1" kern="100">
+                                  <a:latin typeface="Cambria Math" panose="02040503050406030204" pitchFamily="18" charset="0"/>
+                                  <a:ea typeface="等线" panose="02010600030101010101" pitchFamily="2" charset="-122"/>
+                                  <a:cs typeface="Times New Roman" panose="02020603050405020304" pitchFamily="18" charset="0"/>
+                                </a:rPr>
+                                <m:t>𝐻</m:t>
+                              </m:r>
+                            </m:sup>
+                          </m:sSup>
+                        </m:num>
+                        <m:den>
+                          <m:r>
+                            <a:rPr lang="en-US" altLang="zh-CN" i="1" kern="100">
+                              <a:latin typeface="Cambria Math" panose="02040503050406030204" pitchFamily="18" charset="0"/>
+                              <a:ea typeface="等线" panose="02010600030101010101" pitchFamily="2" charset="-122"/>
+                              <a:cs typeface="Times New Roman" panose="02020603050405020304" pitchFamily="18" charset="0"/>
+                            </a:rPr>
+                            <m:t>1+</m:t>
+                          </m:r>
+                          <m:sSup>
+                            <m:sSupPr>
+                              <m:ctrlPr>
+                                <a:rPr lang="zh-CN" altLang="zh-CN" i="1" kern="100">
+                                  <a:latin typeface="Cambria Math" panose="02040503050406030204" pitchFamily="18" charset="0"/>
+                                  <a:ea typeface="Cambria Math" panose="02040503050406030204" pitchFamily="18" charset="0"/>
+                                  <a:cs typeface="Times New Roman" panose="02020603050405020304" pitchFamily="18" charset="0"/>
+                                </a:rPr>
+                              </m:ctrlPr>
+                            </m:sSupPr>
+                            <m:e>
+                              <m:d>
+                                <m:dPr>
+                                  <m:ctrlPr>
+                                    <a:rPr lang="zh-CN" altLang="zh-CN" i="1" kern="100">
+                                      <a:latin typeface="Cambria Math" panose="02040503050406030204" pitchFamily="18" charset="0"/>
+                                      <a:ea typeface="Cambria Math" panose="02040503050406030204" pitchFamily="18" charset="0"/>
+                                      <a:cs typeface="Times New Roman" panose="02020603050405020304" pitchFamily="18" charset="0"/>
+                                    </a:rPr>
+                                  </m:ctrlPr>
+                                </m:dPr>
+                                <m:e>
+                                  <m:f>
+                                    <m:fPr>
+                                      <m:ctrlPr>
+                                        <a:rPr lang="zh-CN" altLang="zh-CN" i="1" kern="100">
+                                          <a:latin typeface="Cambria Math" panose="02040503050406030204" pitchFamily="18" charset="0"/>
+                                          <a:ea typeface="Cambria Math" panose="02040503050406030204" pitchFamily="18" charset="0"/>
+                                          <a:cs typeface="Times New Roman" panose="02020603050405020304" pitchFamily="18" charset="0"/>
+                                        </a:rPr>
+                                      </m:ctrlPr>
+                                    </m:fPr>
+                                    <m:num>
+                                      <m:sSup>
+                                        <m:sSupPr>
+                                          <m:ctrlPr>
+                                            <a:rPr lang="zh-CN" altLang="zh-CN" i="1" kern="100">
+                                              <a:latin typeface="Cambria Math" panose="02040503050406030204" pitchFamily="18" charset="0"/>
+                                              <a:ea typeface="Cambria Math" panose="02040503050406030204" pitchFamily="18" charset="0"/>
+                                              <a:cs typeface="Times New Roman" panose="02020603050405020304" pitchFamily="18" charset="0"/>
+                                            </a:rPr>
+                                          </m:ctrlPr>
+                                        </m:sSupPr>
+                                        <m:e>
+                                          <m:r>
+                                            <a:rPr lang="en-US" altLang="zh-CN" i="1" kern="100">
+                                              <a:latin typeface="Cambria Math" panose="02040503050406030204" pitchFamily="18" charset="0"/>
+                                              <a:ea typeface="等线" panose="02010600030101010101" pitchFamily="2" charset="-122"/>
+                                              <a:cs typeface="Times New Roman" panose="02020603050405020304" pitchFamily="18" charset="0"/>
+                                            </a:rPr>
+                                            <m:t>𝑋</m:t>
+                                          </m:r>
+                                        </m:e>
+                                        <m:sup>
+                                          <m:r>
+                                            <a:rPr lang="en-US" altLang="zh-CN" i="1" kern="100">
+                                              <a:latin typeface="Cambria Math" panose="02040503050406030204" pitchFamily="18" charset="0"/>
+                                              <a:ea typeface="等线" panose="02010600030101010101" pitchFamily="2" charset="-122"/>
+                                              <a:cs typeface="Times New Roman" panose="02020603050405020304" pitchFamily="18" charset="0"/>
+                                            </a:rPr>
+                                            <m:t>∗</m:t>
+                                          </m:r>
+                                        </m:sup>
+                                      </m:sSup>
+                                    </m:num>
+                                    <m:den>
+                                      <m:sSub>
+                                        <m:sSubPr>
+                                          <m:ctrlPr>
+                                            <a:rPr lang="zh-CN" altLang="zh-CN" i="1" kern="100">
+                                              <a:latin typeface="Cambria Math" panose="02040503050406030204" pitchFamily="18" charset="0"/>
+                                              <a:ea typeface="Cambria Math" panose="02040503050406030204" pitchFamily="18" charset="0"/>
+                                              <a:cs typeface="Times New Roman" panose="02020603050405020304" pitchFamily="18" charset="0"/>
+                                            </a:rPr>
+                                          </m:ctrlPr>
+                                        </m:sSubPr>
+                                        <m:e>
+                                          <m:r>
+                                            <a:rPr lang="en-US" altLang="zh-CN" i="1" kern="100">
+                                              <a:latin typeface="Cambria Math" panose="02040503050406030204" pitchFamily="18" charset="0"/>
+                                              <a:ea typeface="等线" panose="02010600030101010101" pitchFamily="2" charset="-122"/>
+                                              <a:cs typeface="Times New Roman" panose="02020603050405020304" pitchFamily="18" charset="0"/>
+                                            </a:rPr>
+                                            <m:t>𝐾</m:t>
+                                          </m:r>
+                                        </m:e>
+                                        <m:sub>
+                                          <m:r>
+                                            <a:rPr lang="en-US" altLang="zh-CN" i="1" kern="100">
+                                              <a:latin typeface="Cambria Math" panose="02040503050406030204" pitchFamily="18" charset="0"/>
+                                              <a:ea typeface="等线" panose="02010600030101010101" pitchFamily="2" charset="-122"/>
+                                              <a:cs typeface="Times New Roman" panose="02020603050405020304" pitchFamily="18" charset="0"/>
+                                            </a:rPr>
+                                            <m:t>𝑥𝑦</m:t>
+                                          </m:r>
+                                        </m:sub>
+                                      </m:sSub>
+                                    </m:den>
+                                  </m:f>
+                                </m:e>
+                              </m:d>
+                            </m:e>
+                            <m:sup>
+                              <m:r>
+                                <a:rPr lang="en-US" altLang="zh-CN" i="1" kern="100">
+                                  <a:latin typeface="Cambria Math" panose="02040503050406030204" pitchFamily="18" charset="0"/>
+                                  <a:ea typeface="等线" panose="02010600030101010101" pitchFamily="2" charset="-122"/>
+                                  <a:cs typeface="Times New Roman" panose="02020603050405020304" pitchFamily="18" charset="0"/>
+                                </a:rPr>
+                                <m:t>𝐻</m:t>
+                              </m:r>
+                            </m:sup>
+                          </m:sSup>
+                        </m:den>
+                      </m:f>
+                      <m:r>
+                        <a:rPr lang="en-US" altLang="zh-CN" i="1" kern="100">
+                          <a:latin typeface="Cambria Math" panose="02040503050406030204" pitchFamily="18" charset="0"/>
+                          <a:ea typeface="等线" panose="02010600030101010101" pitchFamily="2" charset="-122"/>
+                          <a:cs typeface="Times New Roman" panose="02020603050405020304" pitchFamily="18" charset="0"/>
+                        </a:rPr>
+                        <m:t>−</m:t>
+                      </m:r>
+                      <m:sSub>
+                        <m:sSubPr>
+                          <m:ctrlPr>
+                            <a:rPr lang="zh-CN" altLang="zh-CN" i="1" kern="100">
+                              <a:latin typeface="Cambria Math" panose="02040503050406030204" pitchFamily="18" charset="0"/>
+                              <a:ea typeface="Cambria Math" panose="02040503050406030204" pitchFamily="18" charset="0"/>
+                              <a:cs typeface="Times New Roman" panose="02020603050405020304" pitchFamily="18" charset="0"/>
+                            </a:rPr>
+                          </m:ctrlPr>
+                        </m:sSubPr>
+                        <m:e>
+                          <m:r>
+                            <a:rPr lang="en-US" altLang="zh-CN" i="1" kern="100">
+                              <a:latin typeface="Cambria Math" panose="02040503050406030204" pitchFamily="18" charset="0"/>
+                              <a:ea typeface="等线" panose="02010600030101010101" pitchFamily="2" charset="-122"/>
+                              <a:cs typeface="Times New Roman" panose="02020603050405020304" pitchFamily="18" charset="0"/>
+                            </a:rPr>
+                            <m:t>𝛼</m:t>
+                          </m:r>
+                        </m:e>
+                        <m:sub>
+                          <m:r>
+                            <a:rPr lang="en-US" altLang="zh-CN" i="1" kern="100">
+                              <a:latin typeface="Cambria Math" panose="02040503050406030204" pitchFamily="18" charset="0"/>
+                              <a:ea typeface="等线" panose="02010600030101010101" pitchFamily="2" charset="-122"/>
+                              <a:cs typeface="Times New Roman" panose="02020603050405020304" pitchFamily="18" charset="0"/>
+                            </a:rPr>
+                            <m:t>𝑦</m:t>
+                          </m:r>
+                        </m:sub>
+                      </m:sSub>
+                      <m:r>
+                        <a:rPr lang="en-US" altLang="zh-CN" i="1" kern="100">
+                          <a:latin typeface="Cambria Math" panose="02040503050406030204" pitchFamily="18" charset="0"/>
+                          <a:ea typeface="等线" panose="02010600030101010101" pitchFamily="2" charset="-122"/>
+                          <a:cs typeface="Times New Roman" panose="02020603050405020304" pitchFamily="18" charset="0"/>
+                        </a:rPr>
+                        <m:t>∙</m:t>
+                      </m:r>
+                      <m:r>
+                        <a:rPr lang="en-US" altLang="zh-CN" i="1" kern="100">
+                          <a:latin typeface="Cambria Math" panose="02040503050406030204" pitchFamily="18" charset="0"/>
+                          <a:ea typeface="等线" panose="02010600030101010101" pitchFamily="2" charset="-122"/>
+                          <a:cs typeface="Times New Roman" panose="02020603050405020304" pitchFamily="18" charset="0"/>
+                        </a:rPr>
+                        <m:t>𝑌</m:t>
+                      </m:r>
+                    </m:oMath>
+                  </m:oMathPara>
+                </a14:m>
+                <a:endParaRPr lang="zh-CN" altLang="zh-CN" kern="100" dirty="0">
+                  <a:latin typeface="等线" panose="02010600030101010101" pitchFamily="2" charset="-122"/>
+                  <a:ea typeface="等线" panose="02010600030101010101" pitchFamily="2" charset="-122"/>
+                  <a:cs typeface="Times New Roman" panose="02020603050405020304" pitchFamily="18" charset="0"/>
+                </a:endParaRPr>
+              </a:p>
+              <a:p>
+                <a:pPr algn="just">
+                  <a:spcAft>
+                    <a:spcPts val="0"/>
+                  </a:spcAft>
+                </a:pPr>
+                <a:r>
+                  <a:rPr lang="en-US" altLang="zh-CN" kern="100" dirty="0">
+                    <a:latin typeface="等线" panose="02010600030101010101" pitchFamily="2" charset="-122"/>
+                    <a:ea typeface="等线" panose="02010600030101010101" pitchFamily="2" charset="-122"/>
+                    <a:cs typeface="Times New Roman" panose="02020603050405020304" pitchFamily="18" charset="0"/>
+                  </a:rPr>
+                  <a:t> </a:t>
+                </a:r>
+                <a:endParaRPr lang="zh-CN" altLang="zh-CN" kern="100" dirty="0">
+                  <a:latin typeface="等线" panose="02010600030101010101" pitchFamily="2" charset="-122"/>
+                  <a:ea typeface="等线" panose="02010600030101010101" pitchFamily="2" charset="-122"/>
+                  <a:cs typeface="Times New Roman" panose="02020603050405020304" pitchFamily="18" charset="0"/>
+                </a:endParaRPr>
+              </a:p>
+              <a:p>
+                <a:pPr algn="just">
+                  <a:spcAft>
+                    <a:spcPts val="0"/>
+                  </a:spcAft>
+                </a:pPr>
+                <a14:m>
+                  <m:oMathPara xmlns:m="http://schemas.openxmlformats.org/officeDocument/2006/math">
+                    <m:oMathParaPr>
+                      <m:jc m:val="centerGroup"/>
+                    </m:oMathParaPr>
+                    <m:oMath xmlns:m="http://schemas.openxmlformats.org/officeDocument/2006/math">
+                      <m:f>
+                        <m:fPr>
+                          <m:ctrlPr>
+                            <a:rPr lang="zh-CN" altLang="zh-CN" i="1" kern="100">
+                              <a:latin typeface="Cambria Math" panose="02040503050406030204" pitchFamily="18" charset="0"/>
+                              <a:ea typeface="Cambria Math" panose="02040503050406030204" pitchFamily="18" charset="0"/>
+                              <a:cs typeface="Times New Roman" panose="02020603050405020304" pitchFamily="18" charset="0"/>
+                            </a:rPr>
+                          </m:ctrlPr>
+                        </m:fPr>
+                        <m:num>
+                          <m:r>
+                            <m:rPr>
+                              <m:sty m:val="p"/>
+                            </m:rPr>
+                            <a:rPr lang="en-US" altLang="zh-CN" kern="100">
+                              <a:latin typeface="Cambria Math" panose="02040503050406030204" pitchFamily="18" charset="0"/>
+                              <a:ea typeface="等线" panose="02010600030101010101" pitchFamily="2" charset="-122"/>
+                              <a:cs typeface="Times New Roman" panose="02020603050405020304" pitchFamily="18" charset="0"/>
+                            </a:rPr>
+                            <m:t>dZ</m:t>
+                          </m:r>
+                        </m:num>
+                        <m:den>
+                          <m:r>
+                            <m:rPr>
+                              <m:sty m:val="p"/>
+                            </m:rPr>
+                            <a:rPr lang="en-US" altLang="zh-CN" kern="100">
+                              <a:latin typeface="Cambria Math" panose="02040503050406030204" pitchFamily="18" charset="0"/>
+                              <a:ea typeface="等线" panose="02010600030101010101" pitchFamily="2" charset="-122"/>
+                              <a:cs typeface="Times New Roman" panose="02020603050405020304" pitchFamily="18" charset="0"/>
+                            </a:rPr>
+                            <m:t>dt</m:t>
+                          </m:r>
+                        </m:den>
+                      </m:f>
+                      <m:r>
+                        <a:rPr lang="en-US" altLang="zh-CN" i="1" kern="100">
+                          <a:latin typeface="Cambria Math" panose="02040503050406030204" pitchFamily="18" charset="0"/>
+                          <a:ea typeface="等线" panose="02010600030101010101" pitchFamily="2" charset="-122"/>
+                          <a:cs typeface="Times New Roman" panose="02020603050405020304" pitchFamily="18" charset="0"/>
+                        </a:rPr>
+                        <m:t>=</m:t>
+                      </m:r>
+                      <m:sSub>
+                        <m:sSubPr>
+                          <m:ctrlPr>
+                            <a:rPr lang="zh-CN" altLang="zh-CN" i="1" kern="100">
+                              <a:latin typeface="Cambria Math" panose="02040503050406030204" pitchFamily="18" charset="0"/>
+                              <a:ea typeface="Cambria Math" panose="02040503050406030204" pitchFamily="18" charset="0"/>
+                              <a:cs typeface="Times New Roman" panose="02020603050405020304" pitchFamily="18" charset="0"/>
+                            </a:rPr>
+                          </m:ctrlPr>
+                        </m:sSubPr>
+                        <m:e>
+                          <m:r>
+                            <a:rPr lang="en-US" altLang="zh-CN" i="1" kern="100">
+                              <a:latin typeface="Cambria Math" panose="02040503050406030204" pitchFamily="18" charset="0"/>
+                              <a:ea typeface="等线" panose="02010600030101010101" pitchFamily="2" charset="-122"/>
+                              <a:cs typeface="Times New Roman" panose="02020603050405020304" pitchFamily="18" charset="0"/>
+                            </a:rPr>
+                            <m:t>𝐵</m:t>
+                          </m:r>
+                        </m:e>
+                        <m:sub>
+                          <m:r>
+                            <a:rPr lang="en-US" altLang="zh-CN" i="1" kern="100">
+                              <a:latin typeface="Cambria Math" panose="02040503050406030204" pitchFamily="18" charset="0"/>
+                              <a:ea typeface="等线" panose="02010600030101010101" pitchFamily="2" charset="-122"/>
+                              <a:cs typeface="Times New Roman" panose="02020603050405020304" pitchFamily="18" charset="0"/>
+                            </a:rPr>
+                            <m:t>𝑧</m:t>
+                          </m:r>
+                        </m:sub>
+                      </m:sSub>
+                      <m:r>
+                        <a:rPr lang="en-US" altLang="zh-CN" i="1" kern="100">
+                          <a:latin typeface="Cambria Math" panose="02040503050406030204" pitchFamily="18" charset="0"/>
+                          <a:ea typeface="等线" panose="02010600030101010101" pitchFamily="2" charset="-122"/>
+                          <a:cs typeface="Times New Roman" panose="02020603050405020304" pitchFamily="18" charset="0"/>
+                        </a:rPr>
+                        <m:t>+</m:t>
+                      </m:r>
+                      <m:sSub>
+                        <m:sSubPr>
+                          <m:ctrlPr>
+                            <a:rPr lang="zh-CN" altLang="zh-CN" i="1" kern="100">
+                              <a:latin typeface="Cambria Math" panose="02040503050406030204" pitchFamily="18" charset="0"/>
+                              <a:ea typeface="Cambria Math" panose="02040503050406030204" pitchFamily="18" charset="0"/>
+                              <a:cs typeface="Times New Roman" panose="02020603050405020304" pitchFamily="18" charset="0"/>
+                            </a:rPr>
+                          </m:ctrlPr>
+                        </m:sSubPr>
+                        <m:e>
+                          <m:r>
+                            <m:rPr>
+                              <m:sty m:val="p"/>
+                            </m:rPr>
+                            <a:rPr lang="en-US" altLang="zh-CN" kern="100">
+                              <a:latin typeface="Cambria Math" panose="02040503050406030204" pitchFamily="18" charset="0"/>
+                              <a:ea typeface="等线" panose="02010600030101010101" pitchFamily="2" charset="-122"/>
+                              <a:cs typeface="Times New Roman" panose="02020603050405020304" pitchFamily="18" charset="0"/>
+                            </a:rPr>
+                            <m:t>β</m:t>
+                          </m:r>
+                        </m:e>
+                        <m:sub>
+                          <m:r>
+                            <a:rPr lang="en-US" altLang="zh-CN" i="1" kern="100">
+                              <a:latin typeface="Cambria Math" panose="02040503050406030204" pitchFamily="18" charset="0"/>
+                              <a:ea typeface="等线" panose="02010600030101010101" pitchFamily="2" charset="-122"/>
+                              <a:cs typeface="Times New Roman" panose="02020603050405020304" pitchFamily="18" charset="0"/>
+                            </a:rPr>
+                            <m:t>𝑧</m:t>
+                          </m:r>
+                        </m:sub>
+                      </m:sSub>
+                      <m:d>
+                        <m:dPr>
+                          <m:begChr m:val="["/>
+                          <m:endChr m:val="]"/>
+                          <m:ctrlPr>
+                            <a:rPr lang="en-US" altLang="zh-CN" i="1" kern="100" smtClean="0">
+                              <a:latin typeface="Cambria Math" panose="02040503050406030204" pitchFamily="18" charset="0"/>
+                              <a:ea typeface="等线" panose="02010600030101010101" pitchFamily="2" charset="-122"/>
+                              <a:cs typeface="Times New Roman" panose="02020603050405020304" pitchFamily="18" charset="0"/>
+                            </a:rPr>
+                          </m:ctrlPr>
+                        </m:dPr>
+                        <m:e>
+                          <m:f>
+                            <m:fPr>
+                              <m:ctrlPr>
+                                <a:rPr lang="zh-CN" altLang="zh-CN" i="1" kern="100">
+                                  <a:latin typeface="Cambria Math" panose="02040503050406030204" pitchFamily="18" charset="0"/>
+                                  <a:ea typeface="Cambria Math" panose="02040503050406030204" pitchFamily="18" charset="0"/>
+                                  <a:cs typeface="Times New Roman" panose="02020603050405020304" pitchFamily="18" charset="0"/>
+                                </a:rPr>
+                              </m:ctrlPr>
+                            </m:fPr>
+                            <m:num>
+                              <m:sSup>
+                                <m:sSupPr>
+                                  <m:ctrlPr>
+                                    <a:rPr lang="zh-CN" altLang="zh-CN" i="1" kern="100">
+                                      <a:latin typeface="Cambria Math" panose="02040503050406030204" pitchFamily="18" charset="0"/>
+                                      <a:ea typeface="Cambria Math" panose="02040503050406030204" pitchFamily="18" charset="0"/>
+                                      <a:cs typeface="Times New Roman" panose="02020603050405020304" pitchFamily="18" charset="0"/>
+                                    </a:rPr>
+                                  </m:ctrlPr>
+                                </m:sSupPr>
+                                <m:e>
+                                  <m:d>
+                                    <m:dPr>
+                                      <m:ctrlPr>
+                                        <a:rPr lang="zh-CN" altLang="zh-CN" i="1" kern="100">
+                                          <a:latin typeface="Cambria Math" panose="02040503050406030204" pitchFamily="18" charset="0"/>
+                                          <a:ea typeface="Cambria Math" panose="02040503050406030204" pitchFamily="18" charset="0"/>
+                                          <a:cs typeface="Times New Roman" panose="02020603050405020304" pitchFamily="18" charset="0"/>
+                                        </a:rPr>
+                                      </m:ctrlPr>
+                                    </m:dPr>
+                                    <m:e>
+                                      <m:f>
+                                        <m:fPr>
+                                          <m:ctrlPr>
+                                            <a:rPr lang="zh-CN" altLang="zh-CN" i="1" kern="100">
+                                              <a:latin typeface="Cambria Math" panose="02040503050406030204" pitchFamily="18" charset="0"/>
+                                              <a:ea typeface="Cambria Math" panose="02040503050406030204" pitchFamily="18" charset="0"/>
+                                              <a:cs typeface="Times New Roman" panose="02020603050405020304" pitchFamily="18" charset="0"/>
+                                            </a:rPr>
+                                          </m:ctrlPr>
+                                        </m:fPr>
+                                        <m:num>
+                                          <m:sSup>
+                                            <m:sSupPr>
+                                              <m:ctrlPr>
+                                                <a:rPr lang="zh-CN" altLang="zh-CN" i="1" kern="100">
+                                                  <a:latin typeface="Cambria Math" panose="02040503050406030204" pitchFamily="18" charset="0"/>
+                                                  <a:ea typeface="Cambria Math" panose="02040503050406030204" pitchFamily="18" charset="0"/>
+                                                  <a:cs typeface="Times New Roman" panose="02020603050405020304" pitchFamily="18" charset="0"/>
+                                                </a:rPr>
+                                              </m:ctrlPr>
+                                            </m:sSupPr>
+                                            <m:e>
+                                              <m:r>
+                                                <a:rPr lang="en-US" altLang="zh-CN" i="1" kern="100">
+                                                  <a:latin typeface="Cambria Math" panose="02040503050406030204" pitchFamily="18" charset="0"/>
+                                                  <a:ea typeface="等线" panose="02010600030101010101" pitchFamily="2" charset="-122"/>
+                                                  <a:cs typeface="Times New Roman" panose="02020603050405020304" pitchFamily="18" charset="0"/>
+                                                </a:rPr>
+                                                <m:t>𝑋</m:t>
+                                              </m:r>
+                                            </m:e>
+                                            <m:sup>
+                                              <m:r>
+                                                <a:rPr lang="en-US" altLang="zh-CN" i="1" kern="100">
+                                                  <a:latin typeface="Cambria Math" panose="02040503050406030204" pitchFamily="18" charset="0"/>
+                                                  <a:ea typeface="等线" panose="02010600030101010101" pitchFamily="2" charset="-122"/>
+                                                  <a:cs typeface="Times New Roman" panose="02020603050405020304" pitchFamily="18" charset="0"/>
+                                                </a:rPr>
+                                                <m:t>∗</m:t>
+                                              </m:r>
+                                            </m:sup>
+                                          </m:sSup>
+                                        </m:num>
+                                        <m:den>
+                                          <m:sSub>
+                                            <m:sSubPr>
+                                              <m:ctrlPr>
+                                                <a:rPr lang="zh-CN" altLang="zh-CN" i="1" kern="100">
+                                                  <a:latin typeface="Cambria Math" panose="02040503050406030204" pitchFamily="18" charset="0"/>
+                                                  <a:ea typeface="Cambria Math" panose="02040503050406030204" pitchFamily="18" charset="0"/>
+                                                  <a:cs typeface="Times New Roman" panose="02020603050405020304" pitchFamily="18" charset="0"/>
+                                                </a:rPr>
+                                              </m:ctrlPr>
+                                            </m:sSubPr>
+                                            <m:e>
+                                              <m:r>
+                                                <a:rPr lang="en-US" altLang="zh-CN" i="1" kern="100">
+                                                  <a:latin typeface="Cambria Math" panose="02040503050406030204" pitchFamily="18" charset="0"/>
+                                                  <a:ea typeface="等线" panose="02010600030101010101" pitchFamily="2" charset="-122"/>
+                                                  <a:cs typeface="Times New Roman" panose="02020603050405020304" pitchFamily="18" charset="0"/>
+                                                </a:rPr>
+                                                <m:t>𝐾</m:t>
+                                              </m:r>
+                                            </m:e>
+                                            <m:sub>
+                                              <m:r>
+                                                <a:rPr lang="en-US" altLang="zh-CN" i="1" kern="100">
+                                                  <a:latin typeface="Cambria Math" panose="02040503050406030204" pitchFamily="18" charset="0"/>
+                                                  <a:ea typeface="等线" panose="02010600030101010101" pitchFamily="2" charset="-122"/>
+                                                  <a:cs typeface="Times New Roman" panose="02020603050405020304" pitchFamily="18" charset="0"/>
+                                                </a:rPr>
+                                                <m:t>𝑥𝑧</m:t>
+                                              </m:r>
+                                            </m:sub>
+                                          </m:sSub>
+                                        </m:den>
+                                      </m:f>
+                                    </m:e>
+                                  </m:d>
+                                </m:e>
+                                <m:sup>
+                                  <m:r>
+                                    <a:rPr lang="en-US" altLang="zh-CN" i="1" kern="100">
+                                      <a:latin typeface="Cambria Math" panose="02040503050406030204" pitchFamily="18" charset="0"/>
+                                      <a:ea typeface="等线" panose="02010600030101010101" pitchFamily="2" charset="-122"/>
+                                      <a:cs typeface="Times New Roman" panose="02020603050405020304" pitchFamily="18" charset="0"/>
+                                    </a:rPr>
+                                    <m:t>𝐻</m:t>
+                                  </m:r>
+                                </m:sup>
+                              </m:sSup>
+                            </m:num>
+                            <m:den>
+                              <m:r>
+                                <a:rPr lang="en-US" altLang="zh-CN" i="1" kern="100">
+                                  <a:latin typeface="Cambria Math" panose="02040503050406030204" pitchFamily="18" charset="0"/>
+                                  <a:ea typeface="等线" panose="02010600030101010101" pitchFamily="2" charset="-122"/>
+                                  <a:cs typeface="Times New Roman" panose="02020603050405020304" pitchFamily="18" charset="0"/>
+                                </a:rPr>
+                                <m:t>1+</m:t>
+                              </m:r>
+                              <m:sSup>
+                                <m:sSupPr>
+                                  <m:ctrlPr>
+                                    <a:rPr lang="zh-CN" altLang="zh-CN" i="1" kern="100">
+                                      <a:latin typeface="Cambria Math" panose="02040503050406030204" pitchFamily="18" charset="0"/>
+                                      <a:ea typeface="Cambria Math" panose="02040503050406030204" pitchFamily="18" charset="0"/>
+                                      <a:cs typeface="Times New Roman" panose="02020603050405020304" pitchFamily="18" charset="0"/>
+                                    </a:rPr>
+                                  </m:ctrlPr>
+                                </m:sSupPr>
+                                <m:e>
+                                  <m:d>
+                                    <m:dPr>
+                                      <m:ctrlPr>
+                                        <a:rPr lang="zh-CN" altLang="zh-CN" i="1" kern="100">
+                                          <a:latin typeface="Cambria Math" panose="02040503050406030204" pitchFamily="18" charset="0"/>
+                                          <a:ea typeface="Cambria Math" panose="02040503050406030204" pitchFamily="18" charset="0"/>
+                                          <a:cs typeface="Times New Roman" panose="02020603050405020304" pitchFamily="18" charset="0"/>
+                                        </a:rPr>
+                                      </m:ctrlPr>
+                                    </m:dPr>
+                                    <m:e>
+                                      <m:f>
+                                        <m:fPr>
+                                          <m:ctrlPr>
+                                            <a:rPr lang="zh-CN" altLang="zh-CN" i="1" kern="100">
+                                              <a:latin typeface="Cambria Math" panose="02040503050406030204" pitchFamily="18" charset="0"/>
+                                              <a:ea typeface="Cambria Math" panose="02040503050406030204" pitchFamily="18" charset="0"/>
+                                              <a:cs typeface="Times New Roman" panose="02020603050405020304" pitchFamily="18" charset="0"/>
+                                            </a:rPr>
+                                          </m:ctrlPr>
+                                        </m:fPr>
+                                        <m:num>
+                                          <m:sSup>
+                                            <m:sSupPr>
+                                              <m:ctrlPr>
+                                                <a:rPr lang="zh-CN" altLang="zh-CN" i="1" kern="100">
+                                                  <a:latin typeface="Cambria Math" panose="02040503050406030204" pitchFamily="18" charset="0"/>
+                                                  <a:ea typeface="Cambria Math" panose="02040503050406030204" pitchFamily="18" charset="0"/>
+                                                  <a:cs typeface="Times New Roman" panose="02020603050405020304" pitchFamily="18" charset="0"/>
+                                                </a:rPr>
+                                              </m:ctrlPr>
+                                            </m:sSupPr>
+                                            <m:e>
+                                              <m:r>
+                                                <a:rPr lang="en-US" altLang="zh-CN" i="1" kern="100">
+                                                  <a:latin typeface="Cambria Math" panose="02040503050406030204" pitchFamily="18" charset="0"/>
+                                                  <a:ea typeface="等线" panose="02010600030101010101" pitchFamily="2" charset="-122"/>
+                                                  <a:cs typeface="Times New Roman" panose="02020603050405020304" pitchFamily="18" charset="0"/>
+                                                </a:rPr>
+                                                <m:t>𝑋</m:t>
+                                              </m:r>
+                                            </m:e>
+                                            <m:sup>
+                                              <m:r>
+                                                <a:rPr lang="en-US" altLang="zh-CN" i="1" kern="100">
+                                                  <a:latin typeface="Cambria Math" panose="02040503050406030204" pitchFamily="18" charset="0"/>
+                                                  <a:ea typeface="等线" panose="02010600030101010101" pitchFamily="2" charset="-122"/>
+                                                  <a:cs typeface="Times New Roman" panose="02020603050405020304" pitchFamily="18" charset="0"/>
+                                                </a:rPr>
+                                                <m:t>∗</m:t>
+                                              </m:r>
+                                            </m:sup>
+                                          </m:sSup>
+                                        </m:num>
+                                        <m:den>
+                                          <m:sSub>
+                                            <m:sSubPr>
+                                              <m:ctrlPr>
+                                                <a:rPr lang="zh-CN" altLang="zh-CN" i="1" kern="100">
+                                                  <a:latin typeface="Cambria Math" panose="02040503050406030204" pitchFamily="18" charset="0"/>
+                                                  <a:ea typeface="Cambria Math" panose="02040503050406030204" pitchFamily="18" charset="0"/>
+                                                  <a:cs typeface="Times New Roman" panose="02020603050405020304" pitchFamily="18" charset="0"/>
+                                                </a:rPr>
+                                              </m:ctrlPr>
+                                            </m:sSubPr>
+                                            <m:e>
+                                              <m:r>
+                                                <a:rPr lang="en-US" altLang="zh-CN" i="1" kern="100">
+                                                  <a:latin typeface="Cambria Math" panose="02040503050406030204" pitchFamily="18" charset="0"/>
+                                                  <a:ea typeface="等线" panose="02010600030101010101" pitchFamily="2" charset="-122"/>
+                                                  <a:cs typeface="Times New Roman" panose="02020603050405020304" pitchFamily="18" charset="0"/>
+                                                </a:rPr>
+                                                <m:t>𝐾</m:t>
+                                              </m:r>
+                                            </m:e>
+                                            <m:sub>
+                                              <m:r>
+                                                <a:rPr lang="en-US" altLang="zh-CN" i="1" kern="100">
+                                                  <a:latin typeface="Cambria Math" panose="02040503050406030204" pitchFamily="18" charset="0"/>
+                                                  <a:ea typeface="等线" panose="02010600030101010101" pitchFamily="2" charset="-122"/>
+                                                  <a:cs typeface="Times New Roman" panose="02020603050405020304" pitchFamily="18" charset="0"/>
+                                                </a:rPr>
+                                                <m:t>𝑥𝑧</m:t>
+                                              </m:r>
+                                            </m:sub>
+                                          </m:sSub>
+                                        </m:den>
+                                      </m:f>
+                                    </m:e>
+                                  </m:d>
+                                </m:e>
+                                <m:sup>
+                                  <m:r>
+                                    <a:rPr lang="en-US" altLang="zh-CN" i="1" kern="100">
+                                      <a:latin typeface="Cambria Math" panose="02040503050406030204" pitchFamily="18" charset="0"/>
+                                      <a:ea typeface="等线" panose="02010600030101010101" pitchFamily="2" charset="-122"/>
+                                      <a:cs typeface="Times New Roman" panose="02020603050405020304" pitchFamily="18" charset="0"/>
+                                    </a:rPr>
+                                    <m:t>𝐻</m:t>
+                                  </m:r>
+                                </m:sup>
+                              </m:sSup>
+                            </m:den>
+                          </m:f>
+                          <m:r>
+                            <a:rPr lang="en-US" altLang="zh-CN" i="1" kern="100">
+                              <a:latin typeface="Cambria Math" panose="02040503050406030204" pitchFamily="18" charset="0"/>
+                              <a:ea typeface="等线" panose="02010600030101010101" pitchFamily="2" charset="-122"/>
+                              <a:cs typeface="Times New Roman" panose="02020603050405020304" pitchFamily="18" charset="0"/>
+                            </a:rPr>
+                            <m:t>∙</m:t>
+                          </m:r>
+                          <m:f>
+                            <m:fPr>
+                              <m:ctrlPr>
+                                <a:rPr lang="zh-CN" altLang="zh-CN" i="1" kern="100">
+                                  <a:latin typeface="Cambria Math" panose="02040503050406030204" pitchFamily="18" charset="0"/>
+                                  <a:ea typeface="Cambria Math" panose="02040503050406030204" pitchFamily="18" charset="0"/>
+                                  <a:cs typeface="Times New Roman" panose="02020603050405020304" pitchFamily="18" charset="0"/>
+                                </a:rPr>
+                              </m:ctrlPr>
+                            </m:fPr>
+                            <m:num>
+                              <m:sSup>
+                                <m:sSupPr>
+                                  <m:ctrlPr>
+                                    <a:rPr lang="zh-CN" altLang="zh-CN" i="1" kern="100">
+                                      <a:latin typeface="Cambria Math" panose="02040503050406030204" pitchFamily="18" charset="0"/>
+                                      <a:ea typeface="Cambria Math" panose="02040503050406030204" pitchFamily="18" charset="0"/>
+                                      <a:cs typeface="Times New Roman" panose="02020603050405020304" pitchFamily="18" charset="0"/>
+                                    </a:rPr>
+                                  </m:ctrlPr>
+                                </m:sSupPr>
+                                <m:e>
+                                  <m:d>
+                                    <m:dPr>
+                                      <m:ctrlPr>
+                                        <a:rPr lang="zh-CN" altLang="zh-CN" i="1" kern="100">
+                                          <a:latin typeface="Cambria Math" panose="02040503050406030204" pitchFamily="18" charset="0"/>
+                                          <a:ea typeface="Cambria Math" panose="02040503050406030204" pitchFamily="18" charset="0"/>
+                                          <a:cs typeface="Times New Roman" panose="02020603050405020304" pitchFamily="18" charset="0"/>
+                                        </a:rPr>
+                                      </m:ctrlPr>
+                                    </m:dPr>
+                                    <m:e>
+                                      <m:f>
+                                        <m:fPr>
+                                          <m:ctrlPr>
+                                            <a:rPr lang="zh-CN" altLang="zh-CN" i="1" kern="100">
+                                              <a:latin typeface="Cambria Math" panose="02040503050406030204" pitchFamily="18" charset="0"/>
+                                              <a:ea typeface="Cambria Math" panose="02040503050406030204" pitchFamily="18" charset="0"/>
+                                              <a:cs typeface="Times New Roman" panose="02020603050405020304" pitchFamily="18" charset="0"/>
+                                            </a:rPr>
+                                          </m:ctrlPr>
+                                        </m:fPr>
+                                        <m:num>
+                                          <m:sSup>
+                                            <m:sSupPr>
+                                              <m:ctrlPr>
+                                                <a:rPr lang="zh-CN" altLang="zh-CN" i="1" kern="100">
+                                                  <a:latin typeface="Cambria Math" panose="02040503050406030204" pitchFamily="18" charset="0"/>
+                                                  <a:ea typeface="Cambria Math" panose="02040503050406030204" pitchFamily="18" charset="0"/>
+                                                  <a:cs typeface="Times New Roman" panose="02020603050405020304" pitchFamily="18" charset="0"/>
+                                                </a:rPr>
+                                              </m:ctrlPr>
+                                            </m:sSupPr>
+                                            <m:e>
+                                              <m:r>
+                                                <a:rPr lang="en-US" altLang="zh-CN" i="1" kern="100">
+                                                  <a:latin typeface="Cambria Math" panose="02040503050406030204" pitchFamily="18" charset="0"/>
+                                                  <a:ea typeface="等线" panose="02010600030101010101" pitchFamily="2" charset="-122"/>
+                                                  <a:cs typeface="Times New Roman" panose="02020603050405020304" pitchFamily="18" charset="0"/>
+                                                </a:rPr>
+                                                <m:t>𝑌</m:t>
+                                              </m:r>
+                                            </m:e>
+                                            <m:sup>
+                                              <m:r>
+                                                <a:rPr lang="en-US" altLang="zh-CN" i="1" kern="100">
+                                                  <a:latin typeface="Cambria Math" panose="02040503050406030204" pitchFamily="18" charset="0"/>
+                                                  <a:ea typeface="等线" panose="02010600030101010101" pitchFamily="2" charset="-122"/>
+                                                  <a:cs typeface="Times New Roman" panose="02020603050405020304" pitchFamily="18" charset="0"/>
+                                                </a:rPr>
+                                                <m:t>∗</m:t>
+                                              </m:r>
+                                            </m:sup>
+                                          </m:sSup>
+                                        </m:num>
+                                        <m:den>
+                                          <m:sSub>
+                                            <m:sSubPr>
+                                              <m:ctrlPr>
+                                                <a:rPr lang="zh-CN" altLang="zh-CN" i="1" kern="100">
+                                                  <a:latin typeface="Cambria Math" panose="02040503050406030204" pitchFamily="18" charset="0"/>
+                                                  <a:ea typeface="Cambria Math" panose="02040503050406030204" pitchFamily="18" charset="0"/>
+                                                  <a:cs typeface="Times New Roman" panose="02020603050405020304" pitchFamily="18" charset="0"/>
+                                                </a:rPr>
+                                              </m:ctrlPr>
+                                            </m:sSubPr>
+                                            <m:e>
+                                              <m:r>
+                                                <a:rPr lang="en-US" altLang="zh-CN" i="1" kern="100">
+                                                  <a:latin typeface="Cambria Math" panose="02040503050406030204" pitchFamily="18" charset="0"/>
+                                                  <a:ea typeface="等线" panose="02010600030101010101" pitchFamily="2" charset="-122"/>
+                                                  <a:cs typeface="Times New Roman" panose="02020603050405020304" pitchFamily="18" charset="0"/>
+                                                </a:rPr>
+                                                <m:t>𝐾</m:t>
+                                              </m:r>
+                                            </m:e>
+                                            <m:sub>
+                                              <m:r>
+                                                <a:rPr lang="en-US" altLang="zh-CN" i="1" kern="100">
+                                                  <a:latin typeface="Cambria Math" panose="02040503050406030204" pitchFamily="18" charset="0"/>
+                                                  <a:ea typeface="等线" panose="02010600030101010101" pitchFamily="2" charset="-122"/>
+                                                  <a:cs typeface="Times New Roman" panose="02020603050405020304" pitchFamily="18" charset="0"/>
+                                                </a:rPr>
+                                                <m:t>𝑦𝑧</m:t>
+                                              </m:r>
+                                            </m:sub>
+                                          </m:sSub>
+                                        </m:den>
+                                      </m:f>
+                                    </m:e>
+                                  </m:d>
+                                </m:e>
+                                <m:sup>
+                                  <m:r>
+                                    <a:rPr lang="en-US" altLang="zh-CN" i="1" kern="100">
+                                      <a:latin typeface="Cambria Math" panose="02040503050406030204" pitchFamily="18" charset="0"/>
+                                      <a:ea typeface="等线" panose="02010600030101010101" pitchFamily="2" charset="-122"/>
+                                      <a:cs typeface="Times New Roman" panose="02020603050405020304" pitchFamily="18" charset="0"/>
+                                    </a:rPr>
+                                    <m:t>𝐻</m:t>
+                                  </m:r>
+                                </m:sup>
+                              </m:sSup>
+                            </m:num>
+                            <m:den>
+                              <m:r>
+                                <a:rPr lang="en-US" altLang="zh-CN" i="1" kern="100">
+                                  <a:latin typeface="Cambria Math" panose="02040503050406030204" pitchFamily="18" charset="0"/>
+                                  <a:ea typeface="等线" panose="02010600030101010101" pitchFamily="2" charset="-122"/>
+                                  <a:cs typeface="Times New Roman" panose="02020603050405020304" pitchFamily="18" charset="0"/>
+                                </a:rPr>
+                                <m:t>1+</m:t>
+                              </m:r>
+                              <m:sSup>
+                                <m:sSupPr>
+                                  <m:ctrlPr>
+                                    <a:rPr lang="zh-CN" altLang="zh-CN" i="1" kern="100">
+                                      <a:latin typeface="Cambria Math" panose="02040503050406030204" pitchFamily="18" charset="0"/>
+                                      <a:ea typeface="Cambria Math" panose="02040503050406030204" pitchFamily="18" charset="0"/>
+                                      <a:cs typeface="Times New Roman" panose="02020603050405020304" pitchFamily="18" charset="0"/>
+                                    </a:rPr>
+                                  </m:ctrlPr>
+                                </m:sSupPr>
+                                <m:e>
+                                  <m:d>
+                                    <m:dPr>
+                                      <m:ctrlPr>
+                                        <a:rPr lang="zh-CN" altLang="zh-CN" i="1" kern="100">
+                                          <a:latin typeface="Cambria Math" panose="02040503050406030204" pitchFamily="18" charset="0"/>
+                                          <a:ea typeface="Cambria Math" panose="02040503050406030204" pitchFamily="18" charset="0"/>
+                                          <a:cs typeface="Times New Roman" panose="02020603050405020304" pitchFamily="18" charset="0"/>
+                                        </a:rPr>
+                                      </m:ctrlPr>
+                                    </m:dPr>
+                                    <m:e>
+                                      <m:f>
+                                        <m:fPr>
+                                          <m:ctrlPr>
+                                            <a:rPr lang="zh-CN" altLang="zh-CN" i="1" kern="100">
+                                              <a:latin typeface="Cambria Math" panose="02040503050406030204" pitchFamily="18" charset="0"/>
+                                              <a:ea typeface="Cambria Math" panose="02040503050406030204" pitchFamily="18" charset="0"/>
+                                              <a:cs typeface="Times New Roman" panose="02020603050405020304" pitchFamily="18" charset="0"/>
+                                            </a:rPr>
+                                          </m:ctrlPr>
+                                        </m:fPr>
+                                        <m:num>
+                                          <m:sSup>
+                                            <m:sSupPr>
+                                              <m:ctrlPr>
+                                                <a:rPr lang="zh-CN" altLang="zh-CN" i="1" kern="100">
+                                                  <a:latin typeface="Cambria Math" panose="02040503050406030204" pitchFamily="18" charset="0"/>
+                                                  <a:ea typeface="Cambria Math" panose="02040503050406030204" pitchFamily="18" charset="0"/>
+                                                  <a:cs typeface="Times New Roman" panose="02020603050405020304" pitchFamily="18" charset="0"/>
+                                                </a:rPr>
+                                              </m:ctrlPr>
+                                            </m:sSupPr>
+                                            <m:e>
+                                              <m:r>
+                                                <a:rPr lang="en-US" altLang="zh-CN" i="1" kern="100">
+                                                  <a:latin typeface="Cambria Math" panose="02040503050406030204" pitchFamily="18" charset="0"/>
+                                                  <a:ea typeface="等线" panose="02010600030101010101" pitchFamily="2" charset="-122"/>
+                                                  <a:cs typeface="Times New Roman" panose="02020603050405020304" pitchFamily="18" charset="0"/>
+                                                </a:rPr>
+                                                <m:t>𝑌</m:t>
+                                              </m:r>
+                                            </m:e>
+                                            <m:sup>
+                                              <m:r>
+                                                <a:rPr lang="en-US" altLang="zh-CN" i="1" kern="100">
+                                                  <a:latin typeface="Cambria Math" panose="02040503050406030204" pitchFamily="18" charset="0"/>
+                                                  <a:ea typeface="等线" panose="02010600030101010101" pitchFamily="2" charset="-122"/>
+                                                  <a:cs typeface="Times New Roman" panose="02020603050405020304" pitchFamily="18" charset="0"/>
+                                                </a:rPr>
+                                                <m:t>∗</m:t>
+                                              </m:r>
+                                            </m:sup>
+                                          </m:sSup>
+                                        </m:num>
+                                        <m:den>
+                                          <m:sSub>
+                                            <m:sSubPr>
+                                              <m:ctrlPr>
+                                                <a:rPr lang="zh-CN" altLang="zh-CN" i="1" kern="100">
+                                                  <a:latin typeface="Cambria Math" panose="02040503050406030204" pitchFamily="18" charset="0"/>
+                                                  <a:ea typeface="Cambria Math" panose="02040503050406030204" pitchFamily="18" charset="0"/>
+                                                  <a:cs typeface="Times New Roman" panose="02020603050405020304" pitchFamily="18" charset="0"/>
+                                                </a:rPr>
+                                              </m:ctrlPr>
+                                            </m:sSubPr>
+                                            <m:e>
+                                              <m:r>
+                                                <a:rPr lang="en-US" altLang="zh-CN" i="1" kern="100">
+                                                  <a:latin typeface="Cambria Math" panose="02040503050406030204" pitchFamily="18" charset="0"/>
+                                                  <a:ea typeface="等线" panose="02010600030101010101" pitchFamily="2" charset="-122"/>
+                                                  <a:cs typeface="Times New Roman" panose="02020603050405020304" pitchFamily="18" charset="0"/>
+                                                </a:rPr>
+                                                <m:t>𝐾</m:t>
+                                              </m:r>
+                                            </m:e>
+                                            <m:sub>
+                                              <m:r>
+                                                <a:rPr lang="en-US" altLang="zh-CN" i="1" kern="100">
+                                                  <a:latin typeface="Cambria Math" panose="02040503050406030204" pitchFamily="18" charset="0"/>
+                                                  <a:ea typeface="等线" panose="02010600030101010101" pitchFamily="2" charset="-122"/>
+                                                  <a:cs typeface="Times New Roman" panose="02020603050405020304" pitchFamily="18" charset="0"/>
+                                                </a:rPr>
+                                                <m:t>𝑦𝑧</m:t>
+                                              </m:r>
+                                            </m:sub>
+                                          </m:sSub>
+                                        </m:den>
+                                      </m:f>
+                                    </m:e>
+                                  </m:d>
+                                </m:e>
+                                <m:sup>
+                                  <m:r>
+                                    <a:rPr lang="en-US" altLang="zh-CN" i="1" kern="100">
+                                      <a:latin typeface="Cambria Math" panose="02040503050406030204" pitchFamily="18" charset="0"/>
+                                      <a:ea typeface="等线" panose="02010600030101010101" pitchFamily="2" charset="-122"/>
+                                      <a:cs typeface="Times New Roman" panose="02020603050405020304" pitchFamily="18" charset="0"/>
+                                    </a:rPr>
+                                    <m:t>𝐻</m:t>
+                                  </m:r>
+                                </m:sup>
+                              </m:sSup>
+                            </m:den>
+                          </m:f>
+                        </m:e>
+                      </m:d>
+                      <m:r>
+                        <a:rPr lang="en-US" altLang="zh-CN" i="1" kern="100">
+                          <a:latin typeface="Cambria Math" panose="02040503050406030204" pitchFamily="18" charset="0"/>
+                          <a:ea typeface="等线" panose="02010600030101010101" pitchFamily="2" charset="-122"/>
+                          <a:cs typeface="Times New Roman" panose="02020603050405020304" pitchFamily="18" charset="0"/>
+                        </a:rPr>
+                        <m:t>−</m:t>
+                      </m:r>
+                      <m:sSub>
+                        <m:sSubPr>
+                          <m:ctrlPr>
+                            <a:rPr lang="zh-CN" altLang="zh-CN" i="1" kern="100">
+                              <a:latin typeface="Cambria Math" panose="02040503050406030204" pitchFamily="18" charset="0"/>
+                              <a:ea typeface="Cambria Math" panose="02040503050406030204" pitchFamily="18" charset="0"/>
+                              <a:cs typeface="Times New Roman" panose="02020603050405020304" pitchFamily="18" charset="0"/>
+                            </a:rPr>
+                          </m:ctrlPr>
+                        </m:sSubPr>
+                        <m:e>
+                          <m:r>
+                            <a:rPr lang="en-US" altLang="zh-CN" i="1" kern="100">
+                              <a:latin typeface="Cambria Math" panose="02040503050406030204" pitchFamily="18" charset="0"/>
+                              <a:ea typeface="等线" panose="02010600030101010101" pitchFamily="2" charset="-122"/>
+                              <a:cs typeface="Times New Roman" panose="02020603050405020304" pitchFamily="18" charset="0"/>
+                            </a:rPr>
+                            <m:t>𝛼</m:t>
+                          </m:r>
+                        </m:e>
+                        <m:sub>
+                          <m:r>
+                            <a:rPr lang="en-US" altLang="zh-CN" i="1" kern="100">
+                              <a:latin typeface="Cambria Math" panose="02040503050406030204" pitchFamily="18" charset="0"/>
+                              <a:ea typeface="等线" panose="02010600030101010101" pitchFamily="2" charset="-122"/>
+                              <a:cs typeface="Times New Roman" panose="02020603050405020304" pitchFamily="18" charset="0"/>
+                            </a:rPr>
+                            <m:t>𝑧</m:t>
+                          </m:r>
+                        </m:sub>
+                      </m:sSub>
+                      <m:r>
+                        <a:rPr lang="en-US" altLang="zh-CN" i="1" kern="100">
+                          <a:latin typeface="Cambria Math" panose="02040503050406030204" pitchFamily="18" charset="0"/>
+                          <a:ea typeface="等线" panose="02010600030101010101" pitchFamily="2" charset="-122"/>
+                          <a:cs typeface="Times New Roman" panose="02020603050405020304" pitchFamily="18" charset="0"/>
+                        </a:rPr>
+                        <m:t>∙</m:t>
+                      </m:r>
+                      <m:r>
+                        <a:rPr lang="en-GB" altLang="zh-CN" b="0" i="1" kern="100" smtClean="0">
+                          <a:latin typeface="Cambria Math" panose="02040503050406030204" pitchFamily="18" charset="0"/>
+                          <a:ea typeface="等线" panose="02010600030101010101" pitchFamily="2" charset="-122"/>
+                          <a:cs typeface="Times New Roman" panose="02020603050405020304" pitchFamily="18" charset="0"/>
+                        </a:rPr>
+                        <m:t>𝑍</m:t>
+                      </m:r>
+                    </m:oMath>
+                  </m:oMathPara>
+                </a14:m>
+                <a:endParaRPr lang="zh-CN" altLang="zh-CN" kern="100" dirty="0">
+                  <a:latin typeface="等线" panose="02010600030101010101" pitchFamily="2" charset="-122"/>
+                  <a:ea typeface="等线" panose="02010600030101010101" pitchFamily="2" charset="-122"/>
+                  <a:cs typeface="Times New Roman" panose="02020603050405020304" pitchFamily="18" charset="0"/>
+                </a:endParaRPr>
+              </a:p>
+            </p:txBody>
+          </p:sp>
+        </mc:Choice>
+        <mc:Fallback>
+          <p:sp>
+            <p:nvSpPr>
+              <p:cNvPr id="4" name="Rechteck 3">
+                <a:extLst>
+                  <a:ext uri="{FF2B5EF4-FFF2-40B4-BE49-F238E27FC236}">
+                    <a16:creationId xmlns:a16="http://schemas.microsoft.com/office/drawing/2014/main" id="{56EFF19C-5768-4DE3-9710-E6B8C62AD5D9}"/>
+                  </a:ext>
+                </a:extLst>
+              </p:cNvPr>
+              <p:cNvSpPr>
+                <a:spLocks noRot="1" noChangeAspect="1" noMove="1" noResize="1" noEditPoints="1" noAdjustHandles="1" noChangeArrowheads="1" noChangeShapeType="1" noTextEdit="1"/>
+              </p:cNvSpPr>
+              <p:nvPr/>
+            </p:nvSpPr>
+            <p:spPr>
+              <a:xfrm>
+                <a:off x="2057400" y="1282335"/>
+                <a:ext cx="5040000" cy="3024000"/>
+              </a:xfrm>
+              <a:prstGeom prst="rect">
+                <a:avLst/>
+              </a:prstGeom>
+              <a:blipFill>
+                <a:blip r:embed="rId2"/>
+                <a:stretch>
+                  <a:fillRect b="-2016"/>
+                </a:stretch>
+              </a:blipFill>
+            </p:spPr>
+            <p:txBody>
+              <a:bodyPr/>
+              <a:lstStyle/>
+              <a:p>
+                <a:r>
+                  <a:rPr lang="zh-CN" altLang="en-US">
+                    <a:noFill/>
+                  </a:rPr>
+                  <a:t> </a:t>
+                </a:r>
+              </a:p>
+            </p:txBody>
+          </p:sp>
+        </mc:Fallback>
+      </mc:AlternateContent>
+      <mc:AlternateContent xmlns:mc="http://schemas.openxmlformats.org/markup-compatibility/2006">
+        <mc:Choice xmlns:a14="http://schemas.microsoft.com/office/drawing/2010/main" Requires="a14">
+          <p:sp>
+            <p:nvSpPr>
+              <p:cNvPr id="7" name="Rechteck 6">
+                <a:extLst>
+                  <a:ext uri="{FF2B5EF4-FFF2-40B4-BE49-F238E27FC236}">
+                    <a16:creationId xmlns:a16="http://schemas.microsoft.com/office/drawing/2014/main" id="{F473332D-9454-4B08-AB1B-2FE8061A556D}"/>
+                  </a:ext>
+                </a:extLst>
+              </p:cNvPr>
+              <p:cNvSpPr/>
+              <p:nvPr/>
+            </p:nvSpPr>
+            <p:spPr>
+              <a:xfrm>
+                <a:off x="2057400" y="4578017"/>
+                <a:ext cx="4572000" cy="1820114"/>
+              </a:xfrm>
+              <a:prstGeom prst="rect">
+                <a:avLst/>
+              </a:prstGeom>
+            </p:spPr>
+            <p:txBody>
+              <a:bodyPr>
+                <a:spAutoFit/>
+              </a:bodyPr>
+              <a:lstStyle/>
+              <a:p>
+                <a:pPr algn="just">
+                  <a:spcAft>
+                    <a:spcPts val="0"/>
+                  </a:spcAft>
+                </a:pPr>
+                <a14:m>
+                  <m:oMathPara xmlns:m="http://schemas.openxmlformats.org/officeDocument/2006/math">
+                    <m:oMathParaPr>
+                      <m:jc m:val="centerGroup"/>
+                    </m:oMathParaPr>
+                    <m:oMath xmlns:m="http://schemas.openxmlformats.org/officeDocument/2006/math">
+                      <m:sSub>
+                        <m:sSubPr>
+                          <m:ctrlPr>
+                            <a:rPr lang="zh-CN" altLang="zh-CN" i="1" kern="100">
+                              <a:latin typeface="Cambria Math" panose="02040503050406030204" pitchFamily="18" charset="0"/>
+                              <a:ea typeface="Cambria Math" panose="02040503050406030204" pitchFamily="18" charset="0"/>
+                              <a:cs typeface="Times New Roman" panose="02020603050405020304" pitchFamily="18" charset="0"/>
+                            </a:rPr>
+                          </m:ctrlPr>
+                        </m:sSubPr>
+                        <m:e>
+                          <m:r>
+                            <a:rPr lang="en-US" altLang="zh-CN" i="1" kern="100">
+                              <a:latin typeface="Cambria Math" panose="02040503050406030204" pitchFamily="18" charset="0"/>
+                              <a:ea typeface="等线" panose="02010600030101010101" pitchFamily="2" charset="-122"/>
+                              <a:cs typeface="Times New Roman" panose="02020603050405020304" pitchFamily="18" charset="0"/>
+                            </a:rPr>
+                            <m:t>𝐵</m:t>
+                          </m:r>
+                        </m:e>
+                        <m:sub>
+                          <m:r>
+                            <a:rPr lang="en-US" altLang="zh-CN" i="1" kern="100">
+                              <a:latin typeface="Cambria Math" panose="02040503050406030204" pitchFamily="18" charset="0"/>
+                              <a:ea typeface="等线" panose="02010600030101010101" pitchFamily="2" charset="-122"/>
+                              <a:cs typeface="Times New Roman" panose="02020603050405020304" pitchFamily="18" charset="0"/>
+                            </a:rPr>
+                            <m:t>𝑦𝑧</m:t>
+                          </m:r>
+                        </m:sub>
+                      </m:sSub>
+                      <m:r>
+                        <a:rPr lang="en-US" altLang="zh-CN" i="1" kern="100">
+                          <a:latin typeface="Cambria Math" panose="02040503050406030204" pitchFamily="18" charset="0"/>
+                          <a:ea typeface="等线" panose="02010600030101010101" pitchFamily="2" charset="-122"/>
+                          <a:cs typeface="Times New Roman" panose="02020603050405020304" pitchFamily="18" charset="0"/>
+                        </a:rPr>
+                        <m:t>: </m:t>
+                      </m:r>
+                      <m:r>
+                        <a:rPr lang="en-US" altLang="zh-CN" i="1" kern="100">
+                          <a:latin typeface="Cambria Math" panose="02040503050406030204" pitchFamily="18" charset="0"/>
+                          <a:ea typeface="等线" panose="02010600030101010101" pitchFamily="2" charset="-122"/>
+                          <a:cs typeface="Times New Roman" panose="02020603050405020304" pitchFamily="18" charset="0"/>
+                        </a:rPr>
+                        <m:t>𝐵𝑎𝑠𝑎𝑙</m:t>
+                      </m:r>
+                      <m:r>
+                        <a:rPr lang="en-US" altLang="zh-CN" i="1" kern="100">
+                          <a:latin typeface="Cambria Math" panose="02040503050406030204" pitchFamily="18" charset="0"/>
+                          <a:ea typeface="等线" panose="02010600030101010101" pitchFamily="2" charset="-122"/>
+                          <a:cs typeface="Times New Roman" panose="02020603050405020304" pitchFamily="18" charset="0"/>
+                        </a:rPr>
+                        <m:t> </m:t>
+                      </m:r>
+                      <m:r>
+                        <a:rPr lang="en-US" altLang="zh-CN" i="1" kern="100">
+                          <a:latin typeface="Cambria Math" panose="02040503050406030204" pitchFamily="18" charset="0"/>
+                          <a:ea typeface="等线" panose="02010600030101010101" pitchFamily="2" charset="-122"/>
+                          <a:cs typeface="Times New Roman" panose="02020603050405020304" pitchFamily="18" charset="0"/>
+                        </a:rPr>
+                        <m:t>𝑡𝑟𝑎𝑛𝑠𝑐𝑟𝑖𝑝𝑡𝑖𝑜𝑛</m:t>
+                      </m:r>
+                      <m:r>
+                        <a:rPr lang="en-US" altLang="zh-CN" i="1" kern="100">
+                          <a:latin typeface="Cambria Math" panose="02040503050406030204" pitchFamily="18" charset="0"/>
+                          <a:ea typeface="等线" panose="02010600030101010101" pitchFamily="2" charset="-122"/>
+                          <a:cs typeface="Times New Roman" panose="02020603050405020304" pitchFamily="18" charset="0"/>
+                        </a:rPr>
+                        <m:t> </m:t>
+                      </m:r>
+                      <m:r>
+                        <a:rPr lang="en-US" altLang="zh-CN" i="1" kern="100">
+                          <a:latin typeface="Cambria Math" panose="02040503050406030204" pitchFamily="18" charset="0"/>
+                          <a:ea typeface="等线" panose="02010600030101010101" pitchFamily="2" charset="-122"/>
+                          <a:cs typeface="Times New Roman" panose="02020603050405020304" pitchFamily="18" charset="0"/>
+                        </a:rPr>
+                        <m:t>𝑟𝑎𝑡𝑒𝑠</m:t>
+                      </m:r>
+                    </m:oMath>
+                    <m:oMath xmlns:m="http://schemas.openxmlformats.org/officeDocument/2006/math">
+                      <m:sSup>
+                        <m:sSupPr>
+                          <m:ctrlPr>
+                            <a:rPr lang="zh-CN" altLang="zh-CN" i="1">
+                              <a:effectLst/>
+                              <a:latin typeface="Cambria Math" panose="02040503050406030204" pitchFamily="18" charset="0"/>
+                              <a:ea typeface="Cambria Math" panose="02040503050406030204" pitchFamily="18" charset="0"/>
+                            </a:rPr>
+                          </m:ctrlPr>
+                        </m:sSupPr>
+                        <m:e>
+                          <m:r>
+                            <a:rPr lang="en-US" altLang="zh-CN" i="1">
+                              <a:latin typeface="Cambria Math" panose="02040503050406030204" pitchFamily="18" charset="0"/>
+                              <a:ea typeface="等线" panose="02010600030101010101" pitchFamily="2" charset="-122"/>
+                              <a:cs typeface="Times New Roman" panose="02020603050405020304" pitchFamily="18" charset="0"/>
+                            </a:rPr>
+                            <m:t>𝑋</m:t>
+                          </m:r>
+                        </m:e>
+                        <m:sup>
+                          <m:r>
+                            <a:rPr lang="en-US" altLang="zh-CN" i="1">
+                              <a:latin typeface="Cambria Math" panose="02040503050406030204" pitchFamily="18" charset="0"/>
+                              <a:ea typeface="等线" panose="02010600030101010101" pitchFamily="2" charset="-122"/>
+                              <a:cs typeface="Times New Roman" panose="02020603050405020304" pitchFamily="18" charset="0"/>
+                            </a:rPr>
+                            <m:t>∗</m:t>
+                          </m:r>
+                        </m:sup>
+                      </m:sSup>
+                      <m:r>
+                        <a:rPr lang="en-US" altLang="zh-CN" i="1">
+                          <a:latin typeface="Cambria Math" panose="02040503050406030204" pitchFamily="18" charset="0"/>
+                          <a:ea typeface="等线" panose="02010600030101010101" pitchFamily="2" charset="-122"/>
+                          <a:cs typeface="Times New Roman" panose="02020603050405020304" pitchFamily="18" charset="0"/>
+                        </a:rPr>
+                        <m:t>=</m:t>
+                      </m:r>
+                      <m:r>
+                        <a:rPr lang="en-US" altLang="zh-CN" i="1">
+                          <a:latin typeface="Cambria Math" panose="02040503050406030204" pitchFamily="18" charset="0"/>
+                          <a:ea typeface="等线" panose="02010600030101010101" pitchFamily="2" charset="-122"/>
+                          <a:cs typeface="Times New Roman" panose="02020603050405020304" pitchFamily="18" charset="0"/>
+                        </a:rPr>
+                        <m:t>𝑋</m:t>
+                      </m:r>
+                      <m:r>
+                        <a:rPr lang="en-US" altLang="zh-CN" i="1">
+                          <a:latin typeface="Cambria Math" panose="02040503050406030204" pitchFamily="18" charset="0"/>
+                          <a:ea typeface="等线" panose="02010600030101010101" pitchFamily="2" charset="-122"/>
+                          <a:cs typeface="Times New Roman" panose="02020603050405020304" pitchFamily="18" charset="0"/>
+                        </a:rPr>
+                        <m:t>∙</m:t>
+                      </m:r>
+                      <m:sSub>
+                        <m:sSubPr>
+                          <m:ctrlPr>
+                            <a:rPr lang="zh-CN" altLang="zh-CN" i="1">
+                              <a:effectLst/>
+                              <a:latin typeface="Cambria Math" panose="02040503050406030204" pitchFamily="18" charset="0"/>
+                              <a:ea typeface="Cambria Math" panose="02040503050406030204" pitchFamily="18" charset="0"/>
+                            </a:rPr>
+                          </m:ctrlPr>
+                        </m:sSubPr>
+                        <m:e>
+                          <m:r>
+                            <a:rPr lang="en-US" altLang="zh-CN" i="1">
+                              <a:latin typeface="Cambria Math" panose="02040503050406030204" pitchFamily="18" charset="0"/>
+                              <a:ea typeface="等线" panose="02010600030101010101" pitchFamily="2" charset="-122"/>
+                              <a:cs typeface="Times New Roman" panose="02020603050405020304" pitchFamily="18" charset="0"/>
+                            </a:rPr>
+                            <m:t>𝑆</m:t>
+                          </m:r>
+                        </m:e>
+                        <m:sub>
+                          <m:r>
+                            <a:rPr lang="en-US" altLang="zh-CN" i="1">
+                              <a:latin typeface="Cambria Math" panose="02040503050406030204" pitchFamily="18" charset="0"/>
+                              <a:ea typeface="等线" panose="02010600030101010101" pitchFamily="2" charset="-122"/>
+                              <a:cs typeface="Times New Roman" panose="02020603050405020304" pitchFamily="18" charset="0"/>
+                            </a:rPr>
+                            <m:t>𝑥</m:t>
+                          </m:r>
+                        </m:sub>
+                      </m:sSub>
+                      <m:r>
+                        <a:rPr lang="en-US" altLang="zh-CN" i="1">
+                          <a:latin typeface="Cambria Math" panose="02040503050406030204" pitchFamily="18" charset="0"/>
+                          <a:ea typeface="等线" panose="02010600030101010101" pitchFamily="2" charset="-122"/>
+                          <a:cs typeface="Times New Roman" panose="02020603050405020304" pitchFamily="18" charset="0"/>
+                        </a:rPr>
+                        <m:t> </m:t>
+                      </m:r>
+                      <m:r>
+                        <a:rPr lang="en-US" altLang="zh-CN" i="1">
+                          <a:latin typeface="Cambria Math" panose="02040503050406030204" pitchFamily="18" charset="0"/>
+                          <a:ea typeface="等线" panose="02010600030101010101" pitchFamily="2" charset="-122"/>
+                          <a:cs typeface="Times New Roman" panose="02020603050405020304" pitchFamily="18" charset="0"/>
+                        </a:rPr>
+                        <m:t>𝑎𝑐𝑡𝑖𝑣𝑒</m:t>
+                      </m:r>
+                      <m:r>
+                        <a:rPr lang="en-US" altLang="zh-CN" i="1">
+                          <a:latin typeface="Cambria Math" panose="02040503050406030204" pitchFamily="18" charset="0"/>
+                          <a:ea typeface="等线" panose="02010600030101010101" pitchFamily="2" charset="-122"/>
+                          <a:cs typeface="Times New Roman" panose="02020603050405020304" pitchFamily="18" charset="0"/>
+                        </a:rPr>
+                        <m:t> </m:t>
+                      </m:r>
+                      <m:r>
+                        <a:rPr lang="en-US" altLang="zh-CN" i="1">
+                          <a:latin typeface="Cambria Math" panose="02040503050406030204" pitchFamily="18" charset="0"/>
+                          <a:ea typeface="等线" panose="02010600030101010101" pitchFamily="2" charset="-122"/>
+                          <a:cs typeface="Times New Roman" panose="02020603050405020304" pitchFamily="18" charset="0"/>
+                        </a:rPr>
+                        <m:t>𝐹𝑜𝑟𝑚</m:t>
+                      </m:r>
+                      <m:r>
+                        <a:rPr lang="en-US" altLang="zh-CN" i="1">
+                          <a:latin typeface="Cambria Math" panose="02040503050406030204" pitchFamily="18" charset="0"/>
+                          <a:ea typeface="等线" panose="02010600030101010101" pitchFamily="2" charset="-122"/>
+                          <a:cs typeface="Times New Roman" panose="02020603050405020304" pitchFamily="18" charset="0"/>
+                        </a:rPr>
+                        <m:t> </m:t>
+                      </m:r>
+                      <m:r>
+                        <a:rPr lang="en-US" altLang="zh-CN" i="1">
+                          <a:latin typeface="Cambria Math" panose="02040503050406030204" pitchFamily="18" charset="0"/>
+                          <a:ea typeface="等线" panose="02010600030101010101" pitchFamily="2" charset="-122"/>
+                          <a:cs typeface="Times New Roman" panose="02020603050405020304" pitchFamily="18" charset="0"/>
+                        </a:rPr>
+                        <m:t>𝑜𝑓</m:t>
+                      </m:r>
+                      <m:r>
+                        <a:rPr lang="en-US" altLang="zh-CN" i="1">
+                          <a:latin typeface="Cambria Math" panose="02040503050406030204" pitchFamily="18" charset="0"/>
+                          <a:ea typeface="等线" panose="02010600030101010101" pitchFamily="2" charset="-122"/>
+                          <a:cs typeface="Times New Roman" panose="02020603050405020304" pitchFamily="18" charset="0"/>
+                        </a:rPr>
+                        <m:t> </m:t>
+                      </m:r>
+                      <m:r>
+                        <a:rPr lang="en-US" altLang="zh-CN" i="1">
+                          <a:latin typeface="Cambria Math" panose="02040503050406030204" pitchFamily="18" charset="0"/>
+                          <a:ea typeface="等线" panose="02010600030101010101" pitchFamily="2" charset="-122"/>
+                          <a:cs typeface="Times New Roman" panose="02020603050405020304" pitchFamily="18" charset="0"/>
+                        </a:rPr>
+                        <m:t>𝑋</m:t>
+                      </m:r>
+                    </m:oMath>
+                    <m:oMath xmlns:m="http://schemas.openxmlformats.org/officeDocument/2006/math">
+                      <m:sSup>
+                        <m:sSupPr>
+                          <m:ctrlPr>
+                            <a:rPr lang="zh-CN" altLang="zh-CN" i="1">
+                              <a:effectLst/>
+                              <a:latin typeface="Cambria Math" panose="02040503050406030204" pitchFamily="18" charset="0"/>
+                              <a:ea typeface="Cambria Math" panose="02040503050406030204" pitchFamily="18" charset="0"/>
+                            </a:rPr>
+                          </m:ctrlPr>
+                        </m:sSupPr>
+                        <m:e>
+                          <m:r>
+                            <a:rPr lang="en-US" altLang="zh-CN" i="1">
+                              <a:latin typeface="Cambria Math" panose="02040503050406030204" pitchFamily="18" charset="0"/>
+                              <a:ea typeface="等线" panose="02010600030101010101" pitchFamily="2" charset="-122"/>
+                              <a:cs typeface="Times New Roman" panose="02020603050405020304" pitchFamily="18" charset="0"/>
+                            </a:rPr>
+                            <m:t>𝑌</m:t>
+                          </m:r>
+                        </m:e>
+                        <m:sup>
+                          <m:r>
+                            <a:rPr lang="en-US" altLang="zh-CN" i="1">
+                              <a:latin typeface="Cambria Math" panose="02040503050406030204" pitchFamily="18" charset="0"/>
+                              <a:ea typeface="等线" panose="02010600030101010101" pitchFamily="2" charset="-122"/>
+                              <a:cs typeface="Times New Roman" panose="02020603050405020304" pitchFamily="18" charset="0"/>
+                            </a:rPr>
+                            <m:t>∗</m:t>
+                          </m:r>
+                        </m:sup>
+                      </m:sSup>
+                      <m:r>
+                        <a:rPr lang="en-US" altLang="zh-CN" i="1">
+                          <a:latin typeface="Cambria Math" panose="02040503050406030204" pitchFamily="18" charset="0"/>
+                          <a:ea typeface="等线" panose="02010600030101010101" pitchFamily="2" charset="-122"/>
+                          <a:cs typeface="Times New Roman" panose="02020603050405020304" pitchFamily="18" charset="0"/>
+                        </a:rPr>
+                        <m:t>=</m:t>
+                      </m:r>
+                      <m:r>
+                        <a:rPr lang="en-US" altLang="zh-CN" i="1">
+                          <a:latin typeface="Cambria Math" panose="02040503050406030204" pitchFamily="18" charset="0"/>
+                          <a:ea typeface="等线" panose="02010600030101010101" pitchFamily="2" charset="-122"/>
+                          <a:cs typeface="Times New Roman" panose="02020603050405020304" pitchFamily="18" charset="0"/>
+                        </a:rPr>
+                        <m:t>𝑌</m:t>
+                      </m:r>
+                      <m:r>
+                        <a:rPr lang="en-US" altLang="zh-CN" i="1">
+                          <a:latin typeface="Cambria Math" panose="02040503050406030204" pitchFamily="18" charset="0"/>
+                          <a:ea typeface="等线" panose="02010600030101010101" pitchFamily="2" charset="-122"/>
+                          <a:cs typeface="Times New Roman" panose="02020603050405020304" pitchFamily="18" charset="0"/>
+                        </a:rPr>
+                        <m:t>∙</m:t>
+                      </m:r>
+                      <m:sSub>
+                        <m:sSubPr>
+                          <m:ctrlPr>
+                            <a:rPr lang="zh-CN" altLang="zh-CN" i="1">
+                              <a:effectLst/>
+                              <a:latin typeface="Cambria Math" panose="02040503050406030204" pitchFamily="18" charset="0"/>
+                              <a:ea typeface="Cambria Math" panose="02040503050406030204" pitchFamily="18" charset="0"/>
+                            </a:rPr>
+                          </m:ctrlPr>
+                        </m:sSubPr>
+                        <m:e>
+                          <m:r>
+                            <a:rPr lang="en-US" altLang="zh-CN" i="1">
+                              <a:latin typeface="Cambria Math" panose="02040503050406030204" pitchFamily="18" charset="0"/>
+                              <a:ea typeface="等线" panose="02010600030101010101" pitchFamily="2" charset="-122"/>
+                              <a:cs typeface="Times New Roman" panose="02020603050405020304" pitchFamily="18" charset="0"/>
+                            </a:rPr>
+                            <m:t>𝑆</m:t>
+                          </m:r>
+                        </m:e>
+                        <m:sub>
+                          <m:r>
+                            <a:rPr lang="en-US" altLang="zh-CN" i="1">
+                              <a:latin typeface="Cambria Math" panose="02040503050406030204" pitchFamily="18" charset="0"/>
+                              <a:ea typeface="等线" panose="02010600030101010101" pitchFamily="2" charset="-122"/>
+                              <a:cs typeface="Times New Roman" panose="02020603050405020304" pitchFamily="18" charset="0"/>
+                            </a:rPr>
+                            <m:t>𝑦</m:t>
+                          </m:r>
+                        </m:sub>
+                      </m:sSub>
+                      <m:r>
+                        <a:rPr lang="en-US" altLang="zh-CN" i="1">
+                          <a:latin typeface="Cambria Math" panose="02040503050406030204" pitchFamily="18" charset="0"/>
+                          <a:ea typeface="等线" panose="02010600030101010101" pitchFamily="2" charset="-122"/>
+                          <a:cs typeface="Times New Roman" panose="02020603050405020304" pitchFamily="18" charset="0"/>
+                        </a:rPr>
+                        <m:t> </m:t>
+                      </m:r>
+                      <m:r>
+                        <a:rPr lang="en-US" altLang="zh-CN" i="1">
+                          <a:latin typeface="Cambria Math" panose="02040503050406030204" pitchFamily="18" charset="0"/>
+                          <a:ea typeface="等线" panose="02010600030101010101" pitchFamily="2" charset="-122"/>
+                          <a:cs typeface="Times New Roman" panose="02020603050405020304" pitchFamily="18" charset="0"/>
+                        </a:rPr>
+                        <m:t>𝑎𝑐𝑡𝑖𝑣𝑒</m:t>
+                      </m:r>
+                      <m:r>
+                        <a:rPr lang="en-US" altLang="zh-CN" i="1">
+                          <a:latin typeface="Cambria Math" panose="02040503050406030204" pitchFamily="18" charset="0"/>
+                          <a:ea typeface="等线" panose="02010600030101010101" pitchFamily="2" charset="-122"/>
+                          <a:cs typeface="Times New Roman" panose="02020603050405020304" pitchFamily="18" charset="0"/>
+                        </a:rPr>
+                        <m:t> </m:t>
+                      </m:r>
+                      <m:r>
+                        <a:rPr lang="en-US" altLang="zh-CN" i="1">
+                          <a:latin typeface="Cambria Math" panose="02040503050406030204" pitchFamily="18" charset="0"/>
+                          <a:ea typeface="等线" panose="02010600030101010101" pitchFamily="2" charset="-122"/>
+                          <a:cs typeface="Times New Roman" panose="02020603050405020304" pitchFamily="18" charset="0"/>
+                        </a:rPr>
+                        <m:t>𝐹𝑜𝑟𝑚</m:t>
+                      </m:r>
+                      <m:r>
+                        <a:rPr lang="en-US" altLang="zh-CN" i="1">
+                          <a:latin typeface="Cambria Math" panose="02040503050406030204" pitchFamily="18" charset="0"/>
+                          <a:ea typeface="等线" panose="02010600030101010101" pitchFamily="2" charset="-122"/>
+                          <a:cs typeface="Times New Roman" panose="02020603050405020304" pitchFamily="18" charset="0"/>
+                        </a:rPr>
+                        <m:t> </m:t>
+                      </m:r>
+                      <m:r>
+                        <a:rPr lang="en-US" altLang="zh-CN" i="1">
+                          <a:latin typeface="Cambria Math" panose="02040503050406030204" pitchFamily="18" charset="0"/>
+                          <a:ea typeface="等线" panose="02010600030101010101" pitchFamily="2" charset="-122"/>
+                          <a:cs typeface="Times New Roman" panose="02020603050405020304" pitchFamily="18" charset="0"/>
+                        </a:rPr>
+                        <m:t>𝑜𝑓</m:t>
+                      </m:r>
+                      <m:r>
+                        <a:rPr lang="en-US" altLang="zh-CN" i="1">
+                          <a:latin typeface="Cambria Math" panose="02040503050406030204" pitchFamily="18" charset="0"/>
+                          <a:ea typeface="等线" panose="02010600030101010101" pitchFamily="2" charset="-122"/>
+                          <a:cs typeface="Times New Roman" panose="02020603050405020304" pitchFamily="18" charset="0"/>
+                        </a:rPr>
+                        <m:t> </m:t>
+                      </m:r>
+                      <m:r>
+                        <a:rPr lang="en-US" altLang="zh-CN" i="1">
+                          <a:latin typeface="Cambria Math" panose="02040503050406030204" pitchFamily="18" charset="0"/>
+                          <a:ea typeface="等线" panose="02010600030101010101" pitchFamily="2" charset="-122"/>
+                          <a:cs typeface="Times New Roman" panose="02020603050405020304" pitchFamily="18" charset="0"/>
+                        </a:rPr>
+                        <m:t>𝑌</m:t>
+                      </m:r>
+                    </m:oMath>
+                    <m:oMath xmlns:m="http://schemas.openxmlformats.org/officeDocument/2006/math">
+                      <m:sSub>
+                        <m:sSubPr>
+                          <m:ctrlPr>
+                            <a:rPr lang="zh-CN" altLang="zh-CN" i="1">
+                              <a:effectLst/>
+                              <a:latin typeface="Cambria Math" panose="02040503050406030204" pitchFamily="18" charset="0"/>
+                              <a:ea typeface="Cambria Math" panose="02040503050406030204" pitchFamily="18" charset="0"/>
+                            </a:rPr>
+                          </m:ctrlPr>
+                        </m:sSubPr>
+                        <m:e>
+                          <m:r>
+                            <a:rPr lang="en-US" altLang="zh-CN" i="1">
+                              <a:latin typeface="Cambria Math" panose="02040503050406030204" pitchFamily="18" charset="0"/>
+                              <a:ea typeface="等线" panose="02010600030101010101" pitchFamily="2" charset="-122"/>
+                              <a:cs typeface="Times New Roman" panose="02020603050405020304" pitchFamily="18" charset="0"/>
+                            </a:rPr>
+                            <m:t>𝐾</m:t>
+                          </m:r>
+                        </m:e>
+                        <m:sub>
+                          <m:r>
+                            <a:rPr lang="en-US" altLang="zh-CN" i="1">
+                              <a:latin typeface="Cambria Math" panose="02040503050406030204" pitchFamily="18" charset="0"/>
+                              <a:ea typeface="等线" panose="02010600030101010101" pitchFamily="2" charset="-122"/>
+                              <a:cs typeface="Times New Roman" panose="02020603050405020304" pitchFamily="18" charset="0"/>
+                            </a:rPr>
+                            <m:t>𝑥𝑦𝑧</m:t>
+                          </m:r>
+                        </m:sub>
+                      </m:sSub>
+                      <m:r>
+                        <a:rPr lang="en-US" altLang="zh-CN" i="1">
+                          <a:latin typeface="Cambria Math" panose="02040503050406030204" pitchFamily="18" charset="0"/>
+                          <a:ea typeface="等线" panose="02010600030101010101" pitchFamily="2" charset="-122"/>
+                          <a:cs typeface="Times New Roman" panose="02020603050405020304" pitchFamily="18" charset="0"/>
+                        </a:rPr>
+                        <m:t>:  </m:t>
+                      </m:r>
+                      <m:r>
+                        <a:rPr lang="en-US" altLang="zh-CN" i="1">
+                          <a:latin typeface="Cambria Math" panose="02040503050406030204" pitchFamily="18" charset="0"/>
+                          <a:ea typeface="等线" panose="02010600030101010101" pitchFamily="2" charset="-122"/>
+                          <a:cs typeface="Times New Roman" panose="02020603050405020304" pitchFamily="18" charset="0"/>
+                        </a:rPr>
+                        <m:t>𝑎𝑐𝑡𝑖𝑣𝑎𝑡𝑖𝑜𝑛</m:t>
+                      </m:r>
+                      <m:r>
+                        <a:rPr lang="en-US" altLang="zh-CN" i="1">
+                          <a:latin typeface="Cambria Math" panose="02040503050406030204" pitchFamily="18" charset="0"/>
+                          <a:ea typeface="等线" panose="02010600030101010101" pitchFamily="2" charset="-122"/>
+                          <a:cs typeface="Times New Roman" panose="02020603050405020304" pitchFamily="18" charset="0"/>
+                        </a:rPr>
+                        <m:t> </m:t>
+                      </m:r>
+                      <m:r>
+                        <a:rPr lang="en-US" altLang="zh-CN" i="1">
+                          <a:latin typeface="Cambria Math" panose="02040503050406030204" pitchFamily="18" charset="0"/>
+                          <a:ea typeface="等线" panose="02010600030101010101" pitchFamily="2" charset="-122"/>
+                          <a:cs typeface="Times New Roman" panose="02020603050405020304" pitchFamily="18" charset="0"/>
+                        </a:rPr>
+                        <m:t>𝑜𝑟</m:t>
+                      </m:r>
+                      <m:r>
+                        <a:rPr lang="en-US" altLang="zh-CN" i="1">
+                          <a:latin typeface="Cambria Math" panose="02040503050406030204" pitchFamily="18" charset="0"/>
+                          <a:ea typeface="等线" panose="02010600030101010101" pitchFamily="2" charset="-122"/>
+                          <a:cs typeface="Times New Roman" panose="02020603050405020304" pitchFamily="18" charset="0"/>
+                        </a:rPr>
+                        <m:t> </m:t>
+                      </m:r>
+                      <m:r>
+                        <a:rPr lang="en-US" altLang="zh-CN" i="1">
+                          <a:latin typeface="Cambria Math" panose="02040503050406030204" pitchFamily="18" charset="0"/>
+                          <a:ea typeface="等线" panose="02010600030101010101" pitchFamily="2" charset="-122"/>
+                          <a:cs typeface="Times New Roman" panose="02020603050405020304" pitchFamily="18" charset="0"/>
+                        </a:rPr>
+                        <m:t>𝑟𝑒𝑝𝑟𝑒𝑠𝑠𝑖𝑜𝑛</m:t>
+                      </m:r>
+                      <m:r>
+                        <a:rPr lang="en-US" altLang="zh-CN" i="1">
+                          <a:latin typeface="Cambria Math" panose="02040503050406030204" pitchFamily="18" charset="0"/>
+                          <a:ea typeface="等线" panose="02010600030101010101" pitchFamily="2" charset="-122"/>
+                          <a:cs typeface="Times New Roman" panose="02020603050405020304" pitchFamily="18" charset="0"/>
+                        </a:rPr>
+                        <m:t> </m:t>
+                      </m:r>
+                      <m:r>
+                        <a:rPr lang="en-US" altLang="zh-CN" i="1">
+                          <a:latin typeface="Cambria Math" panose="02040503050406030204" pitchFamily="18" charset="0"/>
+                          <a:ea typeface="等线" panose="02010600030101010101" pitchFamily="2" charset="-122"/>
+                          <a:cs typeface="Times New Roman" panose="02020603050405020304" pitchFamily="18" charset="0"/>
+                        </a:rPr>
+                        <m:t>𝑝𝑎𝑟𝑎𝑚𝑒𝑡𝑒𝑟𝑠</m:t>
+                      </m:r>
+                    </m:oMath>
+                    <m:oMath xmlns:m="http://schemas.openxmlformats.org/officeDocument/2006/math">
+                      <m:r>
+                        <a:rPr lang="en-US" altLang="zh-CN" i="1">
+                          <a:latin typeface="Cambria Math" panose="02040503050406030204" pitchFamily="18" charset="0"/>
+                          <a:ea typeface="等线" panose="02010600030101010101" pitchFamily="2" charset="-122"/>
+                          <a:cs typeface="Times New Roman" panose="02020603050405020304" pitchFamily="18" charset="0"/>
+                        </a:rPr>
+                        <m:t> </m:t>
+                      </m:r>
+                      <m:sSub>
+                        <m:sSubPr>
+                          <m:ctrlPr>
+                            <a:rPr lang="zh-CN" altLang="zh-CN" i="1">
+                              <a:effectLst/>
+                              <a:latin typeface="Cambria Math" panose="02040503050406030204" pitchFamily="18" charset="0"/>
+                              <a:ea typeface="Cambria Math" panose="02040503050406030204" pitchFamily="18" charset="0"/>
+                            </a:rPr>
+                          </m:ctrlPr>
+                        </m:sSubPr>
+                        <m:e>
+                          <m:r>
+                            <a:rPr lang="en-US" altLang="zh-CN" i="1">
+                              <a:latin typeface="Cambria Math" panose="02040503050406030204" pitchFamily="18" charset="0"/>
+                              <a:ea typeface="等线" panose="02010600030101010101" pitchFamily="2" charset="-122"/>
+                              <a:cs typeface="Times New Roman" panose="02020603050405020304" pitchFamily="18" charset="0"/>
+                            </a:rPr>
+                            <m:t>𝛼</m:t>
+                          </m:r>
+                        </m:e>
+                        <m:sub>
+                          <m:r>
+                            <a:rPr lang="en-US" altLang="zh-CN" i="1">
+                              <a:latin typeface="Cambria Math" panose="02040503050406030204" pitchFamily="18" charset="0"/>
+                              <a:ea typeface="等线" panose="02010600030101010101" pitchFamily="2" charset="-122"/>
+                              <a:cs typeface="Times New Roman" panose="02020603050405020304" pitchFamily="18" charset="0"/>
+                            </a:rPr>
+                            <m:t>𝑧</m:t>
+                          </m:r>
+                        </m:sub>
+                      </m:sSub>
+                      <m:r>
+                        <a:rPr lang="en-US" altLang="zh-CN" i="1">
+                          <a:latin typeface="Cambria Math" panose="02040503050406030204" pitchFamily="18" charset="0"/>
+                          <a:ea typeface="等线" panose="02010600030101010101" pitchFamily="2" charset="-122"/>
+                          <a:cs typeface="Times New Roman" panose="02020603050405020304" pitchFamily="18" charset="0"/>
+                        </a:rPr>
+                        <m:t>:</m:t>
+                      </m:r>
+                      <m:r>
+                        <a:rPr lang="en-US" altLang="zh-CN" i="1">
+                          <a:latin typeface="Cambria Math" panose="02040503050406030204" pitchFamily="18" charset="0"/>
+                          <a:ea typeface="等线" panose="02010600030101010101" pitchFamily="2" charset="-122"/>
+                          <a:cs typeface="Times New Roman" panose="02020603050405020304" pitchFamily="18" charset="0"/>
+                        </a:rPr>
+                        <m:t>𝑑𝑒𝑔𝑟𝑎𝑑𝑎𝑡𝑖𝑜𝑛</m:t>
+                      </m:r>
+                      <m:r>
+                        <a:rPr lang="en-US" altLang="zh-CN" i="1">
+                          <a:latin typeface="Cambria Math" panose="02040503050406030204" pitchFamily="18" charset="0"/>
+                          <a:ea typeface="等线" panose="02010600030101010101" pitchFamily="2" charset="-122"/>
+                          <a:cs typeface="Times New Roman" panose="02020603050405020304" pitchFamily="18" charset="0"/>
+                        </a:rPr>
+                        <m:t> </m:t>
+                      </m:r>
+                      <m:r>
+                        <a:rPr lang="en-US" altLang="zh-CN" i="1">
+                          <a:latin typeface="Cambria Math" panose="02040503050406030204" pitchFamily="18" charset="0"/>
+                          <a:ea typeface="等线" panose="02010600030101010101" pitchFamily="2" charset="-122"/>
+                          <a:cs typeface="Times New Roman" panose="02020603050405020304" pitchFamily="18" charset="0"/>
+                        </a:rPr>
+                        <m:t>𝑎𝑛𝑑</m:t>
+                      </m:r>
+                      <m:r>
+                        <a:rPr lang="en-US" altLang="zh-CN" i="1">
+                          <a:latin typeface="Cambria Math" panose="02040503050406030204" pitchFamily="18" charset="0"/>
+                          <a:ea typeface="等线" panose="02010600030101010101" pitchFamily="2" charset="-122"/>
+                          <a:cs typeface="Times New Roman" panose="02020603050405020304" pitchFamily="18" charset="0"/>
+                        </a:rPr>
+                        <m:t> </m:t>
+                      </m:r>
+                      <m:r>
+                        <a:rPr lang="en-US" altLang="zh-CN" i="1">
+                          <a:latin typeface="Cambria Math" panose="02040503050406030204" pitchFamily="18" charset="0"/>
+                          <a:ea typeface="等线" panose="02010600030101010101" pitchFamily="2" charset="-122"/>
+                          <a:cs typeface="Times New Roman" panose="02020603050405020304" pitchFamily="18" charset="0"/>
+                        </a:rPr>
+                        <m:t>𝑑𝑒𝑙𝑢𝑡𝑖𝑜𝑛</m:t>
+                      </m:r>
+                      <m:r>
+                        <a:rPr lang="en-US" altLang="zh-CN" i="1">
+                          <a:latin typeface="Cambria Math" panose="02040503050406030204" pitchFamily="18" charset="0"/>
+                          <a:ea typeface="等线" panose="02010600030101010101" pitchFamily="2" charset="-122"/>
+                          <a:cs typeface="Times New Roman" panose="02020603050405020304" pitchFamily="18" charset="0"/>
+                        </a:rPr>
+                        <m:t> </m:t>
+                      </m:r>
+                      <m:r>
+                        <a:rPr lang="en-US" altLang="zh-CN" i="1">
+                          <a:latin typeface="Cambria Math" panose="02040503050406030204" pitchFamily="18" charset="0"/>
+                          <a:ea typeface="等线" panose="02010600030101010101" pitchFamily="2" charset="-122"/>
+                          <a:cs typeface="Times New Roman" panose="02020603050405020304" pitchFamily="18" charset="0"/>
+                        </a:rPr>
+                        <m:t>𝑟𝑎𝑡𝑒</m:t>
+                      </m:r>
+                    </m:oMath>
+                    <m:oMath xmlns:m="http://schemas.openxmlformats.org/officeDocument/2006/math">
+                      <m:r>
+                        <a:rPr lang="en-US" altLang="zh-CN" i="1">
+                          <a:latin typeface="Cambria Math" panose="02040503050406030204" pitchFamily="18" charset="0"/>
+                          <a:ea typeface="等线" panose="02010600030101010101" pitchFamily="2" charset="-122"/>
+                          <a:cs typeface="Times New Roman" panose="02020603050405020304" pitchFamily="18" charset="0"/>
+                        </a:rPr>
+                        <m:t>𝑍</m:t>
+                      </m:r>
+                      <m:r>
+                        <a:rPr lang="en-US" altLang="zh-CN" i="1">
+                          <a:latin typeface="Cambria Math" panose="02040503050406030204" pitchFamily="18" charset="0"/>
+                          <a:ea typeface="等线" panose="02010600030101010101" pitchFamily="2" charset="-122"/>
+                          <a:cs typeface="Times New Roman" panose="02020603050405020304" pitchFamily="18" charset="0"/>
+                        </a:rPr>
+                        <m:t>=</m:t>
+                      </m:r>
+                      <m:sSub>
+                        <m:sSubPr>
+                          <m:ctrlPr>
+                            <a:rPr lang="zh-CN" altLang="zh-CN" i="1">
+                              <a:effectLst/>
+                              <a:latin typeface="Cambria Math" panose="02040503050406030204" pitchFamily="18" charset="0"/>
+                              <a:ea typeface="Cambria Math" panose="02040503050406030204" pitchFamily="18" charset="0"/>
+                            </a:rPr>
+                          </m:ctrlPr>
+                        </m:sSubPr>
+                        <m:e>
+                          <m:r>
+                            <a:rPr lang="en-US" altLang="zh-CN" i="1">
+                              <a:latin typeface="Cambria Math" panose="02040503050406030204" pitchFamily="18" charset="0"/>
+                              <a:ea typeface="等线" panose="02010600030101010101" pitchFamily="2" charset="-122"/>
+                              <a:cs typeface="Times New Roman" panose="02020603050405020304" pitchFamily="18" charset="0"/>
+                            </a:rPr>
+                            <m:t>𝑍</m:t>
+                          </m:r>
+                        </m:e>
+                        <m:sub>
+                          <m:r>
+                            <a:rPr lang="en-US" altLang="zh-CN" i="1">
+                              <a:latin typeface="Cambria Math" panose="02040503050406030204" pitchFamily="18" charset="0"/>
+                              <a:ea typeface="等线" panose="02010600030101010101" pitchFamily="2" charset="-122"/>
+                              <a:cs typeface="Times New Roman" panose="02020603050405020304" pitchFamily="18" charset="0"/>
+                            </a:rPr>
+                            <m:t>𝑡</m:t>
+                          </m:r>
+                          <m:r>
+                            <a:rPr lang="en-US" altLang="zh-CN" i="1">
+                              <a:latin typeface="Cambria Math" panose="02040503050406030204" pitchFamily="18" charset="0"/>
+                              <a:ea typeface="等线" panose="02010600030101010101" pitchFamily="2" charset="-122"/>
+                              <a:cs typeface="Times New Roman" panose="02020603050405020304" pitchFamily="18" charset="0"/>
+                            </a:rPr>
+                            <m:t>=0</m:t>
+                          </m:r>
+                        </m:sub>
+                      </m:sSub>
+                      <m:sSup>
+                        <m:sSupPr>
+                          <m:ctrlPr>
+                            <a:rPr lang="zh-CN" altLang="zh-CN" i="1">
+                              <a:effectLst/>
+                              <a:latin typeface="Cambria Math" panose="02040503050406030204" pitchFamily="18" charset="0"/>
+                              <a:ea typeface="Cambria Math" panose="02040503050406030204" pitchFamily="18" charset="0"/>
+                            </a:rPr>
+                          </m:ctrlPr>
+                        </m:sSupPr>
+                        <m:e>
+                          <m:r>
+                            <a:rPr lang="en-US" altLang="zh-CN" i="1">
+                              <a:latin typeface="Cambria Math" panose="02040503050406030204" pitchFamily="18" charset="0"/>
+                              <a:ea typeface="等线" panose="02010600030101010101" pitchFamily="2" charset="-122"/>
+                              <a:cs typeface="Times New Roman" panose="02020603050405020304" pitchFamily="18" charset="0"/>
+                            </a:rPr>
+                            <m:t>𝑒</m:t>
+                          </m:r>
+                        </m:e>
+                        <m:sup>
+                          <m:r>
+                            <a:rPr lang="en-US" altLang="zh-CN" i="1">
+                              <a:latin typeface="Cambria Math" panose="02040503050406030204" pitchFamily="18" charset="0"/>
+                              <a:ea typeface="等线" panose="02010600030101010101" pitchFamily="2" charset="-122"/>
+                              <a:cs typeface="Times New Roman" panose="02020603050405020304" pitchFamily="18" charset="0"/>
+                            </a:rPr>
+                            <m:t>−</m:t>
+                          </m:r>
+                          <m:sSub>
+                            <m:sSubPr>
+                              <m:ctrlPr>
+                                <a:rPr lang="zh-CN" altLang="zh-CN" i="1">
+                                  <a:effectLst/>
+                                  <a:latin typeface="Cambria Math" panose="02040503050406030204" pitchFamily="18" charset="0"/>
+                                  <a:ea typeface="Cambria Math" panose="02040503050406030204" pitchFamily="18" charset="0"/>
+                                </a:rPr>
+                              </m:ctrlPr>
+                            </m:sSubPr>
+                            <m:e>
+                              <m:r>
+                                <a:rPr lang="en-US" altLang="zh-CN" i="1">
+                                  <a:latin typeface="Cambria Math" panose="02040503050406030204" pitchFamily="18" charset="0"/>
+                                  <a:ea typeface="等线" panose="02010600030101010101" pitchFamily="2" charset="-122"/>
+                                  <a:cs typeface="Times New Roman" panose="02020603050405020304" pitchFamily="18" charset="0"/>
+                                </a:rPr>
+                                <m:t>𝛼</m:t>
+                              </m:r>
+                            </m:e>
+                            <m:sub>
+                              <m:r>
+                                <a:rPr lang="en-US" altLang="zh-CN" i="1">
+                                  <a:latin typeface="Cambria Math" panose="02040503050406030204" pitchFamily="18" charset="0"/>
+                                  <a:ea typeface="等线" panose="02010600030101010101" pitchFamily="2" charset="-122"/>
+                                  <a:cs typeface="Times New Roman" panose="02020603050405020304" pitchFamily="18" charset="0"/>
+                                </a:rPr>
+                                <m:t>𝑧</m:t>
+                              </m:r>
+                            </m:sub>
+                          </m:sSub>
+                          <m:r>
+                            <a:rPr lang="en-US" altLang="zh-CN" i="1">
+                              <a:latin typeface="Cambria Math" panose="02040503050406030204" pitchFamily="18" charset="0"/>
+                              <a:ea typeface="等线" panose="02010600030101010101" pitchFamily="2" charset="-122"/>
+                              <a:cs typeface="Times New Roman" panose="02020603050405020304" pitchFamily="18" charset="0"/>
+                            </a:rPr>
+                            <m:t> </m:t>
+                          </m:r>
+                          <m:r>
+                            <a:rPr lang="en-US" altLang="zh-CN" i="1">
+                              <a:latin typeface="Cambria Math" panose="02040503050406030204" pitchFamily="18" charset="0"/>
+                              <a:ea typeface="等线" panose="02010600030101010101" pitchFamily="2" charset="-122"/>
+                              <a:cs typeface="Times New Roman" panose="02020603050405020304" pitchFamily="18" charset="0"/>
+                            </a:rPr>
+                            <m:t>𝑡</m:t>
+                          </m:r>
+                        </m:sup>
+                      </m:sSup>
+                      <m:r>
+                        <a:rPr lang="en-US" altLang="zh-CN" i="1">
+                          <a:latin typeface="Cambria Math" panose="02040503050406030204" pitchFamily="18" charset="0"/>
+                          <a:ea typeface="等线" panose="02010600030101010101" pitchFamily="2" charset="-122"/>
+                          <a:cs typeface="Times New Roman" panose="02020603050405020304" pitchFamily="18" charset="0"/>
+                        </a:rPr>
+                        <m:t> :</m:t>
+                      </m:r>
+                      <m:r>
+                        <a:rPr lang="en-US" altLang="zh-CN" i="1">
+                          <a:latin typeface="Cambria Math" panose="02040503050406030204" pitchFamily="18" charset="0"/>
+                          <a:ea typeface="等线" panose="02010600030101010101" pitchFamily="2" charset="-122"/>
+                          <a:cs typeface="Times New Roman" panose="02020603050405020304" pitchFamily="18" charset="0"/>
+                        </a:rPr>
+                        <m:t>𝑍</m:t>
+                      </m:r>
+                      <m:r>
+                        <a:rPr lang="en-US" altLang="zh-CN" i="1">
+                          <a:latin typeface="Cambria Math" panose="02040503050406030204" pitchFamily="18" charset="0"/>
+                          <a:ea typeface="等线" panose="02010600030101010101" pitchFamily="2" charset="-122"/>
+                          <a:cs typeface="Times New Roman" panose="02020603050405020304" pitchFamily="18" charset="0"/>
+                        </a:rPr>
+                        <m:t> </m:t>
+                      </m:r>
+                      <m:r>
+                        <a:rPr lang="en-US" altLang="zh-CN" i="1">
+                          <a:latin typeface="Cambria Math" panose="02040503050406030204" pitchFamily="18" charset="0"/>
+                          <a:ea typeface="等线" panose="02010600030101010101" pitchFamily="2" charset="-122"/>
+                          <a:cs typeface="Times New Roman" panose="02020603050405020304" pitchFamily="18" charset="0"/>
+                        </a:rPr>
+                        <m:t>𝑑𝑒𝑐𝑎𝑦</m:t>
+                      </m:r>
+                    </m:oMath>
+                  </m:oMathPara>
+                </a14:m>
+                <a:endParaRPr lang="zh-CN" altLang="en-US" dirty="0"/>
+              </a:p>
+            </p:txBody>
+          </p:sp>
+        </mc:Choice>
+        <mc:Fallback>
+          <p:sp>
+            <p:nvSpPr>
+              <p:cNvPr id="7" name="Rechteck 6">
+                <a:extLst>
+                  <a:ext uri="{FF2B5EF4-FFF2-40B4-BE49-F238E27FC236}">
+                    <a16:creationId xmlns:a16="http://schemas.microsoft.com/office/drawing/2014/main" id="{F473332D-9454-4B08-AB1B-2FE8061A556D}"/>
+                  </a:ext>
+                </a:extLst>
+              </p:cNvPr>
+              <p:cNvSpPr>
+                <a:spLocks noRot="1" noChangeAspect="1" noMove="1" noResize="1" noEditPoints="1" noAdjustHandles="1" noChangeArrowheads="1" noChangeShapeType="1" noTextEdit="1"/>
+              </p:cNvSpPr>
+              <p:nvPr/>
+            </p:nvSpPr>
+            <p:spPr>
+              <a:xfrm>
+                <a:off x="2057400" y="4578017"/>
+                <a:ext cx="4572000" cy="1820114"/>
+              </a:xfrm>
+              <a:prstGeom prst="rect">
+                <a:avLst/>
+              </a:prstGeom>
+              <a:blipFill>
+                <a:blip r:embed="rId3"/>
+                <a:stretch>
+                  <a:fillRect r="-1067" b="-1672"/>
+                </a:stretch>
+              </a:blipFill>
+            </p:spPr>
+            <p:txBody>
+              <a:bodyPr/>
+              <a:lstStyle/>
+              <a:p>
+                <a:r>
+                  <a:rPr lang="zh-CN" altLang="en-US">
+                    <a:noFill/>
+                  </a:rPr>
+                  <a:t> </a:t>
+                </a:r>
+              </a:p>
+            </p:txBody>
+          </p:sp>
+        </mc:Fallback>
+      </mc:AlternateContent>
     </p:spTree>
     <p:extLst>
       <p:ext uri="{BB962C8B-B14F-4D97-AF65-F5344CB8AC3E}">
-        <p14:creationId xmlns:p14="http://schemas.microsoft.com/office/powerpoint/2010/main" val="2415527801"/>
+        <p14:creationId xmlns:p14="http://schemas.microsoft.com/office/powerpoint/2010/main" val="2248976409"/>
       </p:ext>
     </p:extLst>
   </p:cSld>
   <p:clrMapOvr>
     <a:masterClrMapping/>
   </p:clrMapOvr>
+  <mc:AlternateContent xmlns:mc="http://schemas.openxmlformats.org/markup-compatibility/2006">
+    <mc:Choice xmlns:p14="http://schemas.microsoft.com/office/powerpoint/2010/main" Requires="p14">
+      <p:transition spd="slow" p14:dur="12000"/>
+    </mc:Choice>
+    <mc:Fallback>
+      <p:transition spd="slow"/>
+    </mc:Fallback>
+  </mc:AlternateContent>
 </p:sld>
 </file>
 
@@ -3162,105 +8327,411 @@
         </p:nvSpPr>
         <p:spPr>
           <a:xfrm>
-            <a:off x="372110" y="361731"/>
-            <a:ext cx="8399779" cy="984885"/>
+            <a:off x="477253" y="777120"/>
+            <a:ext cx="3997693" cy="492443"/>
           </a:xfrm>
         </p:spPr>
         <p:txBody>
           <a:bodyPr/>
           <a:lstStyle/>
           <a:p>
-            <a:r>
-              <a:rPr lang="de-DE" altLang="zh-CN" dirty="0" err="1"/>
-              <a:t>Incoherent</a:t>
-            </a:r>
+            <a:pPr algn="ctr"/>
             <a:r>
               <a:rPr lang="de-DE" altLang="zh-CN" dirty="0"/>
-              <a:t> Type 1 and 4 AND</a:t>
-            </a:r>
-            <a:br>
-              <a:rPr lang="de-DE" altLang="zh-CN" dirty="0"/>
-            </a:br>
-            <a:r>
-              <a:rPr lang="de-DE" altLang="zh-CN" dirty="0" err="1"/>
-              <a:t>Sy</a:t>
-            </a:r>
-            <a:r>
-              <a:rPr lang="en-GB" altLang="zh-CN" dirty="0"/>
-              <a:t>=1 vs. </a:t>
-            </a:r>
-            <a:r>
-              <a:rPr lang="en-GB" altLang="zh-CN" dirty="0" err="1"/>
-              <a:t>Sy</a:t>
-            </a:r>
-            <a:r>
-              <a:rPr lang="en-GB" altLang="zh-CN" dirty="0"/>
-              <a:t>=0</a:t>
+              <a:t>Coherent FFL</a:t>
             </a:r>
             <a:endParaRPr lang="zh-CN" altLang="en-US" dirty="0"/>
           </a:p>
         </p:txBody>
       </p:sp>
-      <p:sp>
-        <p:nvSpPr>
-          <p:cNvPr id="3" name="Inhaltsplatzhalter 2">
+      <p:pic>
+        <p:nvPicPr>
+          <p:cNvPr id="9" name="Inhaltsplatzhalter 8">
             <a:extLst>
               <a:ext uri="{FF2B5EF4-FFF2-40B4-BE49-F238E27FC236}">
-                <a16:creationId xmlns:a16="http://schemas.microsoft.com/office/drawing/2014/main" id="{F098EB45-66BA-439D-B5A7-43CB06FD99E8}"/>
+                <a16:creationId xmlns:a16="http://schemas.microsoft.com/office/drawing/2014/main" id="{2C69CF95-8F7D-4A16-8C4A-03E7CADF9F25}"/>
               </a:ext>
             </a:extLst>
           </p:cNvPr>
-          <p:cNvSpPr>
-            <a:spLocks noGrp="1"/>
-          </p:cNvSpPr>
-          <p:nvPr>
-            <p:ph sz="half" idx="2"/>
-          </p:nvPr>
-        </p:nvSpPr>
-        <p:spPr/>
-        <p:txBody>
-          <a:bodyPr/>
-          <a:lstStyle/>
-          <a:p>
-            <a:endParaRPr lang="zh-CN" altLang="en-US"/>
-          </a:p>
-        </p:txBody>
-      </p:sp>
-      <p:sp>
-        <p:nvSpPr>
-          <p:cNvPr id="4" name="Inhaltsplatzhalter 3">
-            <a:extLst>
-              <a:ext uri="{FF2B5EF4-FFF2-40B4-BE49-F238E27FC236}">
-                <a16:creationId xmlns:a16="http://schemas.microsoft.com/office/drawing/2014/main" id="{F39312C1-19AE-4649-AA7D-03F9BE4A9B23}"/>
-              </a:ext>
-            </a:extLst>
-          </p:cNvPr>
-          <p:cNvSpPr>
-            <a:spLocks noGrp="1"/>
-          </p:cNvSpPr>
+          <p:cNvPicPr>
+            <a:picLocks noGrp="1" noChangeAspect="1"/>
+          </p:cNvPicPr>
           <p:nvPr>
             <p:ph sz="half" idx="3"/>
           </p:nvPr>
+        </p:nvPicPr>
+        <p:blipFill>
+          <a:blip r:embed="rId2" cstate="print">
+            <a:extLst>
+              <a:ext uri="{28A0092B-C50C-407E-A947-70E740481C1C}">
+                <a14:useLocalDpi xmlns:a14="http://schemas.microsoft.com/office/drawing/2010/main" val="0"/>
+              </a:ext>
+            </a:extLst>
+          </a:blip>
+          <a:stretch>
+            <a:fillRect/>
+          </a:stretch>
+        </p:blipFill>
+        <p:spPr>
+          <a:xfrm>
+            <a:off x="6491360" y="2667000"/>
+            <a:ext cx="139554" cy="276225"/>
+          </a:xfrm>
+        </p:spPr>
+      </p:pic>
+      <mc:AlternateContent xmlns:mc="http://schemas.openxmlformats.org/markup-compatibility/2006">
+        <mc:Choice xmlns:a14="http://schemas.microsoft.com/office/drawing/2010/main" Requires="a14">
+          <p:sp>
+            <p:nvSpPr>
+              <p:cNvPr id="14" name="Rechteck 13">
+                <a:extLst>
+                  <a:ext uri="{FF2B5EF4-FFF2-40B4-BE49-F238E27FC236}">
+                    <a16:creationId xmlns:a16="http://schemas.microsoft.com/office/drawing/2014/main" id="{1E4D6585-EB3E-4D47-A4C2-7BA0B7699D1C}"/>
+                  </a:ext>
+                </a:extLst>
+              </p:cNvPr>
+              <p:cNvSpPr/>
+              <p:nvPr/>
+            </p:nvSpPr>
+            <p:spPr>
+              <a:xfrm>
+                <a:off x="464001" y="5257800"/>
+                <a:ext cx="7532768" cy="668260"/>
+              </a:xfrm>
+              <a:prstGeom prst="rect">
+                <a:avLst/>
+              </a:prstGeom>
+            </p:spPr>
+            <p:txBody>
+              <a:bodyPr wrap="none">
+                <a:spAutoFit/>
+              </a:bodyPr>
+              <a:lstStyle/>
+              <a:p>
+                <a:r>
+                  <a:rPr lang="en-GB" altLang="zh-CN" dirty="0">
+                    <a:solidFill>
+                      <a:srgbClr val="002060"/>
+                    </a:solidFill>
+                    <a:sym typeface="Wingdings" panose="05000000000000000000" pitchFamily="2" charset="2"/>
+                  </a:rPr>
+                  <a:t></a:t>
+                </a:r>
+                <a:r>
+                  <a:rPr lang="en-GB" altLang="zh-CN" dirty="0">
+                    <a:solidFill>
+                      <a:srgbClr val="002060"/>
+                    </a:solidFill>
+                  </a:rPr>
+                  <a:t>Type 1 &amp; 2 responds strongly to both </a:t>
+                </a:r>
+                <a14:m>
+                  <m:oMath xmlns:m="http://schemas.openxmlformats.org/officeDocument/2006/math">
+                    <m:sSub>
+                      <m:sSubPr>
+                        <m:ctrlPr>
+                          <a:rPr lang="zh-CN" altLang="zh-CN" i="1">
+                            <a:solidFill>
+                              <a:srgbClr val="002060"/>
+                            </a:solidFill>
+                            <a:latin typeface="Cambria Math" panose="02040503050406030204" pitchFamily="18" charset="0"/>
+                            <a:ea typeface="Cambria Math" panose="02040503050406030204" pitchFamily="18" charset="0"/>
+                          </a:rPr>
+                        </m:ctrlPr>
+                      </m:sSubPr>
+                      <m:e>
+                        <m:r>
+                          <a:rPr lang="en-US" altLang="zh-CN" i="1">
+                            <a:solidFill>
+                              <a:srgbClr val="002060"/>
+                            </a:solidFill>
+                            <a:latin typeface="Cambria Math" panose="02040503050406030204" pitchFamily="18" charset="0"/>
+                            <a:ea typeface="等线" panose="02010600030101010101" pitchFamily="2" charset="-122"/>
+                            <a:cs typeface="Times New Roman" panose="02020603050405020304" pitchFamily="18" charset="0"/>
+                          </a:rPr>
+                          <m:t>𝑆</m:t>
+                        </m:r>
+                      </m:e>
+                      <m:sub>
+                        <m:r>
+                          <a:rPr lang="en-US" altLang="zh-CN" i="1">
+                            <a:solidFill>
+                              <a:srgbClr val="002060"/>
+                            </a:solidFill>
+                            <a:latin typeface="Cambria Math" panose="02040503050406030204" pitchFamily="18" charset="0"/>
+                            <a:ea typeface="等线" panose="02010600030101010101" pitchFamily="2" charset="-122"/>
+                            <a:cs typeface="Times New Roman" panose="02020603050405020304" pitchFamily="18" charset="0"/>
+                          </a:rPr>
+                          <m:t>𝑥</m:t>
+                        </m:r>
+                      </m:sub>
+                    </m:sSub>
+                  </m:oMath>
+                </a14:m>
+                <a:r>
+                  <a:rPr lang="en-GB" altLang="zh-CN" dirty="0">
+                    <a:solidFill>
+                      <a:srgbClr val="002060"/>
+                    </a:solidFill>
+                  </a:rPr>
+                  <a:t> and </a:t>
+                </a:r>
+                <a14:m>
+                  <m:oMath xmlns:m="http://schemas.openxmlformats.org/officeDocument/2006/math">
+                    <m:sSub>
+                      <m:sSubPr>
+                        <m:ctrlPr>
+                          <a:rPr lang="zh-CN" altLang="zh-CN" i="1">
+                            <a:solidFill>
+                              <a:srgbClr val="002060"/>
+                            </a:solidFill>
+                            <a:latin typeface="Cambria Math" panose="02040503050406030204" pitchFamily="18" charset="0"/>
+                            <a:ea typeface="Cambria Math" panose="02040503050406030204" pitchFamily="18" charset="0"/>
+                          </a:rPr>
+                        </m:ctrlPr>
+                      </m:sSubPr>
+                      <m:e>
+                        <m:r>
+                          <a:rPr lang="en-US" altLang="zh-CN" i="1">
+                            <a:solidFill>
+                              <a:srgbClr val="002060"/>
+                            </a:solidFill>
+                            <a:latin typeface="Cambria Math" panose="02040503050406030204" pitchFamily="18" charset="0"/>
+                            <a:ea typeface="等线" panose="02010600030101010101" pitchFamily="2" charset="-122"/>
+                            <a:cs typeface="Times New Roman" panose="02020603050405020304" pitchFamily="18" charset="0"/>
+                          </a:rPr>
+                          <m:t>𝑆</m:t>
+                        </m:r>
+                      </m:e>
+                      <m:sub>
+                        <m:r>
+                          <a:rPr lang="en-GB" altLang="zh-CN" b="0" i="1" smtClean="0">
+                            <a:solidFill>
+                              <a:srgbClr val="002060"/>
+                            </a:solidFill>
+                            <a:latin typeface="Cambria Math" panose="02040503050406030204" pitchFamily="18" charset="0"/>
+                            <a:ea typeface="等线" panose="02010600030101010101" pitchFamily="2" charset="-122"/>
+                            <a:cs typeface="Times New Roman" panose="02020603050405020304" pitchFamily="18" charset="0"/>
+                          </a:rPr>
+                          <m:t>𝑦</m:t>
+                        </m:r>
+                      </m:sub>
+                    </m:sSub>
+                  </m:oMath>
+                </a14:m>
+                <a:r>
+                  <a:rPr lang="en-GB" altLang="zh-CN" dirty="0">
+                    <a:solidFill>
+                      <a:srgbClr val="002060"/>
+                    </a:solidFill>
+                  </a:rPr>
+                  <a:t> inputs, type 3 &amp; 4 only to </a:t>
+                </a:r>
+                <a14:m>
+                  <m:oMath xmlns:m="http://schemas.openxmlformats.org/officeDocument/2006/math">
+                    <m:sSub>
+                      <m:sSubPr>
+                        <m:ctrlPr>
+                          <a:rPr lang="zh-CN" altLang="zh-CN" i="1">
+                            <a:solidFill>
+                              <a:srgbClr val="002060"/>
+                            </a:solidFill>
+                            <a:latin typeface="Cambria Math" panose="02040503050406030204" pitchFamily="18" charset="0"/>
+                            <a:ea typeface="Cambria Math" panose="02040503050406030204" pitchFamily="18" charset="0"/>
+                          </a:rPr>
+                        </m:ctrlPr>
+                      </m:sSubPr>
+                      <m:e>
+                        <m:r>
+                          <a:rPr lang="en-US" altLang="zh-CN" i="1">
+                            <a:solidFill>
+                              <a:srgbClr val="002060"/>
+                            </a:solidFill>
+                            <a:latin typeface="Cambria Math" panose="02040503050406030204" pitchFamily="18" charset="0"/>
+                            <a:ea typeface="等线" panose="02010600030101010101" pitchFamily="2" charset="-122"/>
+                            <a:cs typeface="Times New Roman" panose="02020603050405020304" pitchFamily="18" charset="0"/>
+                          </a:rPr>
+                          <m:t>𝑆</m:t>
+                        </m:r>
+                      </m:e>
+                      <m:sub>
+                        <m:r>
+                          <a:rPr lang="en-US" altLang="zh-CN" i="1">
+                            <a:solidFill>
+                              <a:srgbClr val="002060"/>
+                            </a:solidFill>
+                            <a:latin typeface="Cambria Math" panose="02040503050406030204" pitchFamily="18" charset="0"/>
+                            <a:ea typeface="等线" panose="02010600030101010101" pitchFamily="2" charset="-122"/>
+                            <a:cs typeface="Times New Roman" panose="02020603050405020304" pitchFamily="18" charset="0"/>
+                          </a:rPr>
+                          <m:t>𝑥</m:t>
+                        </m:r>
+                      </m:sub>
+                    </m:sSub>
+                  </m:oMath>
+                </a14:m>
+                <a:endParaRPr lang="en-GB" altLang="zh-CN" dirty="0">
+                  <a:solidFill>
+                    <a:srgbClr val="002060"/>
+                  </a:solidFill>
+                </a:endParaRPr>
+              </a:p>
+              <a:p>
+                <a:r>
+                  <a:rPr lang="en-GB" altLang="zh-CN" dirty="0">
+                    <a:solidFill>
+                      <a:srgbClr val="002060"/>
+                    </a:solidFill>
+                    <a:sym typeface="Wingdings" panose="05000000000000000000" pitchFamily="2" charset="2"/>
+                  </a:rPr>
+                  <a:t>Type 2 and 3 have inverted behaviour </a:t>
+                </a:r>
+                <a:endParaRPr lang="zh-CN" altLang="en-US" dirty="0">
+                  <a:solidFill>
+                    <a:srgbClr val="002060"/>
+                  </a:solidFill>
+                </a:endParaRPr>
+              </a:p>
+            </p:txBody>
+          </p:sp>
+        </mc:Choice>
+        <mc:Fallback>
+          <p:sp>
+            <p:nvSpPr>
+              <p:cNvPr id="14" name="Rechteck 13">
+                <a:extLst>
+                  <a:ext uri="{FF2B5EF4-FFF2-40B4-BE49-F238E27FC236}">
+                    <a16:creationId xmlns:a16="http://schemas.microsoft.com/office/drawing/2014/main" id="{1E4D6585-EB3E-4D47-A4C2-7BA0B7699D1C}"/>
+                  </a:ext>
+                </a:extLst>
+              </p:cNvPr>
+              <p:cNvSpPr>
+                <a:spLocks noRot="1" noChangeAspect="1" noMove="1" noResize="1" noEditPoints="1" noAdjustHandles="1" noChangeArrowheads="1" noChangeShapeType="1" noTextEdit="1"/>
+              </p:cNvSpPr>
+              <p:nvPr/>
+            </p:nvSpPr>
+            <p:spPr>
+              <a:xfrm>
+                <a:off x="464001" y="5257800"/>
+                <a:ext cx="7532768" cy="668260"/>
+              </a:xfrm>
+              <a:prstGeom prst="rect">
+                <a:avLst/>
+              </a:prstGeom>
+              <a:blipFill>
+                <a:blip r:embed="rId3"/>
+                <a:stretch>
+                  <a:fillRect l="-647" t="-5505" b="-13761"/>
+                </a:stretch>
+              </a:blipFill>
+            </p:spPr>
+            <p:txBody>
+              <a:bodyPr/>
+              <a:lstStyle/>
+              <a:p>
+                <a:r>
+                  <a:rPr lang="zh-CN" altLang="en-US">
+                    <a:noFill/>
+                  </a:rPr>
+                  <a:t> </a:t>
+                </a:r>
+              </a:p>
+            </p:txBody>
+          </p:sp>
+        </mc:Fallback>
+      </mc:AlternateContent>
+      <p:pic>
+        <p:nvPicPr>
+          <p:cNvPr id="16" name="Grafik 15">
+            <a:extLst>
+              <a:ext uri="{FF2B5EF4-FFF2-40B4-BE49-F238E27FC236}">
+                <a16:creationId xmlns:a16="http://schemas.microsoft.com/office/drawing/2014/main" id="{C1B062C3-C5E5-45B1-BC72-A5A04271316C}"/>
+              </a:ext>
+            </a:extLst>
+          </p:cNvPr>
+          <p:cNvPicPr>
+            <a:picLocks noChangeAspect="1"/>
+          </p:cNvPicPr>
+          <p:nvPr/>
+        </p:nvPicPr>
+        <p:blipFill>
+          <a:blip r:embed="rId4">
+            <a:extLst>
+              <a:ext uri="{28A0092B-C50C-407E-A947-70E740481C1C}">
+                <a14:useLocalDpi xmlns:a14="http://schemas.microsoft.com/office/drawing/2010/main" val="0"/>
+              </a:ext>
+            </a:extLst>
+          </a:blip>
+          <a:stretch>
+            <a:fillRect/>
+          </a:stretch>
+        </p:blipFill>
+        <p:spPr>
+          <a:xfrm>
+            <a:off x="609600" y="1631144"/>
+            <a:ext cx="7924800" cy="3458568"/>
+          </a:xfrm>
+          <a:prstGeom prst="rect">
+            <a:avLst/>
+          </a:prstGeom>
+        </p:spPr>
+      </p:pic>
+      <p:sp>
+        <p:nvSpPr>
+          <p:cNvPr id="17" name="Textfeld 16">
+            <a:extLst>
+              <a:ext uri="{FF2B5EF4-FFF2-40B4-BE49-F238E27FC236}">
+                <a16:creationId xmlns:a16="http://schemas.microsoft.com/office/drawing/2014/main" id="{85C497A3-4998-477D-8C90-7BE8F678E489}"/>
+              </a:ext>
+            </a:extLst>
+          </p:cNvPr>
+          <p:cNvSpPr txBox="1"/>
+          <p:nvPr/>
         </p:nvSpPr>
-        <p:spPr/>
+        <p:spPr>
+          <a:xfrm>
+            <a:off x="477428" y="6462164"/>
+            <a:ext cx="4876946" cy="369332"/>
+          </a:xfrm>
+          <a:prstGeom prst="rect">
+            <a:avLst/>
+          </a:prstGeom>
+          <a:noFill/>
+        </p:spPr>
         <p:txBody>
-          <a:bodyPr/>
+          <a:bodyPr wrap="square" rtlCol="0">
+            <a:spAutoFit/>
+          </a:bodyPr>
           <a:lstStyle/>
           <a:p>
-            <a:endParaRPr lang="zh-CN" altLang="en-US"/>
+            <a:r>
+              <a:rPr lang="en-US" altLang="zh-CN" sz="800" dirty="0"/>
+              <a:t>Table 1: Mangan, Alon: Structure and function of the feed-forward loop network motif</a:t>
+            </a:r>
+          </a:p>
+          <a:p>
+            <a:endParaRPr lang="de-DE" sz="1000" dirty="0"/>
           </a:p>
         </p:txBody>
       </p:sp>
     </p:spTree>
     <p:extLst>
       <p:ext uri="{BB962C8B-B14F-4D97-AF65-F5344CB8AC3E}">
-        <p14:creationId xmlns:p14="http://schemas.microsoft.com/office/powerpoint/2010/main" val="619383407"/>
+        <p14:creationId xmlns:p14="http://schemas.microsoft.com/office/powerpoint/2010/main" val="3282333977"/>
       </p:ext>
     </p:extLst>
   </p:cSld>
   <p:clrMapOvr>
     <a:masterClrMapping/>
   </p:clrMapOvr>
+  <mc:AlternateContent xmlns:mc="http://schemas.openxmlformats.org/markup-compatibility/2006">
+    <mc:Choice xmlns:p14="http://schemas.microsoft.com/office/powerpoint/2010/main" Requires="p14">
+      <p:transition spd="slow" p14:dur="12000"/>
+    </mc:Choice>
+    <mc:Fallback>
+      <p:transition spd="slow"/>
+    </mc:Fallback>
+  </mc:AlternateContent>
 </p:sld>
 </file>
 
@@ -3286,7 +8757,7 @@
           <p:cNvPr id="2" name="Titel 1">
             <a:extLst>
               <a:ext uri="{FF2B5EF4-FFF2-40B4-BE49-F238E27FC236}">
-                <a16:creationId xmlns:a16="http://schemas.microsoft.com/office/drawing/2014/main" id="{CC47116D-C6F7-4CE8-B67C-B55E60B3D5C7}"/>
+                <a16:creationId xmlns:a16="http://schemas.microsoft.com/office/drawing/2014/main" id="{3D27EA34-08B5-4911-8376-C40FDD3244B1}"/>
               </a:ext>
             </a:extLst>
           </p:cNvPr>
@@ -3299,61 +8770,510 @@
         </p:nvSpPr>
         <p:spPr>
           <a:xfrm>
-            <a:off x="372110" y="361731"/>
-            <a:ext cx="8399779" cy="492443"/>
+            <a:off x="477253" y="777120"/>
+            <a:ext cx="3997693" cy="984885"/>
           </a:xfrm>
         </p:spPr>
         <p:txBody>
           <a:bodyPr/>
           <a:lstStyle/>
           <a:p>
-            <a:r>
+            <a:pPr algn="ctr"/>
+            <a:r>
+              <a:rPr lang="de-DE" altLang="zh-CN" dirty="0">
+                <a:solidFill>
+                  <a:schemeClr val="tx1">
+                    <a:lumMod val="50000"/>
+                    <a:lumOff val="50000"/>
+                  </a:schemeClr>
+                </a:solidFill>
+              </a:rPr>
+              <a:t>Coherent Type 1</a:t>
+            </a:r>
+            <a:br>
               <a:rPr lang="de-DE" altLang="zh-CN" dirty="0"/>
-              <a:t>Basal Y </a:t>
-            </a:r>
-            <a:r>
-              <a:rPr lang="de-DE" altLang="zh-CN" dirty="0" err="1"/>
-              <a:t>activity</a:t>
-            </a:r>
+            </a:br>
             <a:endParaRPr lang="zh-CN" altLang="en-US" dirty="0"/>
           </a:p>
         </p:txBody>
       </p:sp>
+      <p:pic>
+        <p:nvPicPr>
+          <p:cNvPr id="9" name="Inhaltsplatzhalter 8">
+            <a:extLst>
+              <a:ext uri="{FF2B5EF4-FFF2-40B4-BE49-F238E27FC236}">
+                <a16:creationId xmlns:a16="http://schemas.microsoft.com/office/drawing/2014/main" id="{2C69CF95-8F7D-4A16-8C4A-03E7CADF9F25}"/>
+              </a:ext>
+            </a:extLst>
+          </p:cNvPr>
+          <p:cNvPicPr>
+            <a:picLocks noGrp="1" noChangeAspect="1"/>
+          </p:cNvPicPr>
+          <p:nvPr>
+            <p:ph sz="half" idx="3"/>
+          </p:nvPr>
+        </p:nvPicPr>
+        <p:blipFill>
+          <a:blip r:embed="rId3" cstate="print">
+            <a:extLst>
+              <a:ext uri="{28A0092B-C50C-407E-A947-70E740481C1C}">
+                <a14:useLocalDpi xmlns:a14="http://schemas.microsoft.com/office/drawing/2010/main" val="0"/>
+              </a:ext>
+            </a:extLst>
+          </a:blip>
+          <a:stretch>
+            <a:fillRect/>
+          </a:stretch>
+        </p:blipFill>
+        <p:spPr>
+          <a:xfrm>
+            <a:off x="6491360" y="2667000"/>
+            <a:ext cx="139554" cy="276225"/>
+          </a:xfrm>
+        </p:spPr>
+      </p:pic>
       <p:sp>
         <p:nvSpPr>
-          <p:cNvPr id="3" name="Textplatzhalter 2">
+          <p:cNvPr id="5" name="Rechteck 4">
             <a:extLst>
               <a:ext uri="{FF2B5EF4-FFF2-40B4-BE49-F238E27FC236}">
-                <a16:creationId xmlns:a16="http://schemas.microsoft.com/office/drawing/2014/main" id="{C655B9FF-5C92-47F9-9234-04D3F308E6C2}"/>
+                <a16:creationId xmlns:a16="http://schemas.microsoft.com/office/drawing/2014/main" id="{A1C21F27-5D1C-4FD3-8D07-22AD895445F1}"/>
               </a:ext>
             </a:extLst>
           </p:cNvPr>
-          <p:cNvSpPr>
-            <a:spLocks noGrp="1"/>
-          </p:cNvSpPr>
-          <p:nvPr>
-            <p:ph type="body" idx="1"/>
-          </p:nvPr>
+          <p:cNvSpPr/>
+          <p:nvPr/>
         </p:nvSpPr>
-        <p:spPr/>
+        <p:spPr>
+          <a:xfrm>
+            <a:off x="4114800" y="745718"/>
+            <a:ext cx="4572000" cy="584775"/>
+          </a:xfrm>
+          <a:prstGeom prst="rect">
+            <a:avLst/>
+          </a:prstGeom>
+        </p:spPr>
         <p:txBody>
-          <a:bodyPr/>
+          <a:bodyPr>
+            <a:spAutoFit/>
+          </a:bodyPr>
           <a:lstStyle/>
           <a:p>
-            <a:endParaRPr lang="zh-CN" altLang="en-US"/>
+            <a:pPr marL="0" marR="0" lvl="0" indent="0" algn="ctr" defTabSz="914400" rtl="0" eaLnBrk="1" fontAlgn="auto" latinLnBrk="0" hangingPunct="1">
+              <a:lnSpc>
+                <a:spcPct val="100000"/>
+              </a:lnSpc>
+              <a:spcBef>
+                <a:spcPts val="0"/>
+              </a:spcBef>
+              <a:spcAft>
+                <a:spcPts val="0"/>
+              </a:spcAft>
+              <a:buClrTx/>
+              <a:buSzTx/>
+              <a:buFontTx/>
+              <a:buNone/>
+              <a:tabLst/>
+              <a:defRPr/>
+            </a:pPr>
+            <a:r>
+              <a:rPr kumimoji="0" lang="de-DE" altLang="zh-CN" sz="3200" b="0" i="0" u="none" strike="noStrike" kern="0" cap="none" spc="0" normalizeH="0" baseline="0" noProof="0" dirty="0">
+                <a:ln>
+                  <a:noFill/>
+                </a:ln>
+                <a:solidFill>
+                  <a:schemeClr val="tx1">
+                    <a:lumMod val="50000"/>
+                    <a:lumOff val="50000"/>
+                  </a:schemeClr>
+                </a:solidFill>
+                <a:effectLst/>
+                <a:uLnTx/>
+                <a:uFillTx/>
+                <a:latin typeface="DejaVu Sans"/>
+                <a:ea typeface="宋体" panose="02010600030101010101" pitchFamily="2" charset="-122"/>
+                <a:cs typeface="+mn-cs"/>
+              </a:rPr>
+              <a:t>Coherent Type 4</a:t>
+            </a:r>
+            <a:endParaRPr kumimoji="0" lang="zh-CN" altLang="en-US" sz="1800" b="0" i="0" u="none" strike="noStrike" kern="1200" cap="none" spc="0" normalizeH="0" baseline="0" noProof="0" dirty="0">
+              <a:ln>
+                <a:noFill/>
+              </a:ln>
+              <a:solidFill>
+                <a:schemeClr val="tx1">
+                  <a:lumMod val="50000"/>
+                  <a:lumOff val="50000"/>
+                </a:schemeClr>
+              </a:solidFill>
+              <a:effectLst/>
+              <a:uLnTx/>
+              <a:uFillTx/>
+              <a:latin typeface="Calibri"/>
+              <a:ea typeface="宋体" panose="02010600030101010101" pitchFamily="2" charset="-122"/>
+              <a:cs typeface="+mn-cs"/>
+            </a:endParaRPr>
           </a:p>
         </p:txBody>
       </p:sp>
+      <p:pic>
+        <p:nvPicPr>
+          <p:cNvPr id="8" name="Grafik 7">
+            <a:extLst>
+              <a:ext uri="{FF2B5EF4-FFF2-40B4-BE49-F238E27FC236}">
+                <a16:creationId xmlns:a16="http://schemas.microsoft.com/office/drawing/2014/main" id="{026BA2FC-AE82-45EE-B9F4-3DDC1149B126}"/>
+              </a:ext>
+            </a:extLst>
+          </p:cNvPr>
+          <p:cNvPicPr>
+            <a:picLocks noChangeAspect="1"/>
+          </p:cNvPicPr>
+          <p:nvPr/>
+        </p:nvPicPr>
+        <p:blipFill>
+          <a:blip r:embed="rId4">
+            <a:extLst>
+              <a:ext uri="{28A0092B-C50C-407E-A947-70E740481C1C}">
+                <a14:useLocalDpi xmlns:a14="http://schemas.microsoft.com/office/drawing/2010/main" val="0"/>
+              </a:ext>
+            </a:extLst>
+          </a:blip>
+          <a:stretch>
+            <a:fillRect/>
+          </a:stretch>
+        </p:blipFill>
+        <p:spPr>
+          <a:xfrm>
+            <a:off x="316099" y="2511040"/>
+            <a:ext cx="4320000" cy="2880000"/>
+          </a:xfrm>
+          <a:prstGeom prst="rect">
+            <a:avLst/>
+          </a:prstGeom>
+        </p:spPr>
+      </p:pic>
+      <p:pic>
+        <p:nvPicPr>
+          <p:cNvPr id="12" name="Grafik 11">
+            <a:extLst>
+              <a:ext uri="{FF2B5EF4-FFF2-40B4-BE49-F238E27FC236}">
+                <a16:creationId xmlns:a16="http://schemas.microsoft.com/office/drawing/2014/main" id="{F265BC6E-C0FE-4D9D-9DBE-FA43D9179C92}"/>
+              </a:ext>
+            </a:extLst>
+          </p:cNvPr>
+          <p:cNvPicPr>
+            <a:picLocks noChangeAspect="1"/>
+          </p:cNvPicPr>
+          <p:nvPr/>
+        </p:nvPicPr>
+        <p:blipFill>
+          <a:blip r:embed="rId5">
+            <a:extLst>
+              <a:ext uri="{28A0092B-C50C-407E-A947-70E740481C1C}">
+                <a14:useLocalDpi xmlns:a14="http://schemas.microsoft.com/office/drawing/2010/main" val="0"/>
+              </a:ext>
+            </a:extLst>
+          </a:blip>
+          <a:stretch>
+            <a:fillRect/>
+          </a:stretch>
+        </p:blipFill>
+        <p:spPr>
+          <a:xfrm>
+            <a:off x="4724400" y="2511040"/>
+            <a:ext cx="4304899" cy="2880000"/>
+          </a:xfrm>
+          <a:prstGeom prst="rect">
+            <a:avLst/>
+          </a:prstGeom>
+        </p:spPr>
+      </p:pic>
+      <p:pic>
+        <p:nvPicPr>
+          <p:cNvPr id="13" name="Grafik 12">
+            <a:extLst>
+              <a:ext uri="{FF2B5EF4-FFF2-40B4-BE49-F238E27FC236}">
+                <a16:creationId xmlns:a16="http://schemas.microsoft.com/office/drawing/2014/main" id="{D9F82D41-E883-4A06-8F44-89D03CF3BC03}"/>
+              </a:ext>
+            </a:extLst>
+          </p:cNvPr>
+          <p:cNvPicPr>
+            <a:picLocks noChangeAspect="1"/>
+          </p:cNvPicPr>
+          <p:nvPr/>
+        </p:nvPicPr>
+        <p:blipFill>
+          <a:blip r:embed="rId6">
+            <a:duotone>
+              <a:prstClr val="black"/>
+              <a:schemeClr val="accent2">
+                <a:tint val="45000"/>
+                <a:satMod val="400000"/>
+              </a:schemeClr>
+            </a:duotone>
+            <a:extLst>
+              <a:ext uri="{28A0092B-C50C-407E-A947-70E740481C1C}">
+                <a14:useLocalDpi xmlns:a14="http://schemas.microsoft.com/office/drawing/2010/main" val="0"/>
+              </a:ext>
+            </a:extLst>
+          </a:blip>
+          <a:stretch>
+            <a:fillRect/>
+          </a:stretch>
+        </p:blipFill>
+        <p:spPr>
+          <a:xfrm>
+            <a:off x="2040215" y="1334988"/>
+            <a:ext cx="670395" cy="1255812"/>
+          </a:xfrm>
+          <a:prstGeom prst="rect">
+            <a:avLst/>
+          </a:prstGeom>
+        </p:spPr>
+      </p:pic>
+      <p:pic>
+        <p:nvPicPr>
+          <p:cNvPr id="14" name="Grafik 13">
+            <a:extLst>
+              <a:ext uri="{FF2B5EF4-FFF2-40B4-BE49-F238E27FC236}">
+                <a16:creationId xmlns:a16="http://schemas.microsoft.com/office/drawing/2014/main" id="{D0AFFB24-A2A1-4BB2-91E8-5ECA38BE6C1C}"/>
+              </a:ext>
+            </a:extLst>
+          </p:cNvPr>
+          <p:cNvPicPr>
+            <a:picLocks noChangeAspect="1"/>
+          </p:cNvPicPr>
+          <p:nvPr/>
+        </p:nvPicPr>
+        <p:blipFill>
+          <a:blip r:embed="rId7">
+            <a:duotone>
+              <a:prstClr val="black"/>
+              <a:schemeClr val="accent2">
+                <a:tint val="45000"/>
+                <a:satMod val="400000"/>
+              </a:schemeClr>
+            </a:duotone>
+            <a:extLst>
+              <a:ext uri="{28A0092B-C50C-407E-A947-70E740481C1C}">
+                <a14:useLocalDpi xmlns:a14="http://schemas.microsoft.com/office/drawing/2010/main" val="0"/>
+              </a:ext>
+            </a:extLst>
+          </a:blip>
+          <a:stretch>
+            <a:fillRect/>
+          </a:stretch>
+        </p:blipFill>
+        <p:spPr>
+          <a:xfrm>
+            <a:off x="6400800" y="1343725"/>
+            <a:ext cx="699520" cy="1238338"/>
+          </a:xfrm>
+          <a:prstGeom prst="rect">
+            <a:avLst/>
+          </a:prstGeom>
+        </p:spPr>
+      </p:pic>
+      <mc:AlternateContent xmlns:mc="http://schemas.openxmlformats.org/markup-compatibility/2006">
+        <mc:Choice xmlns:a14="http://schemas.microsoft.com/office/drawing/2010/main" Requires="a14">
+          <p:sp>
+            <p:nvSpPr>
+              <p:cNvPr id="17" name="Textfeld 16">
+                <a:extLst>
+                  <a:ext uri="{FF2B5EF4-FFF2-40B4-BE49-F238E27FC236}">
+                    <a16:creationId xmlns:a16="http://schemas.microsoft.com/office/drawing/2014/main" id="{0462E2E4-DA12-43BE-8DB2-B2A5A26457C6}"/>
+                  </a:ext>
+                </a:extLst>
+              </p:cNvPr>
+              <p:cNvSpPr txBox="1"/>
+              <p:nvPr/>
+            </p:nvSpPr>
+            <p:spPr>
+              <a:xfrm>
+                <a:off x="477253" y="5475977"/>
+                <a:ext cx="7770653" cy="923330"/>
+              </a:xfrm>
+              <a:prstGeom prst="rect">
+                <a:avLst/>
+              </a:prstGeom>
+              <a:noFill/>
+            </p:spPr>
+            <p:txBody>
+              <a:bodyPr wrap="none" rtlCol="0">
+                <a:spAutoFit/>
+              </a:bodyPr>
+              <a:lstStyle/>
+              <a:p>
+                <a:r>
+                  <a:rPr lang="en-GB" altLang="zh-CN" dirty="0">
+                    <a:solidFill>
+                      <a:srgbClr val="002060"/>
+                    </a:solidFill>
+                    <a:sym typeface="Wingdings" panose="05000000000000000000" pitchFamily="2" charset="2"/>
+                  </a:rPr>
+                  <a:t></a:t>
+                </a:r>
+                <a:r>
+                  <a:rPr lang="en-GB" altLang="zh-CN" dirty="0">
+                    <a:solidFill>
+                      <a:srgbClr val="002060"/>
+                    </a:solidFill>
+                  </a:rPr>
+                  <a:t>Sign sensitive DELAY to on steps of </a:t>
+                </a:r>
+                <a14:m>
+                  <m:oMath xmlns:m="http://schemas.openxmlformats.org/officeDocument/2006/math">
+                    <m:sSub>
+                      <m:sSubPr>
+                        <m:ctrlPr>
+                          <a:rPr lang="zh-CN" altLang="zh-CN" i="1">
+                            <a:solidFill>
+                              <a:srgbClr val="002060"/>
+                            </a:solidFill>
+                            <a:latin typeface="Cambria Math" panose="02040503050406030204" pitchFamily="18" charset="0"/>
+                            <a:ea typeface="Cambria Math" panose="02040503050406030204" pitchFamily="18" charset="0"/>
+                          </a:rPr>
+                        </m:ctrlPr>
+                      </m:sSubPr>
+                      <m:e>
+                        <m:r>
+                          <a:rPr lang="en-US" altLang="zh-CN" i="1">
+                            <a:solidFill>
+                              <a:srgbClr val="002060"/>
+                            </a:solidFill>
+                            <a:latin typeface="Cambria Math" panose="02040503050406030204" pitchFamily="18" charset="0"/>
+                            <a:ea typeface="等线" panose="02010600030101010101" pitchFamily="2" charset="-122"/>
+                            <a:cs typeface="Times New Roman" panose="02020603050405020304" pitchFamily="18" charset="0"/>
+                          </a:rPr>
+                          <m:t>𝑆</m:t>
+                        </m:r>
+                      </m:e>
+                      <m:sub>
+                        <m:r>
+                          <a:rPr lang="en-US" altLang="zh-CN" i="1">
+                            <a:solidFill>
+                              <a:srgbClr val="002060"/>
+                            </a:solidFill>
+                            <a:latin typeface="Cambria Math" panose="02040503050406030204" pitchFamily="18" charset="0"/>
+                            <a:ea typeface="等线" panose="02010600030101010101" pitchFamily="2" charset="-122"/>
+                            <a:cs typeface="Times New Roman" panose="02020603050405020304" pitchFamily="18" charset="0"/>
+                          </a:rPr>
+                          <m:t>𝑥</m:t>
+                        </m:r>
+                      </m:sub>
+                    </m:sSub>
+                  </m:oMath>
+                </a14:m>
+                <a:r>
+                  <a:rPr lang="en-GB" altLang="zh-CN" dirty="0">
+                    <a:solidFill>
+                      <a:srgbClr val="002060"/>
+                    </a:solidFill>
+                  </a:rPr>
+                  <a:t> </a:t>
+                </a:r>
+              </a:p>
+              <a:p>
+                <a:r>
+                  <a:rPr lang="en-GB" altLang="zh-CN" dirty="0">
+                    <a:solidFill>
+                      <a:srgbClr val="002060"/>
+                    </a:solidFill>
+                    <a:sym typeface="Wingdings" panose="05000000000000000000" pitchFamily="2" charset="2"/>
+                  </a:rPr>
+                  <a:t>Type 1: </a:t>
+                </a:r>
+                <a:r>
+                  <a:rPr lang="en-GB" altLang="zh-CN" dirty="0">
+                    <a:solidFill>
+                      <a:srgbClr val="002060"/>
+                    </a:solidFill>
+                  </a:rPr>
+                  <a:t>Z expression begins only when activator Y builds up to a sufficient level</a:t>
+                </a:r>
+              </a:p>
+              <a:p>
+                <a:r>
+                  <a:rPr lang="en-GB" altLang="zh-CN" dirty="0">
+                    <a:solidFill>
+                      <a:srgbClr val="002060"/>
+                    </a:solidFill>
+                    <a:sym typeface="Wingdings" panose="05000000000000000000" pitchFamily="2" charset="2"/>
+                  </a:rPr>
+                  <a:t>Type 4: X directly activates Z but also represses Y-the repressor of Z</a:t>
+                </a:r>
+                <a:endParaRPr lang="zh-CN" altLang="en-US" dirty="0">
+                  <a:solidFill>
+                    <a:srgbClr val="002060"/>
+                  </a:solidFill>
+                </a:endParaRPr>
+              </a:p>
+            </p:txBody>
+          </p:sp>
+        </mc:Choice>
+        <mc:Fallback>
+          <p:sp>
+            <p:nvSpPr>
+              <p:cNvPr id="17" name="Textfeld 16">
+                <a:extLst>
+                  <a:ext uri="{FF2B5EF4-FFF2-40B4-BE49-F238E27FC236}">
+                    <a16:creationId xmlns:a16="http://schemas.microsoft.com/office/drawing/2014/main" id="{0462E2E4-DA12-43BE-8DB2-B2A5A26457C6}"/>
+                  </a:ext>
+                </a:extLst>
+              </p:cNvPr>
+              <p:cNvSpPr txBox="1">
+                <a:spLocks noRot="1" noChangeAspect="1" noMove="1" noResize="1" noEditPoints="1" noAdjustHandles="1" noChangeArrowheads="1" noChangeShapeType="1" noTextEdit="1"/>
+              </p:cNvSpPr>
+              <p:nvPr/>
+            </p:nvSpPr>
+            <p:spPr>
+              <a:xfrm>
+                <a:off x="477253" y="5475977"/>
+                <a:ext cx="7770653" cy="923330"/>
+              </a:xfrm>
+              <a:prstGeom prst="rect">
+                <a:avLst/>
+              </a:prstGeom>
+              <a:blipFill>
+                <a:blip r:embed="rId8"/>
+                <a:stretch>
+                  <a:fillRect l="-627" t="-3947" b="-9211"/>
+                </a:stretch>
+              </a:blipFill>
+            </p:spPr>
+            <p:txBody>
+              <a:bodyPr/>
+              <a:lstStyle/>
+              <a:p>
+                <a:r>
+                  <a:rPr lang="zh-CN" altLang="en-US">
+                    <a:noFill/>
+                  </a:rPr>
+                  <a:t> </a:t>
+                </a:r>
+              </a:p>
+            </p:txBody>
+          </p:sp>
+        </mc:Fallback>
+      </mc:AlternateContent>
     </p:spTree>
     <p:extLst>
       <p:ext uri="{BB962C8B-B14F-4D97-AF65-F5344CB8AC3E}">
-        <p14:creationId xmlns:p14="http://schemas.microsoft.com/office/powerpoint/2010/main" val="2759469152"/>
+        <p14:creationId xmlns:p14="http://schemas.microsoft.com/office/powerpoint/2010/main" val="345804187"/>
       </p:ext>
     </p:extLst>
   </p:cSld>
   <p:clrMapOvr>
     <a:masterClrMapping/>
   </p:clrMapOvr>
+  <mc:AlternateContent xmlns:mc="http://schemas.openxmlformats.org/markup-compatibility/2006">
+    <mc:Choice xmlns:p14="http://schemas.microsoft.com/office/powerpoint/2010/main" Requires="p14">
+      <p:transition spd="slow" p14:dur="12000"/>
+    </mc:Choice>
+    <mc:Fallback>
+      <p:transition spd="slow"/>
+    </mc:Fallback>
+  </mc:AlternateContent>
 </p:sld>
 </file>
 
@@ -3379,7 +9299,7 @@
           <p:cNvPr id="2" name="Titel 1">
             <a:extLst>
               <a:ext uri="{FF2B5EF4-FFF2-40B4-BE49-F238E27FC236}">
-                <a16:creationId xmlns:a16="http://schemas.microsoft.com/office/drawing/2014/main" id="{B0C1E619-B34D-4E28-BF2B-1D3308531ADE}"/>
+                <a16:creationId xmlns:a16="http://schemas.microsoft.com/office/drawing/2014/main" id="{3D27EA34-08B5-4911-8376-C40FDD3244B1}"/>
               </a:ext>
             </a:extLst>
           </p:cNvPr>
@@ -3392,66 +9312,304 @@
         </p:nvSpPr>
         <p:spPr>
           <a:xfrm>
-            <a:off x="415294" y="990600"/>
-            <a:ext cx="8399779" cy="492443"/>
+            <a:off x="477253" y="777120"/>
+            <a:ext cx="3997693" cy="984885"/>
           </a:xfrm>
         </p:spPr>
         <p:txBody>
           <a:bodyPr/>
           <a:lstStyle/>
           <a:p>
+            <a:pPr algn="ctr"/>
             <a:r>
               <a:rPr lang="de-DE" altLang="zh-CN" dirty="0"/>
-              <a:t>AND vs. OR </a:t>
-            </a:r>
+              <a:t>Coherent Type 2</a:t>
+            </a:r>
+            <a:br>
+              <a:rPr lang="de-DE" altLang="zh-CN" dirty="0"/>
+            </a:br>
             <a:endParaRPr lang="zh-CN" altLang="en-US" dirty="0"/>
           </a:p>
         </p:txBody>
       </p:sp>
-      <p:sp>
-        <p:nvSpPr>
-          <p:cNvPr id="3" name="Textplatzhalter 2">
+      <p:pic>
+        <p:nvPicPr>
+          <p:cNvPr id="9" name="Inhaltsplatzhalter 8">
             <a:extLst>
               <a:ext uri="{FF2B5EF4-FFF2-40B4-BE49-F238E27FC236}">
-                <a16:creationId xmlns:a16="http://schemas.microsoft.com/office/drawing/2014/main" id="{B07906D8-666E-42B5-8948-A30FB57AEE2A}"/>
+                <a16:creationId xmlns:a16="http://schemas.microsoft.com/office/drawing/2014/main" id="{2C69CF95-8F7D-4A16-8C4A-03E7CADF9F25}"/>
               </a:ext>
             </a:extLst>
           </p:cNvPr>
-          <p:cNvSpPr>
-            <a:spLocks noGrp="1"/>
-          </p:cNvSpPr>
+          <p:cNvPicPr>
+            <a:picLocks noGrp="1" noChangeAspect="1"/>
+          </p:cNvPicPr>
           <p:nvPr>
-            <p:ph type="body" idx="1"/>
+            <p:ph sz="half" idx="3"/>
           </p:nvPr>
-        </p:nvSpPr>
-        <p:spPr>
-          <a:xfrm>
-            <a:off x="415294" y="2362200"/>
-            <a:ext cx="8486147" cy="276999"/>
-          </a:xfrm>
-        </p:spPr>
-        <p:txBody>
-          <a:bodyPr/>
-          <a:lstStyle/>
-          <a:p>
-            <a:r>
-              <a:rPr lang="de-DE" altLang="zh-CN" dirty="0" err="1"/>
-              <a:t>graphen</a:t>
-            </a:r>
-            <a:endParaRPr lang="zh-CN" altLang="en-US" dirty="0"/>
-          </a:p>
-        </p:txBody>
-      </p:sp>
+        </p:nvPicPr>
+        <p:blipFill>
+          <a:blip r:embed="rId2" cstate="print">
+            <a:extLst>
+              <a:ext uri="{28A0092B-C50C-407E-A947-70E740481C1C}">
+                <a14:useLocalDpi xmlns:a14="http://schemas.microsoft.com/office/drawing/2010/main" val="0"/>
+              </a:ext>
+            </a:extLst>
+          </a:blip>
+          <a:stretch>
+            <a:fillRect/>
+          </a:stretch>
+        </p:blipFill>
+        <p:spPr>
+          <a:xfrm>
+            <a:off x="6491360" y="2667000"/>
+            <a:ext cx="139554" cy="276225"/>
+          </a:xfrm>
+        </p:spPr>
+      </p:pic>
+      <p:pic>
+        <p:nvPicPr>
+          <p:cNvPr id="4" name="Grafik 3">
+            <a:extLst>
+              <a:ext uri="{FF2B5EF4-FFF2-40B4-BE49-F238E27FC236}">
+                <a16:creationId xmlns:a16="http://schemas.microsoft.com/office/drawing/2014/main" id="{05F40299-6823-4304-A571-1733733ADA1B}"/>
+              </a:ext>
+            </a:extLst>
+          </p:cNvPr>
+          <p:cNvPicPr>
+            <a:picLocks noChangeAspect="1"/>
+          </p:cNvPicPr>
+          <p:nvPr/>
+        </p:nvPicPr>
+        <p:blipFill>
+          <a:blip r:embed="rId3">
+            <a:extLst>
+              <a:ext uri="{28A0092B-C50C-407E-A947-70E740481C1C}">
+                <a14:useLocalDpi xmlns:a14="http://schemas.microsoft.com/office/drawing/2010/main" val="0"/>
+              </a:ext>
+            </a:extLst>
+          </a:blip>
+          <a:stretch>
+            <a:fillRect/>
+          </a:stretch>
+        </p:blipFill>
+        <p:spPr>
+          <a:xfrm>
+            <a:off x="3829435" y="1762005"/>
+            <a:ext cx="4536000" cy="3024000"/>
+          </a:xfrm>
+          <a:prstGeom prst="rect">
+            <a:avLst/>
+          </a:prstGeom>
+        </p:spPr>
+      </p:pic>
+      <mc:AlternateContent xmlns:mc="http://schemas.openxmlformats.org/markup-compatibility/2006">
+        <mc:Choice xmlns:a14="http://schemas.microsoft.com/office/drawing/2010/main" Requires="a14">
+          <p:sp>
+            <p:nvSpPr>
+              <p:cNvPr id="11" name="Rechteck 10">
+                <a:extLst>
+                  <a:ext uri="{FF2B5EF4-FFF2-40B4-BE49-F238E27FC236}">
+                    <a16:creationId xmlns:a16="http://schemas.microsoft.com/office/drawing/2014/main" id="{96072E58-6C10-4E5D-A86B-199489FC7CC8}"/>
+                  </a:ext>
+                </a:extLst>
+              </p:cNvPr>
+              <p:cNvSpPr/>
+              <p:nvPr/>
+            </p:nvSpPr>
+            <p:spPr>
+              <a:xfrm>
+                <a:off x="609600" y="5147750"/>
+                <a:ext cx="7772400" cy="369332"/>
+              </a:xfrm>
+              <a:prstGeom prst="rect">
+                <a:avLst/>
+              </a:prstGeom>
+            </p:spPr>
+            <p:txBody>
+              <a:bodyPr wrap="square">
+                <a:spAutoFit/>
+              </a:bodyPr>
+              <a:lstStyle/>
+              <a:p>
+                <a:r>
+                  <a:rPr lang="en-GB" altLang="zh-CN" dirty="0">
+                    <a:solidFill>
+                      <a:srgbClr val="002060"/>
+                    </a:solidFill>
+                    <a:sym typeface="Wingdings" panose="05000000000000000000" pitchFamily="2" charset="2"/>
+                  </a:rPr>
+                  <a:t></a:t>
+                </a:r>
+                <a:r>
+                  <a:rPr lang="en-GB" altLang="zh-CN" dirty="0">
+                    <a:solidFill>
+                      <a:srgbClr val="002060"/>
+                    </a:solidFill>
+                  </a:rPr>
+                  <a:t>Inverted behaviour to Coherent Type 1: Z goes off in response to </a:t>
+                </a:r>
+                <a14:m>
+                  <m:oMath xmlns:m="http://schemas.openxmlformats.org/officeDocument/2006/math">
+                    <m:sSub>
+                      <m:sSubPr>
+                        <m:ctrlPr>
+                          <a:rPr lang="zh-CN" altLang="zh-CN" i="1">
+                            <a:solidFill>
+                              <a:srgbClr val="002060"/>
+                            </a:solidFill>
+                            <a:latin typeface="Cambria Math" panose="02040503050406030204" pitchFamily="18" charset="0"/>
+                            <a:ea typeface="Cambria Math" panose="02040503050406030204" pitchFamily="18" charset="0"/>
+                          </a:rPr>
+                        </m:ctrlPr>
+                      </m:sSubPr>
+                      <m:e>
+                        <m:r>
+                          <a:rPr lang="en-US" altLang="zh-CN" i="1">
+                            <a:solidFill>
+                              <a:srgbClr val="002060"/>
+                            </a:solidFill>
+                            <a:latin typeface="Cambria Math" panose="02040503050406030204" pitchFamily="18" charset="0"/>
+                            <a:ea typeface="等线" panose="02010600030101010101" pitchFamily="2" charset="-122"/>
+                            <a:cs typeface="Times New Roman" panose="02020603050405020304" pitchFamily="18" charset="0"/>
+                          </a:rPr>
+                          <m:t>𝑆</m:t>
+                        </m:r>
+                      </m:e>
+                      <m:sub>
+                        <m:r>
+                          <a:rPr lang="en-US" altLang="zh-CN" i="1">
+                            <a:solidFill>
+                              <a:srgbClr val="002060"/>
+                            </a:solidFill>
+                            <a:latin typeface="Cambria Math" panose="02040503050406030204" pitchFamily="18" charset="0"/>
+                            <a:ea typeface="等线" panose="02010600030101010101" pitchFamily="2" charset="-122"/>
+                            <a:cs typeface="Times New Roman" panose="02020603050405020304" pitchFamily="18" charset="0"/>
+                          </a:rPr>
+                          <m:t>𝑥</m:t>
+                        </m:r>
+                      </m:sub>
+                    </m:sSub>
+                  </m:oMath>
+                </a14:m>
+                <a:r>
+                  <a:rPr lang="en-GB" altLang="zh-CN" dirty="0">
+                    <a:solidFill>
+                      <a:srgbClr val="002060"/>
+                    </a:solidFill>
+                  </a:rPr>
+                  <a:t> on step </a:t>
+                </a:r>
+                <a:endParaRPr lang="zh-CN" altLang="en-US" dirty="0">
+                  <a:solidFill>
+                    <a:srgbClr val="002060"/>
+                  </a:solidFill>
+                </a:endParaRPr>
+              </a:p>
+            </p:txBody>
+          </p:sp>
+        </mc:Choice>
+        <mc:Fallback>
+          <p:sp>
+            <p:nvSpPr>
+              <p:cNvPr id="11" name="Rechteck 10">
+                <a:extLst>
+                  <a:ext uri="{FF2B5EF4-FFF2-40B4-BE49-F238E27FC236}">
+                    <a16:creationId xmlns:a16="http://schemas.microsoft.com/office/drawing/2014/main" id="{96072E58-6C10-4E5D-A86B-199489FC7CC8}"/>
+                  </a:ext>
+                </a:extLst>
+              </p:cNvPr>
+              <p:cNvSpPr>
+                <a:spLocks noRot="1" noChangeAspect="1" noMove="1" noResize="1" noEditPoints="1" noAdjustHandles="1" noChangeArrowheads="1" noChangeShapeType="1" noTextEdit="1"/>
+              </p:cNvSpPr>
+              <p:nvPr/>
+            </p:nvSpPr>
+            <p:spPr>
+              <a:xfrm>
+                <a:off x="609600" y="5147750"/>
+                <a:ext cx="7772400" cy="369332"/>
+              </a:xfrm>
+              <a:prstGeom prst="rect">
+                <a:avLst/>
+              </a:prstGeom>
+              <a:blipFill>
+                <a:blip r:embed="rId4"/>
+                <a:stretch>
+                  <a:fillRect l="-627" t="-9836" b="-24590"/>
+                </a:stretch>
+              </a:blipFill>
+            </p:spPr>
+            <p:txBody>
+              <a:bodyPr/>
+              <a:lstStyle/>
+              <a:p>
+                <a:r>
+                  <a:rPr lang="zh-CN" altLang="en-US">
+                    <a:noFill/>
+                  </a:rPr>
+                  <a:t> </a:t>
+                </a:r>
+              </a:p>
+            </p:txBody>
+          </p:sp>
+        </mc:Fallback>
+      </mc:AlternateContent>
+      <p:pic>
+        <p:nvPicPr>
+          <p:cNvPr id="14" name="Grafik 13">
+            <a:extLst>
+              <a:ext uri="{FF2B5EF4-FFF2-40B4-BE49-F238E27FC236}">
+                <a16:creationId xmlns:a16="http://schemas.microsoft.com/office/drawing/2014/main" id="{2A51AD06-74D6-4690-A383-4DB34228A85B}"/>
+              </a:ext>
+            </a:extLst>
+          </p:cNvPr>
+          <p:cNvPicPr>
+            <a:picLocks noChangeAspect="1"/>
+          </p:cNvPicPr>
+          <p:nvPr/>
+        </p:nvPicPr>
+        <p:blipFill>
+          <a:blip r:embed="rId5">
+            <a:duotone>
+              <a:prstClr val="black"/>
+              <a:schemeClr val="accent2">
+                <a:tint val="45000"/>
+                <a:satMod val="400000"/>
+              </a:schemeClr>
+            </a:duotone>
+          </a:blip>
+          <a:stretch>
+            <a:fillRect/>
+          </a:stretch>
+        </p:blipFill>
+        <p:spPr>
+          <a:xfrm>
+            <a:off x="1845705" y="2423821"/>
+            <a:ext cx="1162110" cy="1440000"/>
+          </a:xfrm>
+          <a:prstGeom prst="rect">
+            <a:avLst/>
+          </a:prstGeom>
+        </p:spPr>
+      </p:pic>
     </p:spTree>
     <p:extLst>
       <p:ext uri="{BB962C8B-B14F-4D97-AF65-F5344CB8AC3E}">
-        <p14:creationId xmlns:p14="http://schemas.microsoft.com/office/powerpoint/2010/main" val="1789230674"/>
+        <p14:creationId xmlns:p14="http://schemas.microsoft.com/office/powerpoint/2010/main" val="2296925947"/>
       </p:ext>
     </p:extLst>
   </p:cSld>
   <p:clrMapOvr>
     <a:masterClrMapping/>
   </p:clrMapOvr>
+  <mc:AlternateContent xmlns:mc="http://schemas.openxmlformats.org/markup-compatibility/2006">
+    <mc:Choice xmlns:p14="http://schemas.microsoft.com/office/powerpoint/2010/main" Requires="p14">
+      <p:transition spd="slow" p14:dur="12000"/>
+    </mc:Choice>
+    <mc:Fallback>
+      <p:transition spd="slow"/>
+    </mc:Fallback>
+  </mc:AlternateContent>
 </p:sld>
 </file>
 
@@ -3477,7 +9635,7 @@
           <p:cNvPr id="2" name="Titel 1">
             <a:extLst>
               <a:ext uri="{FF2B5EF4-FFF2-40B4-BE49-F238E27FC236}">
-                <a16:creationId xmlns:a16="http://schemas.microsoft.com/office/drawing/2014/main" id="{B598E0F0-FFB7-47E6-B30B-C8051BCEAB19}"/>
+                <a16:creationId xmlns:a16="http://schemas.microsoft.com/office/drawing/2014/main" id="{3D27EA34-08B5-4911-8376-C40FDD3244B1}"/>
               </a:ext>
             </a:extLst>
           </p:cNvPr>
@@ -3490,106 +9648,406 @@
         </p:nvSpPr>
         <p:spPr>
           <a:xfrm>
-            <a:off x="354592" y="990600"/>
-            <a:ext cx="8399779" cy="492443"/>
+            <a:off x="877335" y="685800"/>
+            <a:ext cx="3997693" cy="492443"/>
           </a:xfrm>
         </p:spPr>
         <p:txBody>
           <a:bodyPr/>
           <a:lstStyle/>
           <a:p>
-            <a:r>
-              <a:rPr lang="de-DE" altLang="zh-CN" dirty="0" err="1"/>
-              <a:t>Occurence</a:t>
-            </a:r>
+            <a:pPr algn="ctr"/>
             <a:r>
               <a:rPr lang="de-DE" altLang="zh-CN" dirty="0"/>
-              <a:t> in E. coli and Yeast </a:t>
+              <a:t>Incoherent FFL</a:t>
             </a:r>
             <a:endParaRPr lang="zh-CN" altLang="en-US" dirty="0"/>
           </a:p>
         </p:txBody>
       </p:sp>
+      <p:pic>
+        <p:nvPicPr>
+          <p:cNvPr id="9" name="Inhaltsplatzhalter 8">
+            <a:extLst>
+              <a:ext uri="{FF2B5EF4-FFF2-40B4-BE49-F238E27FC236}">
+                <a16:creationId xmlns:a16="http://schemas.microsoft.com/office/drawing/2014/main" id="{2C69CF95-8F7D-4A16-8C4A-03E7CADF9F25}"/>
+              </a:ext>
+            </a:extLst>
+          </p:cNvPr>
+          <p:cNvPicPr>
+            <a:picLocks noGrp="1" noChangeAspect="1"/>
+          </p:cNvPicPr>
+          <p:nvPr>
+            <p:ph sz="half" idx="3"/>
+          </p:nvPr>
+        </p:nvPicPr>
+        <p:blipFill>
+          <a:blip r:embed="rId2" cstate="print">
+            <a:extLst>
+              <a:ext uri="{28A0092B-C50C-407E-A947-70E740481C1C}">
+                <a14:useLocalDpi xmlns:a14="http://schemas.microsoft.com/office/drawing/2010/main" val="0"/>
+              </a:ext>
+            </a:extLst>
+          </a:blip>
+          <a:stretch>
+            <a:fillRect/>
+          </a:stretch>
+        </p:blipFill>
+        <p:spPr>
+          <a:xfrm>
+            <a:off x="6491360" y="2667000"/>
+            <a:ext cx="139554" cy="276225"/>
+          </a:xfrm>
+        </p:spPr>
+      </p:pic>
+      <p:pic>
+        <p:nvPicPr>
+          <p:cNvPr id="25" name="Grafik 24">
+            <a:extLst>
+              <a:ext uri="{FF2B5EF4-FFF2-40B4-BE49-F238E27FC236}">
+                <a16:creationId xmlns:a16="http://schemas.microsoft.com/office/drawing/2014/main" id="{6C53F261-44AA-4EB0-8EA0-C61587D66B84}"/>
+              </a:ext>
+            </a:extLst>
+          </p:cNvPr>
+          <p:cNvPicPr>
+            <a:picLocks noChangeAspect="1"/>
+          </p:cNvPicPr>
+          <p:nvPr/>
+        </p:nvPicPr>
+        <p:blipFill>
+          <a:blip r:embed="rId3">
+            <a:extLst>
+              <a:ext uri="{28A0092B-C50C-407E-A947-70E740481C1C}">
+                <a14:useLocalDpi xmlns:a14="http://schemas.microsoft.com/office/drawing/2010/main" val="0"/>
+              </a:ext>
+            </a:extLst>
+          </a:blip>
+          <a:stretch>
+            <a:fillRect/>
+          </a:stretch>
+        </p:blipFill>
+        <p:spPr>
+          <a:xfrm>
+            <a:off x="857457" y="1752600"/>
+            <a:ext cx="7164000" cy="3542009"/>
+          </a:xfrm>
+          <a:prstGeom prst="rect">
+            <a:avLst/>
+          </a:prstGeom>
+        </p:spPr>
+      </p:pic>
+      <mc:AlternateContent xmlns:mc="http://schemas.openxmlformats.org/markup-compatibility/2006">
+        <mc:Choice xmlns:a14="http://schemas.microsoft.com/office/drawing/2010/main" Requires="a14">
+          <p:sp>
+            <p:nvSpPr>
+              <p:cNvPr id="26" name="Rechteck 25">
+                <a:extLst>
+                  <a:ext uri="{FF2B5EF4-FFF2-40B4-BE49-F238E27FC236}">
+                    <a16:creationId xmlns:a16="http://schemas.microsoft.com/office/drawing/2014/main" id="{0BC7AAF1-D9F6-48B1-8DDE-3E8A67CD317A}"/>
+                  </a:ext>
+                </a:extLst>
+              </p:cNvPr>
+              <p:cNvSpPr/>
+              <p:nvPr/>
+            </p:nvSpPr>
+            <p:spPr>
+              <a:xfrm>
+                <a:off x="877335" y="5370805"/>
+                <a:ext cx="7315200" cy="945259"/>
+              </a:xfrm>
+              <a:prstGeom prst="rect">
+                <a:avLst/>
+              </a:prstGeom>
+            </p:spPr>
+            <p:txBody>
+              <a:bodyPr wrap="square">
+                <a:spAutoFit/>
+              </a:bodyPr>
+              <a:lstStyle/>
+              <a:p>
+                <a:r>
+                  <a:rPr lang="en-GB" altLang="zh-CN" dirty="0">
+                    <a:solidFill>
+                      <a:srgbClr val="002060"/>
+                    </a:solidFill>
+                    <a:sym typeface="Wingdings" panose="05000000000000000000" pitchFamily="2" charset="2"/>
+                  </a:rPr>
+                  <a:t></a:t>
+                </a:r>
+                <a:r>
+                  <a:rPr lang="en-GB" altLang="zh-CN" dirty="0">
+                    <a:solidFill>
+                      <a:srgbClr val="002060"/>
+                    </a:solidFill>
+                  </a:rPr>
+                  <a:t>Type 1 responds strongly to both </a:t>
+                </a:r>
+                <a14:m>
+                  <m:oMath xmlns:m="http://schemas.openxmlformats.org/officeDocument/2006/math">
+                    <m:sSub>
+                      <m:sSubPr>
+                        <m:ctrlPr>
+                          <a:rPr lang="zh-CN" altLang="zh-CN" i="1">
+                            <a:solidFill>
+                              <a:srgbClr val="002060"/>
+                            </a:solidFill>
+                            <a:latin typeface="Cambria Math" panose="02040503050406030204" pitchFamily="18" charset="0"/>
+                            <a:ea typeface="Cambria Math" panose="02040503050406030204" pitchFamily="18" charset="0"/>
+                          </a:rPr>
+                        </m:ctrlPr>
+                      </m:sSubPr>
+                      <m:e>
+                        <m:r>
+                          <a:rPr lang="en-US" altLang="zh-CN" i="1">
+                            <a:solidFill>
+                              <a:srgbClr val="002060"/>
+                            </a:solidFill>
+                            <a:latin typeface="Cambria Math" panose="02040503050406030204" pitchFamily="18" charset="0"/>
+                            <a:ea typeface="等线" panose="02010600030101010101" pitchFamily="2" charset="-122"/>
+                            <a:cs typeface="Times New Roman" panose="02020603050405020304" pitchFamily="18" charset="0"/>
+                          </a:rPr>
+                          <m:t>𝑆</m:t>
+                        </m:r>
+                      </m:e>
+                      <m:sub>
+                        <m:r>
+                          <a:rPr lang="en-US" altLang="zh-CN" i="1">
+                            <a:solidFill>
+                              <a:srgbClr val="002060"/>
+                            </a:solidFill>
+                            <a:latin typeface="Cambria Math" panose="02040503050406030204" pitchFamily="18" charset="0"/>
+                            <a:ea typeface="等线" panose="02010600030101010101" pitchFamily="2" charset="-122"/>
+                            <a:cs typeface="Times New Roman" panose="02020603050405020304" pitchFamily="18" charset="0"/>
+                          </a:rPr>
+                          <m:t>𝑥</m:t>
+                        </m:r>
+                      </m:sub>
+                    </m:sSub>
+                  </m:oMath>
+                </a14:m>
+                <a:r>
+                  <a:rPr lang="en-GB" altLang="zh-CN" dirty="0">
+                    <a:solidFill>
+                      <a:srgbClr val="002060"/>
+                    </a:solidFill>
+                  </a:rPr>
+                  <a:t> and </a:t>
+                </a:r>
+                <a14:m>
+                  <m:oMath xmlns:m="http://schemas.openxmlformats.org/officeDocument/2006/math">
+                    <m:sSub>
+                      <m:sSubPr>
+                        <m:ctrlPr>
+                          <a:rPr lang="zh-CN" altLang="zh-CN" i="1">
+                            <a:solidFill>
+                              <a:srgbClr val="002060"/>
+                            </a:solidFill>
+                            <a:latin typeface="Cambria Math" panose="02040503050406030204" pitchFamily="18" charset="0"/>
+                            <a:ea typeface="Cambria Math" panose="02040503050406030204" pitchFamily="18" charset="0"/>
+                          </a:rPr>
+                        </m:ctrlPr>
+                      </m:sSubPr>
+                      <m:e>
+                        <m:r>
+                          <a:rPr lang="en-US" altLang="zh-CN" i="1">
+                            <a:solidFill>
+                              <a:srgbClr val="002060"/>
+                            </a:solidFill>
+                            <a:latin typeface="Cambria Math" panose="02040503050406030204" pitchFamily="18" charset="0"/>
+                            <a:ea typeface="等线" panose="02010600030101010101" pitchFamily="2" charset="-122"/>
+                            <a:cs typeface="Times New Roman" panose="02020603050405020304" pitchFamily="18" charset="0"/>
+                          </a:rPr>
+                          <m:t>𝑆</m:t>
+                        </m:r>
+                      </m:e>
+                      <m:sub>
+                        <m:r>
+                          <a:rPr lang="en-GB" altLang="zh-CN" i="1">
+                            <a:solidFill>
+                              <a:srgbClr val="002060"/>
+                            </a:solidFill>
+                            <a:latin typeface="Cambria Math" panose="02040503050406030204" pitchFamily="18" charset="0"/>
+                            <a:ea typeface="等线" panose="02010600030101010101" pitchFamily="2" charset="-122"/>
+                            <a:cs typeface="Times New Roman" panose="02020603050405020304" pitchFamily="18" charset="0"/>
+                          </a:rPr>
+                          <m:t>𝑦</m:t>
+                        </m:r>
+                      </m:sub>
+                    </m:sSub>
+                  </m:oMath>
+                </a14:m>
+                <a:r>
+                  <a:rPr lang="en-GB" altLang="zh-CN" dirty="0">
+                    <a:solidFill>
+                      <a:srgbClr val="002060"/>
+                    </a:solidFill>
+                  </a:rPr>
+                  <a:t> inputs</a:t>
+                </a:r>
+              </a:p>
+              <a:p>
+                <a:r>
+                  <a:rPr lang="de-DE" altLang="zh-CN" dirty="0">
+                    <a:solidFill>
+                      <a:srgbClr val="002060"/>
+                    </a:solidFill>
+                    <a:sym typeface="Wingdings" panose="05000000000000000000" pitchFamily="2" charset="2"/>
+                  </a:rPr>
+                  <a:t>Type 3 &amp; 4 </a:t>
+                </a:r>
+                <a:r>
+                  <a:rPr lang="en-GB" altLang="zh-CN" dirty="0">
+                    <a:solidFill>
+                      <a:srgbClr val="002060"/>
+                    </a:solidFill>
+                    <a:sym typeface="Wingdings" panose="05000000000000000000" pitchFamily="2" charset="2"/>
+                  </a:rPr>
+                  <a:t>have</a:t>
+                </a:r>
+                <a:r>
+                  <a:rPr lang="de-DE" altLang="zh-CN" dirty="0">
+                    <a:solidFill>
+                      <a:srgbClr val="002060"/>
+                    </a:solidFill>
+                    <a:sym typeface="Wingdings" panose="05000000000000000000" pitchFamily="2" charset="2"/>
+                  </a:rPr>
+                  <a:t> </a:t>
+                </a:r>
+                <a:r>
+                  <a:rPr lang="en-GB" altLang="zh-CN" dirty="0">
+                    <a:solidFill>
+                      <a:srgbClr val="002060"/>
+                    </a:solidFill>
+                    <a:sym typeface="Wingdings" panose="05000000000000000000" pitchFamily="2" charset="2"/>
+                  </a:rPr>
+                  <a:t>a constant steady state (independent from inputs)</a:t>
+                </a:r>
+                <a:endParaRPr lang="en-GB" altLang="zh-CN" dirty="0">
+                  <a:solidFill>
+                    <a:srgbClr val="002060"/>
+                  </a:solidFill>
+                </a:endParaRPr>
+              </a:p>
+              <a:p>
+                <a:r>
+                  <a:rPr lang="en-GB" altLang="zh-CN" dirty="0">
+                    <a:solidFill>
+                      <a:srgbClr val="002060"/>
+                    </a:solidFill>
+                    <a:sym typeface="Wingdings" panose="05000000000000000000" pitchFamily="2" charset="2"/>
+                  </a:rPr>
+                  <a:t>Type 2 and 3 have inverted behaviour </a:t>
+                </a:r>
+                <a:endParaRPr lang="zh-CN" altLang="en-US" dirty="0">
+                  <a:solidFill>
+                    <a:srgbClr val="002060"/>
+                  </a:solidFill>
+                </a:endParaRPr>
+              </a:p>
+            </p:txBody>
+          </p:sp>
+        </mc:Choice>
+        <mc:Fallback>
+          <p:sp>
+            <p:nvSpPr>
+              <p:cNvPr id="26" name="Rechteck 25">
+                <a:extLst>
+                  <a:ext uri="{FF2B5EF4-FFF2-40B4-BE49-F238E27FC236}">
+                    <a16:creationId xmlns:a16="http://schemas.microsoft.com/office/drawing/2014/main" id="{0BC7AAF1-D9F6-48B1-8DDE-3E8A67CD317A}"/>
+                  </a:ext>
+                </a:extLst>
+              </p:cNvPr>
+              <p:cNvSpPr>
+                <a:spLocks noRot="1" noChangeAspect="1" noMove="1" noResize="1" noEditPoints="1" noAdjustHandles="1" noChangeArrowheads="1" noChangeShapeType="1" noTextEdit="1"/>
+              </p:cNvSpPr>
+              <p:nvPr/>
+            </p:nvSpPr>
+            <p:spPr>
+              <a:xfrm>
+                <a:off x="877335" y="5370805"/>
+                <a:ext cx="7315200" cy="945259"/>
+              </a:xfrm>
+              <a:prstGeom prst="rect">
+                <a:avLst/>
+              </a:prstGeom>
+              <a:blipFill>
+                <a:blip r:embed="rId4"/>
+                <a:stretch>
+                  <a:fillRect l="-750" t="-3226" b="-9677"/>
+                </a:stretch>
+              </a:blipFill>
+            </p:spPr>
+            <p:txBody>
+              <a:bodyPr/>
+              <a:lstStyle/>
+              <a:p>
+                <a:r>
+                  <a:rPr lang="zh-CN" altLang="en-US">
+                    <a:noFill/>
+                  </a:rPr>
+                  <a:t> </a:t>
+                </a:r>
+              </a:p>
+            </p:txBody>
+          </p:sp>
+        </mc:Fallback>
+      </mc:AlternateContent>
       <p:sp>
         <p:nvSpPr>
-          <p:cNvPr id="3" name="Textplatzhalter 2">
+          <p:cNvPr id="27" name="Textfeld 26">
             <a:extLst>
               <a:ext uri="{FF2B5EF4-FFF2-40B4-BE49-F238E27FC236}">
-                <a16:creationId xmlns:a16="http://schemas.microsoft.com/office/drawing/2014/main" id="{C9672223-0F3D-47B9-99D1-3B01F98CF494}"/>
+                <a16:creationId xmlns:a16="http://schemas.microsoft.com/office/drawing/2014/main" id="{1F010904-28D4-41A8-B336-8E9C33AEFC69}"/>
               </a:ext>
             </a:extLst>
           </p:cNvPr>
-          <p:cNvSpPr>
-            <a:spLocks noGrp="1"/>
-          </p:cNvSpPr>
-          <p:nvPr>
-            <p:ph type="body" idx="1"/>
-          </p:nvPr>
+          <p:cNvSpPr txBox="1"/>
+          <p:nvPr/>
         </p:nvSpPr>
         <p:spPr>
           <a:xfrm>
-            <a:off x="328925" y="2895600"/>
-            <a:ext cx="8486147" cy="1107996"/>
-          </a:xfrm>
+            <a:off x="609600" y="6455538"/>
+            <a:ext cx="4876946" cy="369332"/>
+          </a:xfrm>
+          <a:prstGeom prst="rect">
+            <a:avLst/>
+          </a:prstGeom>
+          <a:noFill/>
         </p:spPr>
         <p:txBody>
-          <a:bodyPr/>
+          <a:bodyPr wrap="square" rtlCol="0">
+            <a:spAutoFit/>
+          </a:bodyPr>
           <a:lstStyle/>
           <a:p>
             <a:r>
-              <a:rPr lang="de-DE" altLang="zh-CN" dirty="0" err="1"/>
-              <a:t>Vorund</a:t>
-            </a:r>
-            <a:r>
-              <a:rPr lang="de-DE" altLang="zh-CN" dirty="0"/>
-              <a:t> </a:t>
-            </a:r>
-            <a:r>
-              <a:rPr lang="de-DE" altLang="zh-CN" dirty="0" err="1"/>
-              <a:t>nachteile</a:t>
-            </a:r>
-            <a:r>
-              <a:rPr lang="de-DE" altLang="zh-CN" dirty="0"/>
-              <a:t> vom </a:t>
-            </a:r>
-            <a:r>
-              <a:rPr lang="de-DE" altLang="zh-CN" dirty="0" err="1"/>
-              <a:t>paper</a:t>
-            </a:r>
-            <a:endParaRPr lang="de-DE" altLang="zh-CN" dirty="0"/>
-          </a:p>
-          <a:p>
-            <a:endParaRPr lang="de-DE" altLang="zh-CN" dirty="0"/>
-          </a:p>
-          <a:p>
-            <a:r>
-              <a:rPr lang="de-DE" altLang="zh-CN" dirty="0"/>
-              <a:t>Allgemeine Aussage</a:t>
-            </a:r>
-          </a:p>
-          <a:p>
-            <a:r>
-              <a:rPr lang="de-DE" altLang="zh-CN" dirty="0"/>
-              <a:t>Andere Motive </a:t>
-            </a:r>
-            <a:r>
-              <a:rPr lang="de-DE" altLang="zh-CN" dirty="0" err="1"/>
-              <a:t>network</a:t>
-            </a:r>
-            <a:endParaRPr lang="zh-CN" altLang="en-US" dirty="0"/>
+              <a:rPr lang="en-US" altLang="zh-CN" sz="800" dirty="0"/>
+              <a:t>Table 2: Mangan, Alon: Structure and function of the feed-forward loop network motif</a:t>
+            </a:r>
+          </a:p>
+          <a:p>
+            <a:endParaRPr lang="de-DE" sz="1000" dirty="0"/>
           </a:p>
         </p:txBody>
       </p:sp>
     </p:spTree>
     <p:extLst>
       <p:ext uri="{BB962C8B-B14F-4D97-AF65-F5344CB8AC3E}">
-        <p14:creationId xmlns:p14="http://schemas.microsoft.com/office/powerpoint/2010/main" val="3826216366"/>
+        <p14:creationId xmlns:p14="http://schemas.microsoft.com/office/powerpoint/2010/main" val="619383407"/>
       </p:ext>
     </p:extLst>
   </p:cSld>
   <p:clrMapOvr>
     <a:masterClrMapping/>
   </p:clrMapOvr>
+  <mc:AlternateContent xmlns:mc="http://schemas.openxmlformats.org/markup-compatibility/2006">
+    <mc:Choice xmlns:p14="http://schemas.microsoft.com/office/powerpoint/2010/main" Requires="p14">
+      <p:transition spd="slow" p14:dur="12000"/>
+    </mc:Choice>
+    <mc:Fallback>
+      <p:transition spd="slow"/>
+    </mc:Fallback>
+  </mc:AlternateContent>
 </p:sld>
 </file>
 
@@ -3610,91 +10068,381 @@
           <a:chExt cx="0" cy="0"/>
         </a:xfrm>
       </p:grpSpPr>
+      <p:pic>
+        <p:nvPicPr>
+          <p:cNvPr id="9" name="Inhaltsplatzhalter 8">
+            <a:extLst>
+              <a:ext uri="{FF2B5EF4-FFF2-40B4-BE49-F238E27FC236}">
+                <a16:creationId xmlns:a16="http://schemas.microsoft.com/office/drawing/2014/main" id="{2C69CF95-8F7D-4A16-8C4A-03E7CADF9F25}"/>
+              </a:ext>
+            </a:extLst>
+          </p:cNvPr>
+          <p:cNvPicPr>
+            <a:picLocks noGrp="1" noChangeAspect="1"/>
+          </p:cNvPicPr>
+          <p:nvPr>
+            <p:ph sz="half" idx="3"/>
+          </p:nvPr>
+        </p:nvPicPr>
+        <p:blipFill>
+          <a:blip r:embed="rId2" cstate="print">
+            <a:extLst>
+              <a:ext uri="{28A0092B-C50C-407E-A947-70E740481C1C}">
+                <a14:useLocalDpi xmlns:a14="http://schemas.microsoft.com/office/drawing/2010/main" val="0"/>
+              </a:ext>
+            </a:extLst>
+          </a:blip>
+          <a:stretch>
+            <a:fillRect/>
+          </a:stretch>
+        </p:blipFill>
+        <p:spPr>
+          <a:xfrm>
+            <a:off x="6558425" y="2667000"/>
+            <a:ext cx="139554" cy="276225"/>
+          </a:xfrm>
+        </p:spPr>
+      </p:pic>
+      <p:pic>
+        <p:nvPicPr>
+          <p:cNvPr id="8" name="Inhaltsplatzhalter 7">
+            <a:extLst>
+              <a:ext uri="{FF2B5EF4-FFF2-40B4-BE49-F238E27FC236}">
+                <a16:creationId xmlns:a16="http://schemas.microsoft.com/office/drawing/2014/main" id="{CC948028-D2E7-40BE-98F7-E9EED09710B1}"/>
+              </a:ext>
+            </a:extLst>
+          </p:cNvPr>
+          <p:cNvPicPr>
+            <a:picLocks noGrp="1" noChangeAspect="1"/>
+          </p:cNvPicPr>
+          <p:nvPr>
+            <p:ph sz="half" idx="2"/>
+          </p:nvPr>
+        </p:nvPicPr>
+        <p:blipFill>
+          <a:blip r:embed="rId3">
+            <a:extLst>
+              <a:ext uri="{28A0092B-C50C-407E-A947-70E740481C1C}">
+                <a14:useLocalDpi xmlns:a14="http://schemas.microsoft.com/office/drawing/2010/main" val="0"/>
+              </a:ext>
+            </a:extLst>
+          </a:blip>
+          <a:stretch>
+            <a:fillRect/>
+          </a:stretch>
+        </p:blipFill>
+        <p:spPr>
+          <a:xfrm>
+            <a:off x="442996" y="2458604"/>
+            <a:ext cx="4320001" cy="2880000"/>
+          </a:xfrm>
+        </p:spPr>
+      </p:pic>
+      <p:pic>
+        <p:nvPicPr>
+          <p:cNvPr id="12" name="Grafik 11">
+            <a:extLst>
+              <a:ext uri="{FF2B5EF4-FFF2-40B4-BE49-F238E27FC236}">
+                <a16:creationId xmlns:a16="http://schemas.microsoft.com/office/drawing/2014/main" id="{E7F72D92-7DE2-4C43-B037-3E6E4DF4C9F2}"/>
+              </a:ext>
+            </a:extLst>
+          </p:cNvPr>
+          <p:cNvPicPr>
+            <a:picLocks noChangeAspect="1"/>
+          </p:cNvPicPr>
+          <p:nvPr/>
+        </p:nvPicPr>
+        <p:blipFill>
+          <a:blip r:embed="rId4">
+            <a:extLst>
+              <a:ext uri="{28A0092B-C50C-407E-A947-70E740481C1C}">
+                <a14:useLocalDpi xmlns:a14="http://schemas.microsoft.com/office/drawing/2010/main" val="0"/>
+              </a:ext>
+            </a:extLst>
+          </a:blip>
+          <a:stretch>
+            <a:fillRect/>
+          </a:stretch>
+        </p:blipFill>
+        <p:spPr>
+          <a:xfrm>
+            <a:off x="4537978" y="2472664"/>
+            <a:ext cx="4320000" cy="2880000"/>
+          </a:xfrm>
+          <a:prstGeom prst="rect">
+            <a:avLst/>
+          </a:prstGeom>
+        </p:spPr>
+      </p:pic>
+      <p:pic>
+        <p:nvPicPr>
+          <p:cNvPr id="14" name="Grafik 13">
+            <a:extLst>
+              <a:ext uri="{FF2B5EF4-FFF2-40B4-BE49-F238E27FC236}">
+                <a16:creationId xmlns:a16="http://schemas.microsoft.com/office/drawing/2014/main" id="{55E74DA1-87EB-4FA8-846F-BECB81AD55D4}"/>
+              </a:ext>
+            </a:extLst>
+          </p:cNvPr>
+          <p:cNvPicPr>
+            <a:picLocks noChangeAspect="1"/>
+          </p:cNvPicPr>
+          <p:nvPr/>
+        </p:nvPicPr>
+        <p:blipFill>
+          <a:blip r:embed="rId5">
+            <a:duotone>
+              <a:prstClr val="black"/>
+              <a:schemeClr val="accent1">
+                <a:tint val="45000"/>
+                <a:satMod val="400000"/>
+              </a:schemeClr>
+            </a:duotone>
+            <a:extLst>
+              <a:ext uri="{28A0092B-C50C-407E-A947-70E740481C1C}">
+                <a14:useLocalDpi xmlns:a14="http://schemas.microsoft.com/office/drawing/2010/main" val="0"/>
+              </a:ext>
+            </a:extLst>
+          </a:blip>
+          <a:stretch>
+            <a:fillRect/>
+          </a:stretch>
+        </p:blipFill>
+        <p:spPr>
+          <a:xfrm>
+            <a:off x="2238261" y="1184544"/>
+            <a:ext cx="729473" cy="1260000"/>
+          </a:xfrm>
+          <a:prstGeom prst="rect">
+            <a:avLst/>
+          </a:prstGeom>
+        </p:spPr>
+      </p:pic>
+      <p:pic>
+        <p:nvPicPr>
+          <p:cNvPr id="16" name="Grafik 15">
+            <a:extLst>
+              <a:ext uri="{FF2B5EF4-FFF2-40B4-BE49-F238E27FC236}">
+                <a16:creationId xmlns:a16="http://schemas.microsoft.com/office/drawing/2014/main" id="{8861A5F4-132C-4A6C-ACBC-346E2246C06C}"/>
+              </a:ext>
+            </a:extLst>
+          </p:cNvPr>
+          <p:cNvPicPr>
+            <a:picLocks noChangeAspect="1"/>
+          </p:cNvPicPr>
+          <p:nvPr/>
+        </p:nvPicPr>
+        <p:blipFill>
+          <a:blip r:embed="rId6">
+            <a:duotone>
+              <a:prstClr val="black"/>
+              <a:schemeClr val="accent1">
+                <a:tint val="45000"/>
+                <a:satMod val="400000"/>
+              </a:schemeClr>
+            </a:duotone>
+            <a:extLst>
+              <a:ext uri="{28A0092B-C50C-407E-A947-70E740481C1C}">
+                <a14:useLocalDpi xmlns:a14="http://schemas.microsoft.com/office/drawing/2010/main" val="0"/>
+              </a:ext>
+            </a:extLst>
+          </a:blip>
+          <a:stretch>
+            <a:fillRect/>
+          </a:stretch>
+        </p:blipFill>
+        <p:spPr>
+          <a:xfrm>
+            <a:off x="6276513" y="1184544"/>
+            <a:ext cx="657794" cy="1260000"/>
+          </a:xfrm>
+          <a:prstGeom prst="rect">
+            <a:avLst/>
+          </a:prstGeom>
+        </p:spPr>
+      </p:pic>
       <p:sp>
         <p:nvSpPr>
-          <p:cNvPr id="2" name="Titel 1">
+          <p:cNvPr id="25" name="Rechteck 24">
             <a:extLst>
               <a:ext uri="{FF2B5EF4-FFF2-40B4-BE49-F238E27FC236}">
-                <a16:creationId xmlns:a16="http://schemas.microsoft.com/office/drawing/2014/main" id="{211F5575-B9DA-4797-B7B2-C7DD6111E529}"/>
+                <a16:creationId xmlns:a16="http://schemas.microsoft.com/office/drawing/2014/main" id="{1687E5E4-3727-4FFA-AE70-5E5F6BB4E012}"/>
               </a:ext>
             </a:extLst>
           </p:cNvPr>
-          <p:cNvSpPr>
-            <a:spLocks noGrp="1"/>
-          </p:cNvSpPr>
-          <p:nvPr>
-            <p:ph type="title"/>
-          </p:nvPr>
+          <p:cNvSpPr/>
+          <p:nvPr/>
         </p:nvSpPr>
-        <p:spPr/>
+        <p:spPr>
+          <a:xfrm>
+            <a:off x="442996" y="5418596"/>
+            <a:ext cx="8361263" cy="1015663"/>
+          </a:xfrm>
+          <a:prstGeom prst="rect">
+            <a:avLst/>
+          </a:prstGeom>
+        </p:spPr>
         <p:txBody>
-          <a:bodyPr/>
+          <a:bodyPr wrap="none">
+            <a:spAutoFit/>
+          </a:bodyPr>
           <a:lstStyle/>
           <a:p>
-            <a:endParaRPr lang="zh-CN" altLang="en-US" dirty="0"/>
+            <a:r>
+              <a:rPr lang="en-GB" altLang="zh-CN" sz="2000" dirty="0">
+                <a:solidFill>
+                  <a:srgbClr val="002060"/>
+                </a:solidFill>
+                <a:sym typeface="Wingdings" panose="05000000000000000000" pitchFamily="2" charset="2"/>
+              </a:rPr>
+              <a:t></a:t>
+            </a:r>
+            <a:r>
+              <a:rPr lang="en-GB" altLang="zh-CN" sz="2000" dirty="0">
+                <a:solidFill>
+                  <a:srgbClr val="002060"/>
+                </a:solidFill>
+              </a:rPr>
+              <a:t>Incoherent FFL act as PULSERS with no basal Y activity</a:t>
+            </a:r>
+            <a:br>
+              <a:rPr lang="en-GB" altLang="zh-CN" sz="2000" dirty="0">
+                <a:solidFill>
+                  <a:srgbClr val="002060"/>
+                </a:solidFill>
+              </a:rPr>
+            </a:br>
+            <a:r>
+              <a:rPr lang="en-GB" altLang="zh-CN" sz="2000" dirty="0">
+                <a:solidFill>
+                  <a:srgbClr val="002060"/>
+                </a:solidFill>
+                <a:sym typeface="Wingdings" panose="05000000000000000000" pitchFamily="2" charset="2"/>
+              </a:rPr>
+              <a:t>Type 4:  Y production is repressed by X and Z production decreases after rise</a:t>
+            </a:r>
+          </a:p>
+          <a:p>
+            <a:r>
+              <a:rPr lang="en-GB" altLang="zh-CN" sz="2000" dirty="0">
+                <a:solidFill>
+                  <a:srgbClr val="000098"/>
+                </a:solidFill>
+                <a:sym typeface="Wingdings" panose="05000000000000000000" pitchFamily="2" charset="2"/>
+              </a:rPr>
+              <a:t>		</a:t>
+            </a:r>
+            <a:endParaRPr lang="zh-CN" altLang="en-US" sz="2000" dirty="0">
+              <a:solidFill>
+                <a:srgbClr val="000098"/>
+              </a:solidFill>
+            </a:endParaRPr>
           </a:p>
         </p:txBody>
       </p:sp>
       <p:sp>
         <p:nvSpPr>
-          <p:cNvPr id="3" name="Inhaltsplatzhalter 2">
+          <p:cNvPr id="27" name="Rechteck 26">
             <a:extLst>
               <a:ext uri="{FF2B5EF4-FFF2-40B4-BE49-F238E27FC236}">
-                <a16:creationId xmlns:a16="http://schemas.microsoft.com/office/drawing/2014/main" id="{77810312-5E82-4092-B8D0-8C7F2C4561EE}"/>
+                <a16:creationId xmlns:a16="http://schemas.microsoft.com/office/drawing/2014/main" id="{92610820-CEAF-4672-8B46-9276A1C26731}"/>
               </a:ext>
             </a:extLst>
           </p:cNvPr>
-          <p:cNvSpPr>
-            <a:spLocks noGrp="1"/>
-          </p:cNvSpPr>
-          <p:nvPr>
-            <p:ph sz="half" idx="2"/>
-          </p:nvPr>
+          <p:cNvSpPr/>
+          <p:nvPr/>
         </p:nvSpPr>
-        <p:spPr/>
+        <p:spPr>
+          <a:xfrm>
+            <a:off x="616290" y="599769"/>
+            <a:ext cx="3974165" cy="584775"/>
+          </a:xfrm>
+          <a:prstGeom prst="rect">
+            <a:avLst/>
+          </a:prstGeom>
+        </p:spPr>
         <p:txBody>
-          <a:bodyPr/>
+          <a:bodyPr wrap="none">
+            <a:spAutoFit/>
+          </a:bodyPr>
           <a:lstStyle/>
           <a:p>
-            <a:endParaRPr lang="zh-CN" altLang="en-US"/>
+            <a:r>
+              <a:rPr lang="de-DE" altLang="zh-CN" sz="3200" kern="0" dirty="0">
+                <a:solidFill>
+                  <a:prstClr val="black">
+                    <a:lumMod val="50000"/>
+                    <a:lumOff val="50000"/>
+                  </a:prstClr>
+                </a:solidFill>
+                <a:latin typeface="DejaVu Sans"/>
+              </a:rPr>
+              <a:t>Incoherent Type 1</a:t>
+            </a:r>
+            <a:endParaRPr lang="zh-CN" altLang="en-US" dirty="0"/>
           </a:p>
         </p:txBody>
       </p:sp>
       <p:sp>
         <p:nvSpPr>
-          <p:cNvPr id="4" name="Inhaltsplatzhalter 3">
+          <p:cNvPr id="29" name="Rechteck 28">
             <a:extLst>
               <a:ext uri="{FF2B5EF4-FFF2-40B4-BE49-F238E27FC236}">
-                <a16:creationId xmlns:a16="http://schemas.microsoft.com/office/drawing/2014/main" id="{24DDBF2C-FA58-48FD-AE9C-F75EA5515D01}"/>
+                <a16:creationId xmlns:a16="http://schemas.microsoft.com/office/drawing/2014/main" id="{64242C75-7C9A-48D8-9AAA-025BB2903E59}"/>
               </a:ext>
             </a:extLst>
           </p:cNvPr>
-          <p:cNvSpPr>
-            <a:spLocks noGrp="1"/>
-          </p:cNvSpPr>
-          <p:nvPr>
-            <p:ph sz="half" idx="3"/>
-          </p:nvPr>
+          <p:cNvSpPr/>
+          <p:nvPr/>
         </p:nvSpPr>
-        <p:spPr/>
+        <p:spPr>
+          <a:xfrm>
+            <a:off x="4710896" y="601443"/>
+            <a:ext cx="3974165" cy="584775"/>
+          </a:xfrm>
+          <a:prstGeom prst="rect">
+            <a:avLst/>
+          </a:prstGeom>
+        </p:spPr>
         <p:txBody>
-          <a:bodyPr/>
+          <a:bodyPr wrap="none">
+            <a:spAutoFit/>
+          </a:bodyPr>
           <a:lstStyle/>
           <a:p>
-            <a:endParaRPr lang="zh-CN" altLang="en-US"/>
+            <a:r>
+              <a:rPr lang="de-DE" altLang="zh-CN" sz="3200" kern="0" dirty="0">
+                <a:solidFill>
+                  <a:prstClr val="black">
+                    <a:lumMod val="50000"/>
+                    <a:lumOff val="50000"/>
+                  </a:prstClr>
+                </a:solidFill>
+                <a:latin typeface="DejaVu Sans"/>
+              </a:rPr>
+              <a:t>Incoherent Type 4</a:t>
+            </a:r>
+            <a:endParaRPr lang="zh-CN" altLang="en-US" dirty="0"/>
           </a:p>
         </p:txBody>
       </p:sp>
     </p:spTree>
     <p:extLst>
       <p:ext uri="{BB962C8B-B14F-4D97-AF65-F5344CB8AC3E}">
-        <p14:creationId xmlns:p14="http://schemas.microsoft.com/office/powerpoint/2010/main" val="2313311671"/>
+        <p14:creationId xmlns:p14="http://schemas.microsoft.com/office/powerpoint/2010/main" val="3186989348"/>
       </p:ext>
     </p:extLst>
   </p:cSld>
   <p:clrMapOvr>
     <a:masterClrMapping/>
   </p:clrMapOvr>
+  <mc:AlternateContent xmlns:mc="http://schemas.openxmlformats.org/markup-compatibility/2006">
+    <mc:Choice xmlns:p14="http://schemas.microsoft.com/office/powerpoint/2010/main" Requires="p14">
+      <p:transition spd="slow" p14:dur="12000"/>
+    </mc:Choice>
+    <mc:Fallback>
+      <p:transition spd="slow"/>
+    </mc:Fallback>
+  </mc:AlternateContent>
 </p:sld>
 </file>
 
@@ -3715,131 +10463,464 @@
           <a:chExt cx="0" cy="0"/>
         </a:xfrm>
       </p:grpSpPr>
+      <p:pic>
+        <p:nvPicPr>
+          <p:cNvPr id="9" name="Inhaltsplatzhalter 8">
+            <a:extLst>
+              <a:ext uri="{FF2B5EF4-FFF2-40B4-BE49-F238E27FC236}">
+                <a16:creationId xmlns:a16="http://schemas.microsoft.com/office/drawing/2014/main" id="{2C69CF95-8F7D-4A16-8C4A-03E7CADF9F25}"/>
+              </a:ext>
+            </a:extLst>
+          </p:cNvPr>
+          <p:cNvPicPr>
+            <a:picLocks noGrp="1" noChangeAspect="1"/>
+          </p:cNvPicPr>
+          <p:nvPr>
+            <p:ph sz="half" idx="3"/>
+          </p:nvPr>
+        </p:nvPicPr>
+        <p:blipFill>
+          <a:blip r:embed="rId2" cstate="print">
+            <a:extLst>
+              <a:ext uri="{28A0092B-C50C-407E-A947-70E740481C1C}">
+                <a14:useLocalDpi xmlns:a14="http://schemas.microsoft.com/office/drawing/2010/main" val="0"/>
+              </a:ext>
+            </a:extLst>
+          </a:blip>
+          <a:stretch>
+            <a:fillRect/>
+          </a:stretch>
+        </p:blipFill>
+        <p:spPr>
+          <a:xfrm>
+            <a:off x="6558425" y="2667000"/>
+            <a:ext cx="139554" cy="276225"/>
+          </a:xfrm>
+        </p:spPr>
+      </p:pic>
+      <p:pic>
+        <p:nvPicPr>
+          <p:cNvPr id="8" name="Inhaltsplatzhalter 7">
+            <a:extLst>
+              <a:ext uri="{FF2B5EF4-FFF2-40B4-BE49-F238E27FC236}">
+                <a16:creationId xmlns:a16="http://schemas.microsoft.com/office/drawing/2014/main" id="{CC948028-D2E7-40BE-98F7-E9EED09710B1}"/>
+              </a:ext>
+            </a:extLst>
+          </p:cNvPr>
+          <p:cNvPicPr>
+            <a:picLocks noGrp="1" noChangeAspect="1"/>
+          </p:cNvPicPr>
+          <p:nvPr>
+            <p:ph sz="half" idx="2"/>
+          </p:nvPr>
+        </p:nvPicPr>
+        <p:blipFill>
+          <a:blip r:embed="rId3">
+            <a:extLst>
+              <a:ext uri="{28A0092B-C50C-407E-A947-70E740481C1C}">
+                <a14:useLocalDpi xmlns:a14="http://schemas.microsoft.com/office/drawing/2010/main" val="0"/>
+              </a:ext>
+            </a:extLst>
+          </a:blip>
+          <a:stretch>
+            <a:fillRect/>
+          </a:stretch>
+        </p:blipFill>
+        <p:spPr>
+          <a:xfrm>
+            <a:off x="917643" y="1075719"/>
+            <a:ext cx="3780001" cy="2520000"/>
+          </a:xfrm>
+        </p:spPr>
+      </p:pic>
+      <p:pic>
+        <p:nvPicPr>
+          <p:cNvPr id="12" name="Grafik 11">
+            <a:extLst>
+              <a:ext uri="{FF2B5EF4-FFF2-40B4-BE49-F238E27FC236}">
+                <a16:creationId xmlns:a16="http://schemas.microsoft.com/office/drawing/2014/main" id="{E7F72D92-7DE2-4C43-B037-3E6E4DF4C9F2}"/>
+              </a:ext>
+            </a:extLst>
+          </p:cNvPr>
+          <p:cNvPicPr>
+            <a:picLocks noChangeAspect="1"/>
+          </p:cNvPicPr>
+          <p:nvPr/>
+        </p:nvPicPr>
+        <p:blipFill>
+          <a:blip r:embed="rId4">
+            <a:extLst>
+              <a:ext uri="{28A0092B-C50C-407E-A947-70E740481C1C}">
+                <a14:useLocalDpi xmlns:a14="http://schemas.microsoft.com/office/drawing/2010/main" val="0"/>
+              </a:ext>
+            </a:extLst>
+          </a:blip>
+          <a:stretch>
+            <a:fillRect/>
+          </a:stretch>
+        </p:blipFill>
+        <p:spPr>
+          <a:xfrm>
+            <a:off x="4473010" y="1092001"/>
+            <a:ext cx="3780000" cy="2520000"/>
+          </a:xfrm>
+          <a:prstGeom prst="rect">
+            <a:avLst/>
+          </a:prstGeom>
+        </p:spPr>
+      </p:pic>
+      <p:pic>
+        <p:nvPicPr>
+          <p:cNvPr id="18" name="Grafik 17">
+            <a:extLst>
+              <a:ext uri="{FF2B5EF4-FFF2-40B4-BE49-F238E27FC236}">
+                <a16:creationId xmlns:a16="http://schemas.microsoft.com/office/drawing/2014/main" id="{B7BBA898-EE91-4946-BBCC-47C6C312C298}"/>
+              </a:ext>
+            </a:extLst>
+          </p:cNvPr>
+          <p:cNvPicPr>
+            <a:picLocks noChangeAspect="1"/>
+          </p:cNvPicPr>
+          <p:nvPr/>
+        </p:nvPicPr>
+        <p:blipFill>
+          <a:blip r:embed="rId5">
+            <a:extLst>
+              <a:ext uri="{28A0092B-C50C-407E-A947-70E740481C1C}">
+                <a14:useLocalDpi xmlns:a14="http://schemas.microsoft.com/office/drawing/2010/main" val="0"/>
+              </a:ext>
+            </a:extLst>
+          </a:blip>
+          <a:stretch>
+            <a:fillRect/>
+          </a:stretch>
+        </p:blipFill>
+        <p:spPr>
+          <a:xfrm>
+            <a:off x="4557625" y="3444500"/>
+            <a:ext cx="3780000" cy="2520000"/>
+          </a:xfrm>
+          <a:prstGeom prst="rect">
+            <a:avLst/>
+          </a:prstGeom>
+        </p:spPr>
+      </p:pic>
+      <p:pic>
+        <p:nvPicPr>
+          <p:cNvPr id="24" name="Grafik 23">
+            <a:extLst>
+              <a:ext uri="{FF2B5EF4-FFF2-40B4-BE49-F238E27FC236}">
+                <a16:creationId xmlns:a16="http://schemas.microsoft.com/office/drawing/2014/main" id="{C68FEAC6-82E7-4587-82D4-45E4ACC5EC9F}"/>
+              </a:ext>
+            </a:extLst>
+          </p:cNvPr>
+          <p:cNvPicPr>
+            <a:picLocks noChangeAspect="1"/>
+          </p:cNvPicPr>
+          <p:nvPr/>
+        </p:nvPicPr>
+        <p:blipFill>
+          <a:blip r:embed="rId6">
+            <a:extLst>
+              <a:ext uri="{28A0092B-C50C-407E-A947-70E740481C1C}">
+                <a14:useLocalDpi xmlns:a14="http://schemas.microsoft.com/office/drawing/2010/main" val="0"/>
+              </a:ext>
+            </a:extLst>
+          </a:blip>
+          <a:stretch>
+            <a:fillRect/>
+          </a:stretch>
+        </p:blipFill>
+        <p:spPr>
+          <a:xfrm>
+            <a:off x="930896" y="3445803"/>
+            <a:ext cx="3780000" cy="2520000"/>
+          </a:xfrm>
+          <a:prstGeom prst="rect">
+            <a:avLst/>
+          </a:prstGeom>
+        </p:spPr>
+      </p:pic>
       <p:sp>
         <p:nvSpPr>
-          <p:cNvPr id="7" name="Titel 6">
+          <p:cNvPr id="27" name="Rechteck 26">
             <a:extLst>
               <a:ext uri="{FF2B5EF4-FFF2-40B4-BE49-F238E27FC236}">
-                <a16:creationId xmlns:a16="http://schemas.microsoft.com/office/drawing/2014/main" id="{967B5FB5-7AC5-4C3F-8B57-9F35528329B8}"/>
+                <a16:creationId xmlns:a16="http://schemas.microsoft.com/office/drawing/2014/main" id="{92610820-CEAF-4672-8B46-9276A1C26731}"/>
               </a:ext>
             </a:extLst>
           </p:cNvPr>
-          <p:cNvSpPr>
-            <a:spLocks noGrp="1"/>
-          </p:cNvSpPr>
-          <p:nvPr>
-            <p:ph type="title"/>
-          </p:nvPr>
+          <p:cNvSpPr/>
+          <p:nvPr/>
         </p:nvSpPr>
         <p:spPr>
           <a:xfrm>
-            <a:off x="457200" y="2438400"/>
-            <a:ext cx="8399779" cy="1477328"/>
-          </a:xfrm>
+            <a:off x="616290" y="599769"/>
+            <a:ext cx="3974165" cy="584775"/>
+          </a:xfrm>
+          <a:prstGeom prst="rect">
+            <a:avLst/>
+          </a:prstGeom>
         </p:spPr>
         <p:txBody>
-          <a:bodyPr/>
+          <a:bodyPr wrap="none">
+            <a:spAutoFit/>
+          </a:bodyPr>
           <a:lstStyle/>
           <a:p>
             <a:r>
-              <a:rPr lang="de-DE" altLang="zh-CN" dirty="0" err="1"/>
-              <a:t>Thank</a:t>
-            </a:r>
-            <a:r>
-              <a:rPr lang="de-DE" altLang="zh-CN" dirty="0"/>
-              <a:t> </a:t>
-            </a:r>
-            <a:r>
-              <a:rPr lang="de-DE" altLang="zh-CN" dirty="0" err="1"/>
-              <a:t>you</a:t>
-            </a:r>
-            <a:r>
-              <a:rPr lang="de-DE" altLang="zh-CN" dirty="0"/>
-              <a:t> </a:t>
-            </a:r>
-            <a:r>
-              <a:rPr lang="de-DE" altLang="zh-CN" dirty="0" err="1"/>
-              <a:t>for</a:t>
-            </a:r>
-            <a:r>
-              <a:rPr lang="de-DE" altLang="zh-CN" dirty="0"/>
-              <a:t> </a:t>
-            </a:r>
-            <a:r>
-              <a:rPr lang="de-DE" altLang="zh-CN" dirty="0" err="1"/>
-              <a:t>your</a:t>
-            </a:r>
-            <a:r>
-              <a:rPr lang="de-DE" altLang="zh-CN" dirty="0"/>
-              <a:t> </a:t>
-            </a:r>
-            <a:r>
-              <a:rPr lang="de-DE" altLang="zh-CN" dirty="0" err="1"/>
-              <a:t>attention</a:t>
-            </a:r>
-            <a:r>
-              <a:rPr lang="de-DE" altLang="zh-CN" dirty="0"/>
-              <a:t>!</a:t>
-            </a:r>
-            <a:br>
-              <a:rPr lang="de-DE" altLang="zh-CN" dirty="0"/>
-            </a:br>
-            <a:r>
-              <a:rPr lang="de-DE" altLang="zh-CN" dirty="0"/>
-              <a:t>Also </a:t>
-            </a:r>
-            <a:r>
-              <a:rPr lang="de-DE" altLang="zh-CN" dirty="0" err="1"/>
-              <a:t>special</a:t>
-            </a:r>
-            <a:r>
-              <a:rPr lang="de-DE" altLang="zh-CN" dirty="0"/>
-              <a:t> </a:t>
-            </a:r>
-            <a:r>
-              <a:rPr lang="de-DE" altLang="zh-CN" dirty="0" err="1"/>
-              <a:t>thanks</a:t>
-            </a:r>
-            <a:r>
-              <a:rPr lang="de-DE" altLang="zh-CN" dirty="0"/>
-              <a:t> </a:t>
-            </a:r>
-            <a:r>
-              <a:rPr lang="de-DE" altLang="zh-CN" dirty="0" err="1"/>
-              <a:t>to</a:t>
-            </a:r>
-            <a:r>
-              <a:rPr lang="de-DE" altLang="zh-CN" dirty="0"/>
-              <a:t> </a:t>
-            </a:r>
-            <a:r>
-              <a:rPr lang="de-DE" altLang="zh-CN" dirty="0" err="1"/>
-              <a:t>our</a:t>
-            </a:r>
-            <a:r>
-              <a:rPr lang="de-DE" altLang="zh-CN" dirty="0"/>
-              <a:t> </a:t>
-            </a:r>
-            <a:r>
-              <a:rPr lang="de-DE" altLang="zh-CN" dirty="0" err="1"/>
-              <a:t>supervisors</a:t>
-            </a:r>
-            <a:r>
-              <a:rPr lang="de-DE" altLang="zh-CN" dirty="0"/>
-              <a:t>.</a:t>
-            </a:r>
-            <a:br>
-              <a:rPr lang="de-DE" altLang="zh-CN" dirty="0"/>
-            </a:br>
-            <a:endParaRPr lang="zh-CN" altLang="en-US" dirty="0"/>
+              <a:rPr lang="de-DE" altLang="zh-CN" sz="3200" kern="0" dirty="0">
+                <a:solidFill>
+                  <a:schemeClr val="tx1">
+                    <a:lumMod val="50000"/>
+                    <a:lumOff val="50000"/>
+                  </a:schemeClr>
+                </a:solidFill>
+                <a:latin typeface="DejaVu Sans"/>
+              </a:rPr>
+              <a:t>Incoherent Type 1</a:t>
+            </a:r>
+            <a:endParaRPr lang="zh-CN" altLang="en-US" dirty="0">
+              <a:solidFill>
+                <a:schemeClr val="tx1">
+                  <a:lumMod val="50000"/>
+                  <a:lumOff val="50000"/>
+                </a:schemeClr>
+              </a:solidFill>
+            </a:endParaRPr>
           </a:p>
         </p:txBody>
       </p:sp>
+      <p:sp>
+        <p:nvSpPr>
+          <p:cNvPr id="29" name="Rechteck 28">
+            <a:extLst>
+              <a:ext uri="{FF2B5EF4-FFF2-40B4-BE49-F238E27FC236}">
+                <a16:creationId xmlns:a16="http://schemas.microsoft.com/office/drawing/2014/main" id="{64242C75-7C9A-48D8-9AAA-025BB2903E59}"/>
+              </a:ext>
+            </a:extLst>
+          </p:cNvPr>
+          <p:cNvSpPr/>
+          <p:nvPr/>
+        </p:nvSpPr>
+        <p:spPr>
+          <a:xfrm>
+            <a:off x="4710896" y="601443"/>
+            <a:ext cx="3974165" cy="584775"/>
+          </a:xfrm>
+          <a:prstGeom prst="rect">
+            <a:avLst/>
+          </a:prstGeom>
+        </p:spPr>
+        <p:txBody>
+          <a:bodyPr wrap="none">
+            <a:spAutoFit/>
+          </a:bodyPr>
+          <a:lstStyle/>
+          <a:p>
+            <a:r>
+              <a:rPr lang="de-DE" altLang="zh-CN" sz="3200" kern="0" dirty="0">
+                <a:solidFill>
+                  <a:schemeClr val="tx1">
+                    <a:lumMod val="50000"/>
+                    <a:lumOff val="50000"/>
+                  </a:schemeClr>
+                </a:solidFill>
+                <a:latin typeface="DejaVu Sans"/>
+              </a:rPr>
+              <a:t>Incoherent Type 4</a:t>
+            </a:r>
+            <a:endParaRPr lang="zh-CN" altLang="en-US" dirty="0">
+              <a:solidFill>
+                <a:schemeClr val="tx1">
+                  <a:lumMod val="50000"/>
+                  <a:lumOff val="50000"/>
+                </a:schemeClr>
+              </a:solidFill>
+            </a:endParaRPr>
+          </a:p>
+        </p:txBody>
+      </p:sp>
+      <mc:AlternateContent xmlns:mc="http://schemas.openxmlformats.org/markup-compatibility/2006">
+        <mc:Choice xmlns:a14="http://schemas.microsoft.com/office/drawing/2010/main" Requires="a14">
+          <p:sp>
+            <p:nvSpPr>
+              <p:cNvPr id="2" name="Rechteck 1">
+                <a:extLst>
+                  <a:ext uri="{FF2B5EF4-FFF2-40B4-BE49-F238E27FC236}">
+                    <a16:creationId xmlns:a16="http://schemas.microsoft.com/office/drawing/2014/main" id="{F0280EA1-267A-445A-B478-F331F7D1D6D4}"/>
+                  </a:ext>
+                </a:extLst>
+              </p:cNvPr>
+              <p:cNvSpPr/>
+              <p:nvPr/>
+            </p:nvSpPr>
+            <p:spPr>
+              <a:xfrm>
+                <a:off x="990600" y="5948218"/>
+                <a:ext cx="7841910" cy="668260"/>
+              </a:xfrm>
+              <a:prstGeom prst="rect">
+                <a:avLst/>
+              </a:prstGeom>
+            </p:spPr>
+            <p:txBody>
+              <a:bodyPr wrap="square">
+                <a:spAutoFit/>
+              </a:bodyPr>
+              <a:lstStyle/>
+              <a:p>
+                <a:r>
+                  <a:rPr lang="en-GB" altLang="zh-CN" dirty="0">
+                    <a:solidFill>
+                      <a:srgbClr val="002060"/>
+                    </a:solidFill>
+                    <a:sym typeface="Wingdings" panose="05000000000000000000" pitchFamily="2" charset="2"/>
+                  </a:rPr>
+                  <a:t></a:t>
+                </a:r>
+                <a:r>
+                  <a:rPr lang="en-GB" altLang="zh-CN" dirty="0">
+                    <a:solidFill>
+                      <a:srgbClr val="002060"/>
+                    </a:solidFill>
+                  </a:rPr>
+                  <a:t>Type 1: lost pulse like nature</a:t>
+                </a:r>
+              </a:p>
+              <a:p>
+                <a:r>
+                  <a:rPr lang="en-GB" altLang="zh-CN" dirty="0">
+                    <a:solidFill>
+                      <a:srgbClr val="002060"/>
+                    </a:solidFill>
+                    <a:sym typeface="Wingdings" panose="05000000000000000000" pitchFamily="2" charset="2"/>
+                  </a:rPr>
+                  <a:t>Type 4: pulse enabled by </a:t>
+                </a:r>
+                <a14:m>
+                  <m:oMath xmlns:m="http://schemas.openxmlformats.org/officeDocument/2006/math">
+                    <m:sSub>
+                      <m:sSubPr>
+                        <m:ctrlPr>
+                          <a:rPr lang="zh-CN" altLang="zh-CN" i="1">
+                            <a:solidFill>
+                              <a:srgbClr val="002060"/>
+                            </a:solidFill>
+                            <a:latin typeface="Cambria Math" panose="02040503050406030204" pitchFamily="18" charset="0"/>
+                            <a:ea typeface="Cambria Math" panose="02040503050406030204" pitchFamily="18" charset="0"/>
+                          </a:rPr>
+                        </m:ctrlPr>
+                      </m:sSubPr>
+                      <m:e>
+                        <m:r>
+                          <a:rPr lang="en-US" altLang="zh-CN" i="1">
+                            <a:solidFill>
+                              <a:srgbClr val="002060"/>
+                            </a:solidFill>
+                            <a:latin typeface="Cambria Math" panose="02040503050406030204" pitchFamily="18" charset="0"/>
+                            <a:ea typeface="等线" panose="02010600030101010101" pitchFamily="2" charset="-122"/>
+                            <a:cs typeface="Times New Roman" panose="02020603050405020304" pitchFamily="18" charset="0"/>
+                          </a:rPr>
+                          <m:t>𝑆</m:t>
+                        </m:r>
+                      </m:e>
+                      <m:sub>
+                        <m:r>
+                          <a:rPr lang="en-GB" altLang="zh-CN" i="1">
+                            <a:solidFill>
+                              <a:srgbClr val="002060"/>
+                            </a:solidFill>
+                            <a:latin typeface="Cambria Math" panose="02040503050406030204" pitchFamily="18" charset="0"/>
+                            <a:ea typeface="等线" panose="02010600030101010101" pitchFamily="2" charset="-122"/>
+                            <a:cs typeface="Times New Roman" panose="02020603050405020304" pitchFamily="18" charset="0"/>
+                          </a:rPr>
+                          <m:t>𝑦</m:t>
+                        </m:r>
+                      </m:sub>
+                    </m:sSub>
+                  </m:oMath>
+                </a14:m>
+                <a:r>
+                  <a:rPr lang="en-GB" altLang="zh-CN" dirty="0">
+                    <a:solidFill>
+                      <a:srgbClr val="002060"/>
+                    </a:solidFill>
+                  </a:rPr>
+                  <a:t> activation (AND gate only)</a:t>
+                </a:r>
+                <a:endParaRPr lang="zh-CN" altLang="en-US" dirty="0">
+                  <a:solidFill>
+                    <a:srgbClr val="002060"/>
+                  </a:solidFill>
+                </a:endParaRPr>
+              </a:p>
+            </p:txBody>
+          </p:sp>
+        </mc:Choice>
+        <mc:Fallback>
+          <p:sp>
+            <p:nvSpPr>
+              <p:cNvPr id="2" name="Rechteck 1">
+                <a:extLst>
+                  <a:ext uri="{FF2B5EF4-FFF2-40B4-BE49-F238E27FC236}">
+                    <a16:creationId xmlns:a16="http://schemas.microsoft.com/office/drawing/2014/main" id="{F0280EA1-267A-445A-B478-F331F7D1D6D4}"/>
+                  </a:ext>
+                </a:extLst>
+              </p:cNvPr>
+              <p:cNvSpPr>
+                <a:spLocks noRot="1" noChangeAspect="1" noMove="1" noResize="1" noEditPoints="1" noAdjustHandles="1" noChangeArrowheads="1" noChangeShapeType="1" noTextEdit="1"/>
+              </p:cNvSpPr>
+              <p:nvPr/>
+            </p:nvSpPr>
+            <p:spPr>
+              <a:xfrm>
+                <a:off x="990600" y="5948218"/>
+                <a:ext cx="7841910" cy="668260"/>
+              </a:xfrm>
+              <a:prstGeom prst="rect">
+                <a:avLst/>
+              </a:prstGeom>
+              <a:blipFill>
+                <a:blip r:embed="rId7"/>
+                <a:stretch>
+                  <a:fillRect l="-700" t="-6422" b="-11927"/>
+                </a:stretch>
+              </a:blipFill>
+            </p:spPr>
+            <p:txBody>
+              <a:bodyPr/>
+              <a:lstStyle/>
+              <a:p>
+                <a:r>
+                  <a:rPr lang="zh-CN" altLang="en-US">
+                    <a:noFill/>
+                  </a:rPr>
+                  <a:t> </a:t>
+                </a:r>
+              </a:p>
+            </p:txBody>
+          </p:sp>
+        </mc:Fallback>
+      </mc:AlternateContent>
     </p:spTree>
+    <p:extLst>
+      <p:ext uri="{BB962C8B-B14F-4D97-AF65-F5344CB8AC3E}">
+        <p14:creationId xmlns:p14="http://schemas.microsoft.com/office/powerpoint/2010/main" val="2030419713"/>
+      </p:ext>
+    </p:extLst>
   </p:cSld>
   <p:clrMapOvr>
     <a:masterClrMapping/>
   </p:clrMapOvr>
+  <mc:AlternateContent xmlns:mc="http://schemas.openxmlformats.org/markup-compatibility/2006">
+    <mc:Choice xmlns:p14="http://schemas.microsoft.com/office/powerpoint/2010/main" Requires="p14">
+      <p:transition spd="slow" p14:dur="12000"/>
+    </mc:Choice>
+    <mc:Fallback>
+      <p:transition spd="slow"/>
+    </mc:Fallback>
+  </mc:AlternateContent>
 </p:sld>
 </file>
 
